--- a/figures/3dvtonfigures.pptx
+++ b/figures/3dvtonfigures.pptx
@@ -5,19 +5,20 @@
     <p:sldMasterId id="2147483648" r:id="rId1"/>
   </p:sldMasterIdLst>
   <p:notesMasterIdLst>
-    <p:notesMasterId r:id="rId12"/>
+    <p:notesMasterId r:id="rId13"/>
   </p:notesMasterIdLst>
   <p:sldIdLst>
     <p:sldId id="427" r:id="rId2"/>
-    <p:sldId id="419" r:id="rId3"/>
-    <p:sldId id="421" r:id="rId4"/>
-    <p:sldId id="435" r:id="rId5"/>
-    <p:sldId id="436" r:id="rId6"/>
-    <p:sldId id="439" r:id="rId7"/>
-    <p:sldId id="437" r:id="rId8"/>
-    <p:sldId id="440" r:id="rId9"/>
-    <p:sldId id="441" r:id="rId10"/>
-    <p:sldId id="438" r:id="rId11"/>
+    <p:sldId id="442" r:id="rId3"/>
+    <p:sldId id="419" r:id="rId4"/>
+    <p:sldId id="421" r:id="rId5"/>
+    <p:sldId id="435" r:id="rId6"/>
+    <p:sldId id="436" r:id="rId7"/>
+    <p:sldId id="439" r:id="rId8"/>
+    <p:sldId id="437" r:id="rId9"/>
+    <p:sldId id="440" r:id="rId10"/>
+    <p:sldId id="441" r:id="rId11"/>
+    <p:sldId id="438" r:id="rId12"/>
   </p:sldIdLst>
   <p:sldSz cx="12192000" cy="6858000"/>
   <p:notesSz cx="6797675" cy="9929813"/>
@@ -206,7 +207,7 @@
           <a:p>
             <a:fld id="{64BD83FD-DBDB-44CC-AA7F-C3A1C7FA4535}" type="datetimeFigureOut">
               <a:rPr lang="ko-KR" altLang="en-US" smtClean="0"/>
-              <a:t>2020-02-12</a:t>
+              <a:t>2020-02-29</a:t>
             </a:fld>
             <a:endParaRPr lang="ko-KR" altLang="en-US"/>
           </a:p>
@@ -270,38 +271,37 @@
           <a:p>
             <a:pPr lvl="0"/>
             <a:r>
-              <a:rPr lang="ko-KR" altLang="en-US" smtClean="0"/>
+              <a:rPr lang="ko-KR" altLang="en-US"/>
               <a:t>마스터 텍스트 스타일 편집</a:t>
             </a:r>
           </a:p>
           <a:p>
             <a:pPr lvl="1"/>
             <a:r>
-              <a:rPr lang="ko-KR" altLang="en-US" smtClean="0"/>
+              <a:rPr lang="ko-KR" altLang="en-US"/>
               <a:t>둘째 수준</a:t>
             </a:r>
           </a:p>
           <a:p>
             <a:pPr lvl="2"/>
             <a:r>
-              <a:rPr lang="ko-KR" altLang="en-US" smtClean="0"/>
+              <a:rPr lang="ko-KR" altLang="en-US"/>
               <a:t>셋째 수준</a:t>
             </a:r>
           </a:p>
           <a:p>
             <a:pPr lvl="3"/>
             <a:r>
-              <a:rPr lang="ko-KR" altLang="en-US" smtClean="0"/>
+              <a:rPr lang="ko-KR" altLang="en-US"/>
               <a:t>넷째 수준</a:t>
             </a:r>
           </a:p>
           <a:p>
             <a:pPr lvl="4"/>
             <a:r>
-              <a:rPr lang="ko-KR" altLang="en-US" smtClean="0"/>
+              <a:rPr lang="ko-KR" altLang="en-US"/>
               <a:t>다섯째 수준</a:t>
             </a:r>
-            <a:endParaRPr lang="ko-KR" altLang="en-US"/>
           </a:p>
         </p:txBody>
       </p:sp>
@@ -516,10 +516,9 @@
           </a:lstStyle>
           <a:p>
             <a:r>
-              <a:rPr lang="ko-KR" altLang="en-US" smtClean="0"/>
+              <a:rPr lang="ko-KR" altLang="en-US"/>
               <a:t>마스터 제목 스타일 편집</a:t>
             </a:r>
-            <a:endParaRPr lang="ko-KR" altLang="en-US"/>
           </a:p>
         </p:txBody>
       </p:sp>
@@ -581,10 +580,9 @@
           </a:lstStyle>
           <a:p>
             <a:r>
-              <a:rPr lang="ko-KR" altLang="en-US" smtClean="0"/>
+              <a:rPr lang="ko-KR" altLang="en-US"/>
               <a:t>클릭하여 마스터 부제목 스타일 편집</a:t>
             </a:r>
-            <a:endParaRPr lang="ko-KR" altLang="en-US"/>
           </a:p>
         </p:txBody>
       </p:sp>
@@ -605,7 +603,7 @@
           <a:p>
             <a:fld id="{A1DC5353-9B7E-4C2C-8BF7-A479AFCB3A64}" type="datetime1">
               <a:rPr lang="ko-KR" altLang="en-US" smtClean="0"/>
-              <a:t>2020-02-12</a:t>
+              <a:t>2020-02-29</a:t>
             </a:fld>
             <a:endParaRPr lang="ko-KR" altLang="en-US"/>
           </a:p>
@@ -627,11 +625,11 @@
           <a:lstStyle/>
           <a:p>
             <a:r>
-              <a:rPr lang="ko-KR" altLang="en-US" smtClean="0"/>
+              <a:rPr lang="ko-KR" altLang="en-US"/>
               <a:t>서울과학기술대학교</a:t>
             </a:r>
             <a:r>
-              <a:rPr lang="en-US" altLang="ko-KR" smtClean="0"/>
+              <a:rPr lang="en-US" altLang="ko-KR"/>
               <a:t>, IPIU2020</a:t>
             </a:r>
             <a:endParaRPr lang="ko-KR" altLang="en-US"/>
@@ -707,10 +705,9 @@
           <a:lstStyle/>
           <a:p>
             <a:r>
-              <a:rPr lang="ko-KR" altLang="en-US" smtClean="0"/>
+              <a:rPr lang="ko-KR" altLang="en-US"/>
               <a:t>마스터 제목 스타일 편집</a:t>
             </a:r>
-            <a:endParaRPr lang="ko-KR" altLang="en-US"/>
           </a:p>
         </p:txBody>
       </p:sp>
@@ -731,38 +728,37 @@
           <a:p>
             <a:pPr lvl="0"/>
             <a:r>
-              <a:rPr lang="ko-KR" altLang="en-US" smtClean="0"/>
+              <a:rPr lang="ko-KR" altLang="en-US"/>
               <a:t>마스터 텍스트 스타일 편집</a:t>
             </a:r>
           </a:p>
           <a:p>
             <a:pPr lvl="1"/>
             <a:r>
-              <a:rPr lang="ko-KR" altLang="en-US" smtClean="0"/>
+              <a:rPr lang="ko-KR" altLang="en-US"/>
               <a:t>둘째 수준</a:t>
             </a:r>
           </a:p>
           <a:p>
             <a:pPr lvl="2"/>
             <a:r>
-              <a:rPr lang="ko-KR" altLang="en-US" smtClean="0"/>
+              <a:rPr lang="ko-KR" altLang="en-US"/>
               <a:t>셋째 수준</a:t>
             </a:r>
           </a:p>
           <a:p>
             <a:pPr lvl="3"/>
             <a:r>
-              <a:rPr lang="ko-KR" altLang="en-US" smtClean="0"/>
+              <a:rPr lang="ko-KR" altLang="en-US"/>
               <a:t>넷째 수준</a:t>
             </a:r>
           </a:p>
           <a:p>
             <a:pPr lvl="4"/>
             <a:r>
-              <a:rPr lang="ko-KR" altLang="en-US" smtClean="0"/>
+              <a:rPr lang="ko-KR" altLang="en-US"/>
               <a:t>다섯째 수준</a:t>
             </a:r>
-            <a:endParaRPr lang="ko-KR" altLang="en-US"/>
           </a:p>
         </p:txBody>
       </p:sp>
@@ -783,7 +779,7 @@
           <a:p>
             <a:fld id="{4F941AFB-EDC3-4338-877A-EBEF81004665}" type="datetime1">
               <a:rPr lang="ko-KR" altLang="en-US" smtClean="0"/>
-              <a:t>2020-02-12</a:t>
+              <a:t>2020-02-29</a:t>
             </a:fld>
             <a:endParaRPr lang="ko-KR" altLang="en-US"/>
           </a:p>
@@ -805,11 +801,11 @@
           <a:lstStyle/>
           <a:p>
             <a:r>
-              <a:rPr lang="ko-KR" altLang="en-US" smtClean="0"/>
+              <a:rPr lang="ko-KR" altLang="en-US"/>
               <a:t>서울과학기술대학교</a:t>
             </a:r>
             <a:r>
-              <a:rPr lang="en-US" altLang="ko-KR" smtClean="0"/>
+              <a:rPr lang="en-US" altLang="ko-KR"/>
               <a:t>, IPIU2020</a:t>
             </a:r>
             <a:endParaRPr lang="ko-KR" altLang="en-US"/>
@@ -890,10 +886,9 @@
           <a:lstStyle/>
           <a:p>
             <a:r>
-              <a:rPr lang="ko-KR" altLang="en-US" smtClean="0"/>
+              <a:rPr lang="ko-KR" altLang="en-US"/>
               <a:t>마스터 제목 스타일 편집</a:t>
             </a:r>
-            <a:endParaRPr lang="ko-KR" altLang="en-US"/>
           </a:p>
         </p:txBody>
       </p:sp>
@@ -919,38 +914,37 @@
           <a:p>
             <a:pPr lvl="0"/>
             <a:r>
-              <a:rPr lang="ko-KR" altLang="en-US" smtClean="0"/>
+              <a:rPr lang="ko-KR" altLang="en-US"/>
               <a:t>마스터 텍스트 스타일 편집</a:t>
             </a:r>
           </a:p>
           <a:p>
             <a:pPr lvl="1"/>
             <a:r>
-              <a:rPr lang="ko-KR" altLang="en-US" smtClean="0"/>
+              <a:rPr lang="ko-KR" altLang="en-US"/>
               <a:t>둘째 수준</a:t>
             </a:r>
           </a:p>
           <a:p>
             <a:pPr lvl="2"/>
             <a:r>
-              <a:rPr lang="ko-KR" altLang="en-US" smtClean="0"/>
+              <a:rPr lang="ko-KR" altLang="en-US"/>
               <a:t>셋째 수준</a:t>
             </a:r>
           </a:p>
           <a:p>
             <a:pPr lvl="3"/>
             <a:r>
-              <a:rPr lang="ko-KR" altLang="en-US" smtClean="0"/>
+              <a:rPr lang="ko-KR" altLang="en-US"/>
               <a:t>넷째 수준</a:t>
             </a:r>
           </a:p>
           <a:p>
             <a:pPr lvl="4"/>
             <a:r>
-              <a:rPr lang="ko-KR" altLang="en-US" smtClean="0"/>
+              <a:rPr lang="ko-KR" altLang="en-US"/>
               <a:t>다섯째 수준</a:t>
             </a:r>
-            <a:endParaRPr lang="ko-KR" altLang="en-US"/>
           </a:p>
         </p:txBody>
       </p:sp>
@@ -971,7 +965,7 @@
           <a:p>
             <a:fld id="{7812E441-C5F2-49EA-AB0B-31FC3FF52A5A}" type="datetime1">
               <a:rPr lang="ko-KR" altLang="en-US" smtClean="0"/>
-              <a:t>2020-02-12</a:t>
+              <a:t>2020-02-29</a:t>
             </a:fld>
             <a:endParaRPr lang="ko-KR" altLang="en-US"/>
           </a:p>
@@ -993,11 +987,11 @@
           <a:lstStyle/>
           <a:p>
             <a:r>
-              <a:rPr lang="ko-KR" altLang="en-US" smtClean="0"/>
+              <a:rPr lang="ko-KR" altLang="en-US"/>
               <a:t>서울과학기술대학교</a:t>
             </a:r>
             <a:r>
-              <a:rPr lang="en-US" altLang="ko-KR" smtClean="0"/>
+              <a:rPr lang="en-US" altLang="ko-KR"/>
               <a:t>, IPIU2020</a:t>
             </a:r>
             <a:endParaRPr lang="ko-KR" altLang="en-US"/>
@@ -1073,10 +1067,9 @@
           <a:lstStyle/>
           <a:p>
             <a:r>
-              <a:rPr lang="ko-KR" altLang="en-US" smtClean="0"/>
+              <a:rPr lang="ko-KR" altLang="en-US"/>
               <a:t>마스터 제목 스타일 편집</a:t>
             </a:r>
-            <a:endParaRPr lang="ko-KR" altLang="en-US"/>
           </a:p>
         </p:txBody>
       </p:sp>
@@ -1097,38 +1090,37 @@
           <a:p>
             <a:pPr lvl="0"/>
             <a:r>
-              <a:rPr lang="ko-KR" altLang="en-US" smtClean="0"/>
+              <a:rPr lang="ko-KR" altLang="en-US"/>
               <a:t>마스터 텍스트 스타일 편집</a:t>
             </a:r>
           </a:p>
           <a:p>
             <a:pPr lvl="1"/>
             <a:r>
-              <a:rPr lang="ko-KR" altLang="en-US" smtClean="0"/>
+              <a:rPr lang="ko-KR" altLang="en-US"/>
               <a:t>둘째 수준</a:t>
             </a:r>
           </a:p>
           <a:p>
             <a:pPr lvl="2"/>
             <a:r>
-              <a:rPr lang="ko-KR" altLang="en-US" smtClean="0"/>
+              <a:rPr lang="ko-KR" altLang="en-US"/>
               <a:t>셋째 수준</a:t>
             </a:r>
           </a:p>
           <a:p>
             <a:pPr lvl="3"/>
             <a:r>
-              <a:rPr lang="ko-KR" altLang="en-US" smtClean="0"/>
+              <a:rPr lang="ko-KR" altLang="en-US"/>
               <a:t>넷째 수준</a:t>
             </a:r>
           </a:p>
           <a:p>
             <a:pPr lvl="4"/>
             <a:r>
-              <a:rPr lang="ko-KR" altLang="en-US" smtClean="0"/>
+              <a:rPr lang="ko-KR" altLang="en-US"/>
               <a:t>다섯째 수준</a:t>
             </a:r>
-            <a:endParaRPr lang="ko-KR" altLang="en-US"/>
           </a:p>
         </p:txBody>
       </p:sp>
@@ -1149,7 +1141,7 @@
           <a:p>
             <a:fld id="{03DA7013-D82C-4145-8749-23FE133125EB}" type="datetime1">
               <a:rPr lang="ko-KR" altLang="en-US" smtClean="0"/>
-              <a:t>2020-02-12</a:t>
+              <a:t>2020-02-29</a:t>
             </a:fld>
             <a:endParaRPr lang="ko-KR" altLang="en-US"/>
           </a:p>
@@ -1171,11 +1163,11 @@
           <a:lstStyle/>
           <a:p>
             <a:r>
-              <a:rPr lang="ko-KR" altLang="en-US" smtClean="0"/>
+              <a:rPr lang="ko-KR" altLang="en-US"/>
               <a:t>서울과학기술대학교</a:t>
             </a:r>
             <a:r>
-              <a:rPr lang="en-US" altLang="ko-KR" smtClean="0"/>
+              <a:rPr lang="en-US" altLang="ko-KR"/>
               <a:t>, IPIU2020</a:t>
             </a:r>
             <a:endParaRPr lang="ko-KR" altLang="en-US"/>
@@ -1260,10 +1252,9 @@
           </a:lstStyle>
           <a:p>
             <a:r>
-              <a:rPr lang="ko-KR" altLang="en-US" smtClean="0"/>
+              <a:rPr lang="ko-KR" altLang="en-US"/>
               <a:t>마스터 제목 스타일 편집</a:t>
             </a:r>
-            <a:endParaRPr lang="ko-KR" altLang="en-US"/>
           </a:p>
         </p:txBody>
       </p:sp>
@@ -1380,7 +1371,7 @@
           <a:p>
             <a:pPr lvl="0"/>
             <a:r>
-              <a:rPr lang="ko-KR" altLang="en-US" smtClean="0"/>
+              <a:rPr lang="ko-KR" altLang="en-US"/>
               <a:t>마스터 텍스트 스타일 편집</a:t>
             </a:r>
           </a:p>
@@ -1403,7 +1394,7 @@
           <a:p>
             <a:fld id="{5B3AE313-0257-4D5F-800F-6C68D24C1FC1}" type="datetime1">
               <a:rPr lang="ko-KR" altLang="en-US" smtClean="0"/>
-              <a:t>2020-02-12</a:t>
+              <a:t>2020-02-29</a:t>
             </a:fld>
             <a:endParaRPr lang="ko-KR" altLang="en-US"/>
           </a:p>
@@ -1425,11 +1416,11 @@
           <a:lstStyle/>
           <a:p>
             <a:r>
-              <a:rPr lang="ko-KR" altLang="en-US" smtClean="0"/>
+              <a:rPr lang="ko-KR" altLang="en-US"/>
               <a:t>서울과학기술대학교</a:t>
             </a:r>
             <a:r>
-              <a:rPr lang="en-US" altLang="ko-KR" smtClean="0"/>
+              <a:rPr lang="en-US" altLang="ko-KR"/>
               <a:t>, IPIU2020</a:t>
             </a:r>
             <a:endParaRPr lang="ko-KR" altLang="en-US"/>
@@ -1505,10 +1496,9 @@
           <a:lstStyle/>
           <a:p>
             <a:r>
-              <a:rPr lang="ko-KR" altLang="en-US" smtClean="0"/>
+              <a:rPr lang="ko-KR" altLang="en-US"/>
               <a:t>마스터 제목 스타일 편집</a:t>
             </a:r>
-            <a:endParaRPr lang="ko-KR" altLang="en-US"/>
           </a:p>
         </p:txBody>
       </p:sp>
@@ -1534,38 +1524,37 @@
           <a:p>
             <a:pPr lvl="0"/>
             <a:r>
-              <a:rPr lang="ko-KR" altLang="en-US" smtClean="0"/>
+              <a:rPr lang="ko-KR" altLang="en-US"/>
               <a:t>마스터 텍스트 스타일 편집</a:t>
             </a:r>
           </a:p>
           <a:p>
             <a:pPr lvl="1"/>
             <a:r>
-              <a:rPr lang="ko-KR" altLang="en-US" smtClean="0"/>
+              <a:rPr lang="ko-KR" altLang="en-US"/>
               <a:t>둘째 수준</a:t>
             </a:r>
           </a:p>
           <a:p>
             <a:pPr lvl="2"/>
             <a:r>
-              <a:rPr lang="ko-KR" altLang="en-US" smtClean="0"/>
+              <a:rPr lang="ko-KR" altLang="en-US"/>
               <a:t>셋째 수준</a:t>
             </a:r>
           </a:p>
           <a:p>
             <a:pPr lvl="3"/>
             <a:r>
-              <a:rPr lang="ko-KR" altLang="en-US" smtClean="0"/>
+              <a:rPr lang="ko-KR" altLang="en-US"/>
               <a:t>넷째 수준</a:t>
             </a:r>
           </a:p>
           <a:p>
             <a:pPr lvl="4"/>
             <a:r>
-              <a:rPr lang="ko-KR" altLang="en-US" smtClean="0"/>
+              <a:rPr lang="ko-KR" altLang="en-US"/>
               <a:t>다섯째 수준</a:t>
             </a:r>
-            <a:endParaRPr lang="ko-KR" altLang="en-US"/>
           </a:p>
         </p:txBody>
       </p:sp>
@@ -1591,38 +1580,37 @@
           <a:p>
             <a:pPr lvl="0"/>
             <a:r>
-              <a:rPr lang="ko-KR" altLang="en-US" smtClean="0"/>
+              <a:rPr lang="ko-KR" altLang="en-US"/>
               <a:t>마스터 텍스트 스타일 편집</a:t>
             </a:r>
           </a:p>
           <a:p>
             <a:pPr lvl="1"/>
             <a:r>
-              <a:rPr lang="ko-KR" altLang="en-US" smtClean="0"/>
+              <a:rPr lang="ko-KR" altLang="en-US"/>
               <a:t>둘째 수준</a:t>
             </a:r>
           </a:p>
           <a:p>
             <a:pPr lvl="2"/>
             <a:r>
-              <a:rPr lang="ko-KR" altLang="en-US" smtClean="0"/>
+              <a:rPr lang="ko-KR" altLang="en-US"/>
               <a:t>셋째 수준</a:t>
             </a:r>
           </a:p>
           <a:p>
             <a:pPr lvl="3"/>
             <a:r>
-              <a:rPr lang="ko-KR" altLang="en-US" smtClean="0"/>
+              <a:rPr lang="ko-KR" altLang="en-US"/>
               <a:t>넷째 수준</a:t>
             </a:r>
           </a:p>
           <a:p>
             <a:pPr lvl="4"/>
             <a:r>
-              <a:rPr lang="ko-KR" altLang="en-US" smtClean="0"/>
+              <a:rPr lang="ko-KR" altLang="en-US"/>
               <a:t>다섯째 수준</a:t>
             </a:r>
-            <a:endParaRPr lang="ko-KR" altLang="en-US"/>
           </a:p>
         </p:txBody>
       </p:sp>
@@ -1643,7 +1631,7 @@
           <a:p>
             <a:fld id="{641F9DEC-376F-4D99-9E07-CFE4F0B71E1C}" type="datetime1">
               <a:rPr lang="ko-KR" altLang="en-US" smtClean="0"/>
-              <a:t>2020-02-12</a:t>
+              <a:t>2020-02-29</a:t>
             </a:fld>
             <a:endParaRPr lang="ko-KR" altLang="en-US"/>
           </a:p>
@@ -1665,11 +1653,11 @@
           <a:lstStyle/>
           <a:p>
             <a:r>
-              <a:rPr lang="ko-KR" altLang="en-US" smtClean="0"/>
+              <a:rPr lang="ko-KR" altLang="en-US"/>
               <a:t>서울과학기술대학교</a:t>
             </a:r>
             <a:r>
-              <a:rPr lang="en-US" altLang="ko-KR" smtClean="0"/>
+              <a:rPr lang="en-US" altLang="ko-KR"/>
               <a:t>, IPIU2020</a:t>
             </a:r>
             <a:endParaRPr lang="ko-KR" altLang="en-US"/>
@@ -1750,10 +1738,9 @@
           <a:lstStyle/>
           <a:p>
             <a:r>
-              <a:rPr lang="ko-KR" altLang="en-US" smtClean="0"/>
+              <a:rPr lang="ko-KR" altLang="en-US"/>
               <a:t>마스터 제목 스타일 편집</a:t>
             </a:r>
-            <a:endParaRPr lang="ko-KR" altLang="en-US"/>
           </a:p>
         </p:txBody>
       </p:sp>
@@ -1816,7 +1803,7 @@
           <a:p>
             <a:pPr lvl="0"/>
             <a:r>
-              <a:rPr lang="ko-KR" altLang="en-US" smtClean="0"/>
+              <a:rPr lang="ko-KR" altLang="en-US"/>
               <a:t>마스터 텍스트 스타일 편집</a:t>
             </a:r>
           </a:p>
@@ -1844,38 +1831,37 @@
           <a:p>
             <a:pPr lvl="0"/>
             <a:r>
-              <a:rPr lang="ko-KR" altLang="en-US" smtClean="0"/>
+              <a:rPr lang="ko-KR" altLang="en-US"/>
               <a:t>마스터 텍스트 스타일 편집</a:t>
             </a:r>
           </a:p>
           <a:p>
             <a:pPr lvl="1"/>
             <a:r>
-              <a:rPr lang="ko-KR" altLang="en-US" smtClean="0"/>
+              <a:rPr lang="ko-KR" altLang="en-US"/>
               <a:t>둘째 수준</a:t>
             </a:r>
           </a:p>
           <a:p>
             <a:pPr lvl="2"/>
             <a:r>
-              <a:rPr lang="ko-KR" altLang="en-US" smtClean="0"/>
+              <a:rPr lang="ko-KR" altLang="en-US"/>
               <a:t>셋째 수준</a:t>
             </a:r>
           </a:p>
           <a:p>
             <a:pPr lvl="3"/>
             <a:r>
-              <a:rPr lang="ko-KR" altLang="en-US" smtClean="0"/>
+              <a:rPr lang="ko-KR" altLang="en-US"/>
               <a:t>넷째 수준</a:t>
             </a:r>
           </a:p>
           <a:p>
             <a:pPr lvl="4"/>
             <a:r>
-              <a:rPr lang="ko-KR" altLang="en-US" smtClean="0"/>
+              <a:rPr lang="ko-KR" altLang="en-US"/>
               <a:t>다섯째 수준</a:t>
             </a:r>
-            <a:endParaRPr lang="ko-KR" altLang="en-US"/>
           </a:p>
         </p:txBody>
       </p:sp>
@@ -1938,7 +1924,7 @@
           <a:p>
             <a:pPr lvl="0"/>
             <a:r>
-              <a:rPr lang="ko-KR" altLang="en-US" smtClean="0"/>
+              <a:rPr lang="ko-KR" altLang="en-US"/>
               <a:t>마스터 텍스트 스타일 편집</a:t>
             </a:r>
           </a:p>
@@ -1966,38 +1952,37 @@
           <a:p>
             <a:pPr lvl="0"/>
             <a:r>
-              <a:rPr lang="ko-KR" altLang="en-US" smtClean="0"/>
+              <a:rPr lang="ko-KR" altLang="en-US"/>
               <a:t>마스터 텍스트 스타일 편집</a:t>
             </a:r>
           </a:p>
           <a:p>
             <a:pPr lvl="1"/>
             <a:r>
-              <a:rPr lang="ko-KR" altLang="en-US" smtClean="0"/>
+              <a:rPr lang="ko-KR" altLang="en-US"/>
               <a:t>둘째 수준</a:t>
             </a:r>
           </a:p>
           <a:p>
             <a:pPr lvl="2"/>
             <a:r>
-              <a:rPr lang="ko-KR" altLang="en-US" smtClean="0"/>
+              <a:rPr lang="ko-KR" altLang="en-US"/>
               <a:t>셋째 수준</a:t>
             </a:r>
           </a:p>
           <a:p>
             <a:pPr lvl="3"/>
             <a:r>
-              <a:rPr lang="ko-KR" altLang="en-US" smtClean="0"/>
+              <a:rPr lang="ko-KR" altLang="en-US"/>
               <a:t>넷째 수준</a:t>
             </a:r>
           </a:p>
           <a:p>
             <a:pPr lvl="4"/>
             <a:r>
-              <a:rPr lang="ko-KR" altLang="en-US" smtClean="0"/>
+              <a:rPr lang="ko-KR" altLang="en-US"/>
               <a:t>다섯째 수준</a:t>
             </a:r>
-            <a:endParaRPr lang="ko-KR" altLang="en-US"/>
           </a:p>
         </p:txBody>
       </p:sp>
@@ -2018,7 +2003,7 @@
           <a:p>
             <a:fld id="{3E685037-1411-46EB-85A5-5F9C2CFF396F}" type="datetime1">
               <a:rPr lang="ko-KR" altLang="en-US" smtClean="0"/>
-              <a:t>2020-02-12</a:t>
+              <a:t>2020-02-29</a:t>
             </a:fld>
             <a:endParaRPr lang="ko-KR" altLang="en-US"/>
           </a:p>
@@ -2040,11 +2025,11 @@
           <a:lstStyle/>
           <a:p>
             <a:r>
-              <a:rPr lang="ko-KR" altLang="en-US" smtClean="0"/>
+              <a:rPr lang="ko-KR" altLang="en-US"/>
               <a:t>서울과학기술대학교</a:t>
             </a:r>
             <a:r>
-              <a:rPr lang="en-US" altLang="ko-KR" smtClean="0"/>
+              <a:rPr lang="en-US" altLang="ko-KR"/>
               <a:t>, IPIU2020</a:t>
             </a:r>
             <a:endParaRPr lang="ko-KR" altLang="en-US"/>
@@ -2120,10 +2105,9 @@
           <a:lstStyle/>
           <a:p>
             <a:r>
-              <a:rPr lang="ko-KR" altLang="en-US" smtClean="0"/>
+              <a:rPr lang="ko-KR" altLang="en-US"/>
               <a:t>마스터 제목 스타일 편집</a:t>
             </a:r>
-            <a:endParaRPr lang="ko-KR" altLang="en-US"/>
           </a:p>
         </p:txBody>
       </p:sp>
@@ -2144,7 +2128,7 @@
           <a:p>
             <a:fld id="{BCED986B-0B6C-4324-B737-D304F1A6D0B0}" type="datetime1">
               <a:rPr lang="ko-KR" altLang="en-US" smtClean="0"/>
-              <a:t>2020-02-12</a:t>
+              <a:t>2020-02-29</a:t>
             </a:fld>
             <a:endParaRPr lang="ko-KR" altLang="en-US"/>
           </a:p>
@@ -2166,11 +2150,11 @@
           <a:lstStyle/>
           <a:p>
             <a:r>
-              <a:rPr lang="ko-KR" altLang="en-US" smtClean="0"/>
+              <a:rPr lang="ko-KR" altLang="en-US"/>
               <a:t>서울과학기술대학교</a:t>
             </a:r>
             <a:r>
-              <a:rPr lang="en-US" altLang="ko-KR" smtClean="0"/>
+              <a:rPr lang="en-US" altLang="ko-KR"/>
               <a:t>, IPIU2020</a:t>
             </a:r>
             <a:endParaRPr lang="ko-KR" altLang="en-US"/>
@@ -2247,7 +2231,7 @@
           <a:p>
             <a:fld id="{ACCAAB7A-3C9F-4606-AED8-E48CA6842541}" type="datetime1">
               <a:rPr lang="ko-KR" altLang="en-US" smtClean="0"/>
-              <a:t>2020-02-12</a:t>
+              <a:t>2020-02-29</a:t>
             </a:fld>
             <a:endParaRPr lang="ko-KR" altLang="en-US"/>
           </a:p>
@@ -2269,11 +2253,11 @@
           <a:lstStyle/>
           <a:p>
             <a:r>
-              <a:rPr lang="ko-KR" altLang="en-US" smtClean="0"/>
+              <a:rPr lang="ko-KR" altLang="en-US"/>
               <a:t>서울과학기술대학교</a:t>
             </a:r>
             <a:r>
-              <a:rPr lang="en-US" altLang="ko-KR" smtClean="0"/>
+              <a:rPr lang="en-US" altLang="ko-KR"/>
               <a:t>, IPIU2020</a:t>
             </a:r>
             <a:endParaRPr lang="ko-KR" altLang="en-US"/>
@@ -2358,10 +2342,9 @@
           </a:lstStyle>
           <a:p>
             <a:r>
-              <a:rPr lang="ko-KR" altLang="en-US" smtClean="0"/>
+              <a:rPr lang="ko-KR" altLang="en-US"/>
               <a:t>마스터 제목 스타일 편집</a:t>
             </a:r>
-            <a:endParaRPr lang="ko-KR" altLang="en-US"/>
           </a:p>
         </p:txBody>
       </p:sp>
@@ -2415,38 +2398,37 @@
           <a:p>
             <a:pPr lvl="0"/>
             <a:r>
-              <a:rPr lang="ko-KR" altLang="en-US" smtClean="0"/>
+              <a:rPr lang="ko-KR" altLang="en-US"/>
               <a:t>마스터 텍스트 스타일 편집</a:t>
             </a:r>
           </a:p>
           <a:p>
             <a:pPr lvl="1"/>
             <a:r>
-              <a:rPr lang="ko-KR" altLang="en-US" smtClean="0"/>
+              <a:rPr lang="ko-KR" altLang="en-US"/>
               <a:t>둘째 수준</a:t>
             </a:r>
           </a:p>
           <a:p>
             <a:pPr lvl="2"/>
             <a:r>
-              <a:rPr lang="ko-KR" altLang="en-US" smtClean="0"/>
+              <a:rPr lang="ko-KR" altLang="en-US"/>
               <a:t>셋째 수준</a:t>
             </a:r>
           </a:p>
           <a:p>
             <a:pPr lvl="3"/>
             <a:r>
-              <a:rPr lang="ko-KR" altLang="en-US" smtClean="0"/>
+              <a:rPr lang="ko-KR" altLang="en-US"/>
               <a:t>넷째 수준</a:t>
             </a:r>
           </a:p>
           <a:p>
             <a:pPr lvl="4"/>
             <a:r>
-              <a:rPr lang="ko-KR" altLang="en-US" smtClean="0"/>
+              <a:rPr lang="ko-KR" altLang="en-US"/>
               <a:t>다섯째 수준</a:t>
             </a:r>
-            <a:endParaRPr lang="ko-KR" altLang="en-US"/>
           </a:p>
         </p:txBody>
       </p:sp>
@@ -2509,7 +2491,7 @@
           <a:p>
             <a:pPr lvl="0"/>
             <a:r>
-              <a:rPr lang="ko-KR" altLang="en-US" smtClean="0"/>
+              <a:rPr lang="ko-KR" altLang="en-US"/>
               <a:t>마스터 텍스트 스타일 편집</a:t>
             </a:r>
           </a:p>
@@ -2532,7 +2514,7 @@
           <a:p>
             <a:fld id="{FF592EE9-CBA3-42FF-9D37-A3239A88FDCD}" type="datetime1">
               <a:rPr lang="ko-KR" altLang="en-US" smtClean="0"/>
-              <a:t>2020-02-12</a:t>
+              <a:t>2020-02-29</a:t>
             </a:fld>
             <a:endParaRPr lang="ko-KR" altLang="en-US"/>
           </a:p>
@@ -2554,11 +2536,11 @@
           <a:lstStyle/>
           <a:p>
             <a:r>
-              <a:rPr lang="ko-KR" altLang="en-US" smtClean="0"/>
+              <a:rPr lang="ko-KR" altLang="en-US"/>
               <a:t>서울과학기술대학교</a:t>
             </a:r>
             <a:r>
-              <a:rPr lang="en-US" altLang="ko-KR" smtClean="0"/>
+              <a:rPr lang="en-US" altLang="ko-KR"/>
               <a:t>, IPIU2020</a:t>
             </a:r>
             <a:endParaRPr lang="ko-KR" altLang="en-US"/>
@@ -2643,10 +2625,9 @@
           </a:lstStyle>
           <a:p>
             <a:r>
-              <a:rPr lang="ko-KR" altLang="en-US" smtClean="0"/>
+              <a:rPr lang="ko-KR" altLang="en-US"/>
               <a:t>마스터 제목 스타일 편집</a:t>
             </a:r>
-            <a:endParaRPr lang="ko-KR" altLang="en-US"/>
           </a:p>
         </p:txBody>
       </p:sp>
@@ -2770,7 +2751,7 @@
           <a:p>
             <a:pPr lvl="0"/>
             <a:r>
-              <a:rPr lang="ko-KR" altLang="en-US" smtClean="0"/>
+              <a:rPr lang="ko-KR" altLang="en-US"/>
               <a:t>마스터 텍스트 스타일 편집</a:t>
             </a:r>
           </a:p>
@@ -2793,7 +2774,7 @@
           <a:p>
             <a:fld id="{148BA039-1F0B-4979-A2BE-F5B60E892E13}" type="datetime1">
               <a:rPr lang="ko-KR" altLang="en-US" smtClean="0"/>
-              <a:t>2020-02-12</a:t>
+              <a:t>2020-02-29</a:t>
             </a:fld>
             <a:endParaRPr lang="ko-KR" altLang="en-US"/>
           </a:p>
@@ -2815,11 +2796,11 @@
           <a:lstStyle/>
           <a:p>
             <a:r>
-              <a:rPr lang="ko-KR" altLang="en-US" smtClean="0"/>
+              <a:rPr lang="ko-KR" altLang="en-US"/>
               <a:t>서울과학기술대학교</a:t>
             </a:r>
             <a:r>
-              <a:rPr lang="en-US" altLang="ko-KR" smtClean="0"/>
+              <a:rPr lang="en-US" altLang="ko-KR"/>
               <a:t>, IPIU2020</a:t>
             </a:r>
             <a:endParaRPr lang="ko-KR" altLang="en-US"/>
@@ -2910,10 +2891,9 @@
           <a:lstStyle/>
           <a:p>
             <a:r>
-              <a:rPr lang="ko-KR" altLang="en-US" smtClean="0"/>
+              <a:rPr lang="ko-KR" altLang="en-US"/>
               <a:t>마스터 제목 스타일 편집</a:t>
             </a:r>
-            <a:endParaRPr lang="ko-KR" altLang="en-US"/>
           </a:p>
         </p:txBody>
       </p:sp>
@@ -2944,38 +2924,37 @@
           <a:p>
             <a:pPr lvl="0"/>
             <a:r>
-              <a:rPr lang="ko-KR" altLang="en-US" smtClean="0"/>
+              <a:rPr lang="ko-KR" altLang="en-US"/>
               <a:t>마스터 텍스트 스타일 편집</a:t>
             </a:r>
           </a:p>
           <a:p>
             <a:pPr lvl="1"/>
             <a:r>
-              <a:rPr lang="ko-KR" altLang="en-US" smtClean="0"/>
+              <a:rPr lang="ko-KR" altLang="en-US"/>
               <a:t>둘째 수준</a:t>
             </a:r>
           </a:p>
           <a:p>
             <a:pPr lvl="2"/>
             <a:r>
-              <a:rPr lang="ko-KR" altLang="en-US" smtClean="0"/>
+              <a:rPr lang="ko-KR" altLang="en-US"/>
               <a:t>셋째 수준</a:t>
             </a:r>
           </a:p>
           <a:p>
             <a:pPr lvl="3"/>
             <a:r>
-              <a:rPr lang="ko-KR" altLang="en-US" smtClean="0"/>
+              <a:rPr lang="ko-KR" altLang="en-US"/>
               <a:t>넷째 수준</a:t>
             </a:r>
           </a:p>
           <a:p>
             <a:pPr lvl="4"/>
             <a:r>
-              <a:rPr lang="ko-KR" altLang="en-US" smtClean="0"/>
+              <a:rPr lang="ko-KR" altLang="en-US"/>
               <a:t>다섯째 수준</a:t>
             </a:r>
-            <a:endParaRPr lang="ko-KR" altLang="en-US"/>
           </a:p>
         </p:txBody>
       </p:sp>
@@ -3014,7 +2993,7 @@
           <a:p>
             <a:fld id="{8DAC639A-DC4C-496C-9FC5-0B1DB18ED750}" type="datetime1">
               <a:rPr lang="ko-KR" altLang="en-US" smtClean="0"/>
-              <a:t>2020-02-12</a:t>
+              <a:t>2020-02-29</a:t>
             </a:fld>
             <a:endParaRPr lang="ko-KR" altLang="en-US"/>
           </a:p>
@@ -3054,11 +3033,11 @@
           </a:lstStyle>
           <a:p>
             <a:r>
-              <a:rPr lang="ko-KR" altLang="en-US" smtClean="0"/>
+              <a:rPr lang="ko-KR" altLang="en-US"/>
               <a:t>서울과학기술대학교</a:t>
             </a:r>
             <a:r>
-              <a:rPr lang="en-US" altLang="ko-KR" smtClean="0"/>
+              <a:rPr lang="en-US" altLang="ko-KR"/>
               <a:t>, IPIU2020</a:t>
             </a:r>
             <a:endParaRPr lang="ko-KR" altLang="en-US"/>
@@ -3451,16 +3430,12 @@
           <a:lstStyle/>
           <a:p>
             <a:r>
-              <a:rPr lang="ko-KR" altLang="en-US" sz="4000" dirty="0" smtClean="0">
+              <a:rPr lang="ko-KR" altLang="en-US" sz="4000" dirty="0">
                 <a:latin typeface="문체부 훈민정음체" panose="02020603020101020101" pitchFamily="18" charset="-127"/>
                 <a:ea typeface="문체부 훈민정음체" panose="02020603020101020101" pitchFamily="18" charset="-127"/>
               </a:rPr>
               <a:t>전체 시스템 </a:t>
             </a:r>
-            <a:endParaRPr lang="ko-KR" altLang="en-US" sz="4000" dirty="0">
-              <a:latin typeface="문체부 훈민정음체" panose="02020603020101020101" pitchFamily="18" charset="-127"/>
-              <a:ea typeface="문체부 훈민정음체" panose="02020603020101020101" pitchFamily="18" charset="-127"/>
-            </a:endParaRPr>
           </a:p>
         </p:txBody>
       </p:sp>
@@ -4103,7 +4078,7 @@
             <a:lstStyle/>
             <a:p>
               <a:r>
-                <a:rPr lang="en-US" altLang="ko-KR" sz="1200" dirty="0" smtClean="0">
+                <a:rPr lang="en-US" altLang="ko-KR" sz="1200" dirty="0">
                   <a:latin typeface="Comic Sans MS" panose="030F0702030302020204" pitchFamily="66" charset="0"/>
                 </a:rPr>
                 <a:t>2d joints</a:t>
@@ -4137,7 +4112,7 @@
             <a:lstStyle/>
             <a:p>
               <a:r>
-                <a:rPr lang="en-US" altLang="ko-KR" sz="1200" dirty="0" smtClean="0">
+                <a:rPr lang="en-US" altLang="ko-KR" sz="1200" dirty="0">
                   <a:latin typeface="Comic Sans MS" panose="030F0702030302020204" pitchFamily="66" charset="0"/>
                 </a:rPr>
                 <a:t>SMPL model</a:t>
@@ -4145,7 +4120,7 @@
             </a:p>
             <a:p>
               <a:r>
-                <a:rPr lang="en-US" altLang="ko-KR" sz="1200" dirty="0" smtClean="0">
+                <a:rPr lang="en-US" altLang="ko-KR" sz="1200" dirty="0">
                   <a:latin typeface="Comic Sans MS" panose="030F0702030302020204" pitchFamily="66" charset="0"/>
                 </a:rPr>
                 <a:t>Cloth 3-D model</a:t>
@@ -4153,7 +4128,7 @@
             </a:p>
             <a:p>
               <a:r>
-                <a:rPr lang="en-US" altLang="ko-KR" sz="1200" dirty="0" smtClean="0">
+                <a:rPr lang="en-US" altLang="ko-KR" sz="1200" dirty="0">
                   <a:latin typeface="Comic Sans MS" panose="030F0702030302020204" pitchFamily="66" charset="0"/>
                 </a:rPr>
                 <a:t>Relation-ship</a:t>
@@ -4184,7 +4159,7 @@
             <a:lstStyle/>
             <a:p>
               <a:r>
-                <a:rPr lang="en-US" altLang="ko-KR" sz="1200" dirty="0" smtClean="0">
+                <a:rPr lang="en-US" altLang="ko-KR" sz="1200" dirty="0">
                   <a:latin typeface="Comic Sans MS" panose="030F0702030302020204" pitchFamily="66" charset="0"/>
                 </a:rPr>
                 <a:t>Segmentation mask</a:t>
@@ -4621,7 +4596,7 @@
             <a:lstStyle/>
             <a:p>
               <a:r>
-                <a:rPr lang="en-US" altLang="ko-KR" sz="1200" dirty="0" smtClean="0">
+                <a:rPr lang="en-US" altLang="ko-KR" sz="1200" dirty="0">
                   <a:latin typeface="Comic Sans MS" panose="030F0702030302020204" pitchFamily="66" charset="0"/>
                 </a:rPr>
                 <a:t>3D Wared cloth</a:t>
@@ -4692,7 +4667,7 @@
             <a:lstStyle/>
             <a:p>
               <a:r>
-                <a:rPr lang="en-US" altLang="ko-KR" sz="1200" dirty="0" smtClean="0">
+                <a:rPr lang="en-US" altLang="ko-KR" sz="1200" dirty="0">
                   <a:latin typeface="Comic Sans MS" panose="030F0702030302020204" pitchFamily="66" charset="0"/>
                 </a:rPr>
                 <a:t>Final Warped</a:t>
@@ -4700,7 +4675,7 @@
             </a:p>
             <a:p>
               <a:r>
-                <a:rPr lang="en-US" altLang="ko-KR" sz="1200" dirty="0" smtClean="0">
+                <a:rPr lang="en-US" altLang="ko-KR" sz="1200" dirty="0">
                   <a:latin typeface="Comic Sans MS" panose="030F0702030302020204" pitchFamily="66" charset="0"/>
                 </a:rPr>
                 <a:t>Clothed for original pose</a:t>
@@ -4847,7 +4822,7 @@
             <a:lstStyle/>
             <a:p>
               <a:r>
-                <a:rPr lang="en-US" altLang="ko-KR" sz="1400" dirty="0" smtClean="0">
+                <a:rPr lang="en-US" altLang="ko-KR" sz="1400" dirty="0">
                   <a:latin typeface="Comic Sans MS" panose="030F0702030302020204" pitchFamily="66" charset="0"/>
                 </a:rPr>
                 <a:t>pose, shape</a:t>
@@ -4944,7 +4919,7 @@
             <a:lstStyle/>
             <a:p>
               <a:r>
-                <a:rPr lang="en-US" altLang="ko-KR" sz="1400" dirty="0" smtClean="0">
+                <a:rPr lang="en-US" altLang="ko-KR" sz="1400" dirty="0">
                   <a:latin typeface="Comic Sans MS" panose="030F0702030302020204" pitchFamily="66" charset="0"/>
                 </a:rPr>
                 <a:t>Reference-SMPL </a:t>
@@ -4978,7 +4953,7 @@
             <a:lstStyle/>
             <a:p>
               <a:r>
-                <a:rPr lang="en-US" altLang="ko-KR" sz="1400" dirty="0" smtClean="0">
+                <a:rPr lang="en-US" altLang="ko-KR" sz="1400" dirty="0">
                   <a:latin typeface="Comic Sans MS" panose="030F0702030302020204" pitchFamily="66" charset="0"/>
                 </a:rPr>
                 <a:t>Source Cloth</a:t>
@@ -5032,7 +5007,7 @@
             <a:p>
               <a:pPr algn="ctr"/>
               <a:r>
-                <a:rPr lang="en-US" altLang="ko-KR" sz="1400" dirty="0" smtClean="0">
+                <a:rPr lang="en-US" altLang="ko-KR" sz="1400" dirty="0">
                   <a:solidFill>
                     <a:schemeClr val="tx1"/>
                   </a:solidFill>
@@ -5044,7 +5019,7 @@
             <a:p>
               <a:pPr algn="ctr"/>
               <a:r>
-                <a:rPr lang="en-US" altLang="ko-KR" sz="1400" dirty="0" smtClean="0">
+                <a:rPr lang="en-US" altLang="ko-KR" sz="1400" dirty="0">
                   <a:solidFill>
                     <a:schemeClr val="tx1"/>
                   </a:solidFill>
@@ -5108,7 +5083,7 @@
             <a:lstStyle/>
             <a:p>
               <a:r>
-                <a:rPr lang="en-US" altLang="ko-KR" sz="1400" dirty="0" smtClean="0">
+                <a:rPr lang="en-US" altLang="ko-KR" sz="1400" dirty="0">
                   <a:latin typeface="Comic Sans MS" panose="030F0702030302020204" pitchFamily="66" charset="0"/>
                 </a:rPr>
                 <a:t>rendering</a:t>
@@ -5420,7 +5395,7 @@
             <a:lstStyle/>
             <a:p>
               <a:r>
-                <a:rPr lang="en-US" altLang="ko-KR" sz="1400" dirty="0" smtClean="0">
+                <a:rPr lang="en-US" altLang="ko-KR" sz="1400" dirty="0">
                   <a:latin typeface="Comic Sans MS" panose="030F0702030302020204" pitchFamily="66" charset="0"/>
                 </a:rPr>
                 <a:t>Target human</a:t>
@@ -5693,7 +5668,7 @@
             <a:lstStyle/>
             <a:p>
               <a:r>
-                <a:rPr lang="en-US" altLang="ko-KR" sz="1200" dirty="0" smtClean="0">
+                <a:rPr lang="en-US" altLang="ko-KR" sz="1200" dirty="0">
                   <a:latin typeface="Comic Sans MS" panose="030F0702030302020204" pitchFamily="66" charset="0"/>
                 </a:rPr>
                 <a:t>SMPL model</a:t>
@@ -5701,7 +5676,7 @@
             </a:p>
             <a:p>
               <a:r>
-                <a:rPr lang="en-US" altLang="ko-KR" sz="1200" dirty="0" smtClean="0">
+                <a:rPr lang="en-US" altLang="ko-KR" sz="1200" dirty="0">
                   <a:latin typeface="Comic Sans MS" panose="030F0702030302020204" pitchFamily="66" charset="0"/>
                 </a:rPr>
                 <a:t>Cloth 3-D model</a:t>
@@ -5709,7 +5684,7 @@
             </a:p>
             <a:p>
               <a:r>
-                <a:rPr lang="en-US" altLang="ko-KR" sz="1200" dirty="0" smtClean="0">
+                <a:rPr lang="en-US" altLang="ko-KR" sz="1200" dirty="0">
                   <a:latin typeface="Comic Sans MS" panose="030F0702030302020204" pitchFamily="66" charset="0"/>
                 </a:rPr>
                 <a:t>Relation-ship</a:t>
@@ -5945,7 +5920,7 @@
             <a:lstStyle/>
             <a:p>
               <a:r>
-                <a:rPr lang="en-US" altLang="ko-KR" sz="1200" dirty="0" smtClean="0">
+                <a:rPr lang="en-US" altLang="ko-KR" sz="1200" dirty="0">
                   <a:latin typeface="Comic Sans MS" panose="030F0702030302020204" pitchFamily="66" charset="0"/>
                 </a:rPr>
                 <a:t>1.1 2D matching </a:t>
@@ -5976,7 +5951,7 @@
             <a:lstStyle/>
             <a:p>
               <a:r>
-                <a:rPr lang="en-US" altLang="ko-KR" sz="1200" dirty="0" smtClean="0">
+                <a:rPr lang="en-US" altLang="ko-KR" sz="1200" dirty="0">
                   <a:latin typeface="Comic Sans MS" panose="030F0702030302020204" pitchFamily="66" charset="0"/>
                 </a:rPr>
                 <a:t>1.2 3D reconstruction</a:t>
@@ -6007,7 +5982,7 @@
             <a:lstStyle/>
             <a:p>
               <a:r>
-                <a:rPr lang="en-US" altLang="ko-KR" sz="1200" dirty="0" smtClean="0">
+                <a:rPr lang="en-US" altLang="ko-KR" sz="1200" dirty="0">
                   <a:latin typeface="Comic Sans MS" panose="030F0702030302020204" pitchFamily="66" charset="0"/>
                 </a:rPr>
                 <a:t>2. Human body modeling</a:t>
@@ -6038,7 +6013,7 @@
             <a:lstStyle/>
             <a:p>
               <a:r>
-                <a:rPr lang="en-US" altLang="ko-KR" sz="1200" dirty="0" smtClean="0">
+                <a:rPr lang="en-US" altLang="ko-KR" sz="1200" dirty="0">
                   <a:latin typeface="Comic Sans MS" panose="030F0702030302020204" pitchFamily="66" charset="0"/>
                 </a:rPr>
                 <a:t>3. Cloth 3D warping  </a:t>
@@ -6069,19 +6044,19 @@
             <a:lstStyle/>
             <a:p>
               <a:r>
-                <a:rPr lang="en-US" altLang="ko-KR" sz="1200" dirty="0" smtClean="0">
+                <a:rPr lang="en-US" altLang="ko-KR" sz="1200" dirty="0">
                   <a:latin typeface="Comic Sans MS" panose="030F0702030302020204" pitchFamily="66" charset="0"/>
                 </a:rPr>
                 <a:t>4. </a:t>
               </a:r>
               <a:r>
-                <a:rPr lang="en-US" altLang="ko-KR" sz="1200" dirty="0" err="1" smtClean="0">
+                <a:rPr lang="en-US" altLang="ko-KR" sz="1200" dirty="0" err="1">
                   <a:latin typeface="Comic Sans MS" panose="030F0702030302020204" pitchFamily="66" charset="0"/>
                 </a:rPr>
                 <a:t>bledning</a:t>
               </a:r>
               <a:r>
-                <a:rPr lang="en-US" altLang="ko-KR" sz="1200" dirty="0" smtClean="0">
+                <a:rPr lang="en-US" altLang="ko-KR" sz="1200" dirty="0">
                   <a:latin typeface="Comic Sans MS" panose="030F0702030302020204" pitchFamily="66" charset="0"/>
                 </a:rPr>
                 <a:t> </a:t>
@@ -6112,7 +6087,7 @@
             <a:lstStyle/>
             <a:p>
               <a:r>
-                <a:rPr lang="en-US" altLang="ko-KR" sz="1400" dirty="0" smtClean="0">
+                <a:rPr lang="en-US" altLang="ko-KR" sz="1400" dirty="0">
                   <a:solidFill>
                     <a:srgbClr val="FF0000"/>
                   </a:solidFill>
@@ -6167,11 +6142,11 @@
           <a:lstStyle/>
           <a:p>
             <a:r>
-              <a:rPr lang="ko-KR" altLang="en-US" smtClean="0"/>
+              <a:rPr lang="ko-KR" altLang="en-US"/>
               <a:t>서울과학기술대학교</a:t>
             </a:r>
             <a:r>
-              <a:rPr lang="en-US" altLang="ko-KR" smtClean="0"/>
+              <a:rPr lang="en-US" altLang="ko-KR"/>
               <a:t>, IPIU2020</a:t>
             </a:r>
             <a:endParaRPr lang="ko-KR" altLang="en-US"/>
@@ -6188,13 +6163,6 @@
   <p:clrMapOvr>
     <a:masterClrMapping/>
   </p:clrMapOvr>
-  <p:timing>
-    <p:tnLst>
-      <p:par>
-        <p:cTn id="1" dur="indefinite" restart="never" nodeType="tmRoot"/>
-      </p:par>
-    </p:tnLst>
-  </p:timing>
 </p:sld>
 </file>
 
@@ -6215,6 +6183,30 @@
           <a:chExt cx="0" cy="0"/>
         </a:xfrm>
       </p:grpSpPr>
+      <p:pic>
+        <p:nvPicPr>
+          <p:cNvPr id="17" name="그림 16"/>
+          <p:cNvPicPr>
+            <a:picLocks noChangeAspect="1"/>
+          </p:cNvPicPr>
+          <p:nvPr/>
+        </p:nvPicPr>
+        <p:blipFill>
+          <a:blip r:embed="rId2"/>
+          <a:stretch>
+            <a:fillRect/>
+          </a:stretch>
+        </p:blipFill>
+        <p:spPr>
+          <a:xfrm>
+            <a:off x="5308340" y="1085799"/>
+            <a:ext cx="1885950" cy="2466975"/>
+          </a:xfrm>
+          <a:prstGeom prst="rect">
+            <a:avLst/>
+          </a:prstGeom>
+        </p:spPr>
+      </p:pic>
       <p:sp>
         <p:nvSpPr>
           <p:cNvPr id="2" name="제목 1"/>
@@ -6227,6 +6219,398 @@
         </p:nvSpPr>
         <p:spPr>
           <a:xfrm>
+            <a:off x="631635" y="356227"/>
+            <a:ext cx="10515600" cy="537552"/>
+          </a:xfrm>
+        </p:spPr>
+        <p:txBody>
+          <a:bodyPr>
+            <a:normAutofit fontScale="90000"/>
+          </a:bodyPr>
+          <a:lstStyle/>
+          <a:p>
+            <a:r>
+              <a:rPr lang="en-US" altLang="ko-KR" dirty="0">
+                <a:latin typeface="Comic Sans MS" panose="030F0702030302020204" pitchFamily="66" charset="0"/>
+              </a:rPr>
+              <a:t>Blending : result (2)  </a:t>
+            </a:r>
+            <a:endParaRPr lang="ko-KR" altLang="en-US" dirty="0">
+              <a:latin typeface="Comic Sans MS" panose="030F0702030302020204" pitchFamily="66" charset="0"/>
+            </a:endParaRPr>
+          </a:p>
+        </p:txBody>
+      </p:sp>
+      <p:sp>
+        <p:nvSpPr>
+          <p:cNvPr id="9" name="TextBox 8"/>
+          <p:cNvSpPr txBox="1"/>
+          <p:nvPr/>
+        </p:nvSpPr>
+        <p:spPr>
+          <a:xfrm>
+            <a:off x="4855973" y="478280"/>
+            <a:ext cx="3059302" cy="830997"/>
+          </a:xfrm>
+          <a:prstGeom prst="rect">
+            <a:avLst/>
+          </a:prstGeom>
+          <a:noFill/>
+        </p:spPr>
+        <p:txBody>
+          <a:bodyPr wrap="square" rtlCol="0">
+            <a:spAutoFit/>
+          </a:bodyPr>
+          <a:lstStyle/>
+          <a:p>
+            <a:r>
+              <a:rPr lang="en-US" altLang="ko-KR" sz="2400" dirty="0">
+                <a:latin typeface="Comic Sans MS" panose="030F0702030302020204" pitchFamily="66" charset="0"/>
+                <a:ea typeface="+mj-ea"/>
+                <a:cs typeface="+mj-cs"/>
+              </a:rPr>
+              <a:t>State-of-the-art Image based VTON</a:t>
+            </a:r>
+            <a:endParaRPr lang="ko-KR" altLang="en-US" sz="2400" dirty="0">
+              <a:latin typeface="Comic Sans MS" panose="030F0702030302020204" pitchFamily="66" charset="0"/>
+              <a:ea typeface="+mj-ea"/>
+              <a:cs typeface="+mj-cs"/>
+            </a:endParaRPr>
+          </a:p>
+        </p:txBody>
+      </p:sp>
+      <p:sp>
+        <p:nvSpPr>
+          <p:cNvPr id="12" name="TextBox 11"/>
+          <p:cNvSpPr txBox="1"/>
+          <p:nvPr/>
+        </p:nvSpPr>
+        <p:spPr>
+          <a:xfrm>
+            <a:off x="1908272" y="3283130"/>
+            <a:ext cx="2092239" cy="461665"/>
+          </a:xfrm>
+          <a:prstGeom prst="rect">
+            <a:avLst/>
+          </a:prstGeom>
+          <a:noFill/>
+        </p:spPr>
+        <p:txBody>
+          <a:bodyPr wrap="square" rtlCol="0">
+            <a:spAutoFit/>
+          </a:bodyPr>
+          <a:lstStyle>
+            <a:defPPr>
+              <a:defRPr lang="ko-KR"/>
+            </a:defPPr>
+            <a:lvl1pPr>
+              <a:defRPr sz="2400">
+                <a:latin typeface="Comic Sans MS" panose="030F0702030302020204" pitchFamily="66" charset="0"/>
+                <a:ea typeface="+mj-ea"/>
+                <a:cs typeface="+mj-cs"/>
+              </a:defRPr>
+            </a:lvl1pPr>
+          </a:lstStyle>
+          <a:p>
+            <a:r>
+              <a:rPr lang="en-US" altLang="ko-KR" dirty="0"/>
+              <a:t>Try-on Cloth </a:t>
+            </a:r>
+            <a:endParaRPr lang="ko-KR" altLang="en-US" dirty="0"/>
+          </a:p>
+        </p:txBody>
+      </p:sp>
+      <p:sp>
+        <p:nvSpPr>
+          <p:cNvPr id="15" name="TextBox 14"/>
+          <p:cNvSpPr txBox="1"/>
+          <p:nvPr/>
+        </p:nvSpPr>
+        <p:spPr>
+          <a:xfrm>
+            <a:off x="2010365" y="6454084"/>
+            <a:ext cx="2073003" cy="461665"/>
+          </a:xfrm>
+          <a:prstGeom prst="rect">
+            <a:avLst/>
+          </a:prstGeom>
+          <a:noFill/>
+        </p:spPr>
+        <p:txBody>
+          <a:bodyPr wrap="square" rtlCol="0">
+            <a:spAutoFit/>
+          </a:bodyPr>
+          <a:lstStyle>
+            <a:defPPr>
+              <a:defRPr lang="ko-KR"/>
+            </a:defPPr>
+            <a:lvl1pPr>
+              <a:defRPr sz="2400">
+                <a:latin typeface="Comic Sans MS" panose="030F0702030302020204" pitchFamily="66" charset="0"/>
+                <a:ea typeface="+mj-ea"/>
+                <a:cs typeface="+mj-cs"/>
+              </a:defRPr>
+            </a:lvl1pPr>
+          </a:lstStyle>
+          <a:p>
+            <a:r>
+              <a:rPr lang="en-US" altLang="ko-KR" dirty="0"/>
+              <a:t>Ground truth</a:t>
+            </a:r>
+            <a:endParaRPr lang="ko-KR" altLang="en-US" dirty="0"/>
+          </a:p>
+        </p:txBody>
+      </p:sp>
+      <p:sp>
+        <p:nvSpPr>
+          <p:cNvPr id="16" name="TextBox 15"/>
+          <p:cNvSpPr txBox="1"/>
+          <p:nvPr/>
+        </p:nvSpPr>
+        <p:spPr>
+          <a:xfrm>
+            <a:off x="8719235" y="607648"/>
+            <a:ext cx="1643383" cy="461665"/>
+          </a:xfrm>
+          <a:prstGeom prst="rect">
+            <a:avLst/>
+          </a:prstGeom>
+          <a:noFill/>
+        </p:spPr>
+        <p:txBody>
+          <a:bodyPr wrap="square" rtlCol="0">
+            <a:spAutoFit/>
+          </a:bodyPr>
+          <a:lstStyle/>
+          <a:p>
+            <a:r>
+              <a:rPr lang="en-US" altLang="ko-KR" sz="2400" dirty="0">
+                <a:latin typeface="Comic Sans MS" panose="030F0702030302020204" pitchFamily="66" charset="0"/>
+                <a:ea typeface="+mj-ea"/>
+                <a:cs typeface="+mj-cs"/>
+              </a:rPr>
+              <a:t>Proposed </a:t>
+            </a:r>
+            <a:endParaRPr lang="ko-KR" altLang="en-US" sz="2400" dirty="0">
+              <a:latin typeface="Comic Sans MS" panose="030F0702030302020204" pitchFamily="66" charset="0"/>
+              <a:ea typeface="+mj-ea"/>
+              <a:cs typeface="+mj-cs"/>
+            </a:endParaRPr>
+          </a:p>
+        </p:txBody>
+      </p:sp>
+      <p:pic>
+        <p:nvPicPr>
+          <p:cNvPr id="5" name="그림 4"/>
+          <p:cNvPicPr>
+            <a:picLocks noChangeAspect="1"/>
+          </p:cNvPicPr>
+          <p:nvPr/>
+        </p:nvPicPr>
+        <p:blipFill>
+          <a:blip r:embed="rId3"/>
+          <a:stretch>
+            <a:fillRect/>
+          </a:stretch>
+        </p:blipFill>
+        <p:spPr>
+          <a:xfrm>
+            <a:off x="1908272" y="1024461"/>
+            <a:ext cx="1866900" cy="2409825"/>
+          </a:xfrm>
+          <a:prstGeom prst="rect">
+            <a:avLst/>
+          </a:prstGeom>
+        </p:spPr>
+      </p:pic>
+      <p:pic>
+        <p:nvPicPr>
+          <p:cNvPr id="6" name="그림 5"/>
+          <p:cNvPicPr>
+            <a:picLocks noChangeAspect="1"/>
+          </p:cNvPicPr>
+          <p:nvPr/>
+        </p:nvPicPr>
+        <p:blipFill>
+          <a:blip r:embed="rId4"/>
+          <a:stretch>
+            <a:fillRect/>
+          </a:stretch>
+        </p:blipFill>
+        <p:spPr>
+          <a:xfrm>
+            <a:off x="2010365" y="3875477"/>
+            <a:ext cx="1819275" cy="2447925"/>
+          </a:xfrm>
+          <a:prstGeom prst="rect">
+            <a:avLst/>
+          </a:prstGeom>
+        </p:spPr>
+      </p:pic>
+      <p:pic>
+        <p:nvPicPr>
+          <p:cNvPr id="13" name="그림 12"/>
+          <p:cNvPicPr>
+            <a:picLocks noChangeAspect="1"/>
+          </p:cNvPicPr>
+          <p:nvPr/>
+        </p:nvPicPr>
+        <p:blipFill>
+          <a:blip r:embed="rId5"/>
+          <a:stretch>
+            <a:fillRect/>
+          </a:stretch>
+        </p:blipFill>
+        <p:spPr>
+          <a:xfrm>
+            <a:off x="8502119" y="1007455"/>
+            <a:ext cx="1828800" cy="2419350"/>
+          </a:xfrm>
+          <a:prstGeom prst="rect">
+            <a:avLst/>
+          </a:prstGeom>
+        </p:spPr>
+      </p:pic>
+      <p:pic>
+        <p:nvPicPr>
+          <p:cNvPr id="14" name="그림 13"/>
+          <p:cNvPicPr>
+            <a:picLocks noChangeAspect="1"/>
+          </p:cNvPicPr>
+          <p:nvPr/>
+        </p:nvPicPr>
+        <p:blipFill>
+          <a:blip r:embed="rId6"/>
+          <a:stretch>
+            <a:fillRect/>
+          </a:stretch>
+        </p:blipFill>
+        <p:spPr>
+          <a:xfrm>
+            <a:off x="8473544" y="3744795"/>
+            <a:ext cx="1857375" cy="2466975"/>
+          </a:xfrm>
+          <a:prstGeom prst="rect">
+            <a:avLst/>
+          </a:prstGeom>
+        </p:spPr>
+      </p:pic>
+      <p:pic>
+        <p:nvPicPr>
+          <p:cNvPr id="18" name="그림 17"/>
+          <p:cNvPicPr>
+            <a:picLocks noChangeAspect="1"/>
+          </p:cNvPicPr>
+          <p:nvPr/>
+        </p:nvPicPr>
+        <p:blipFill>
+          <a:blip r:embed="rId7"/>
+          <a:stretch>
+            <a:fillRect/>
+          </a:stretch>
+        </p:blipFill>
+        <p:spPr>
+          <a:xfrm>
+            <a:off x="5298815" y="3842088"/>
+            <a:ext cx="1876425" cy="2447925"/>
+          </a:xfrm>
+          <a:prstGeom prst="rect">
+            <a:avLst/>
+          </a:prstGeom>
+        </p:spPr>
+      </p:pic>
+      <p:sp>
+        <p:nvSpPr>
+          <p:cNvPr id="3" name="슬라이드 번호 개체 틀 2"/>
+          <p:cNvSpPr>
+            <a:spLocks noGrp="1"/>
+          </p:cNvSpPr>
+          <p:nvPr>
+            <p:ph type="sldNum" sz="quarter" idx="12"/>
+          </p:nvPr>
+        </p:nvSpPr>
+        <p:spPr/>
+        <p:txBody>
+          <a:bodyPr/>
+          <a:lstStyle/>
+          <a:p>
+            <a:fld id="{F68880C3-40A4-49E0-BCB6-C39EE3ED2A06}" type="slidenum">
+              <a:rPr lang="ko-KR" altLang="en-US" smtClean="0"/>
+              <a:t>10</a:t>
+            </a:fld>
+            <a:endParaRPr lang="ko-KR" altLang="en-US"/>
+          </a:p>
+        </p:txBody>
+      </p:sp>
+      <p:sp>
+        <p:nvSpPr>
+          <p:cNvPr id="4" name="바닥글 개체 틀 3"/>
+          <p:cNvSpPr>
+            <a:spLocks noGrp="1"/>
+          </p:cNvSpPr>
+          <p:nvPr>
+            <p:ph type="ftr" sz="quarter" idx="11"/>
+          </p:nvPr>
+        </p:nvSpPr>
+        <p:spPr/>
+        <p:txBody>
+          <a:bodyPr/>
+          <a:lstStyle/>
+          <a:p>
+            <a:r>
+              <a:rPr lang="ko-KR" altLang="en-US"/>
+              <a:t>서울과학기술대학교</a:t>
+            </a:r>
+            <a:r>
+              <a:rPr lang="en-US" altLang="ko-KR"/>
+              <a:t>, IPIU2020</a:t>
+            </a:r>
+            <a:endParaRPr lang="ko-KR" altLang="en-US"/>
+          </a:p>
+        </p:txBody>
+      </p:sp>
+    </p:spTree>
+    <p:extLst>
+      <p:ext uri="{BB962C8B-B14F-4D97-AF65-F5344CB8AC3E}">
+        <p14:creationId xmlns:p14="http://schemas.microsoft.com/office/powerpoint/2010/main" val="2675533769"/>
+      </p:ext>
+    </p:extLst>
+  </p:cSld>
+  <p:clrMapOvr>
+    <a:masterClrMapping/>
+  </p:clrMapOvr>
+</p:sld>
+</file>
+
+<file path=ppt/slides/slide11.xml><?xml version="1.0" encoding="utf-8"?>
+<p:sld xmlns:a="http://schemas.openxmlformats.org/drawingml/2006/main" xmlns:r="http://schemas.openxmlformats.org/officeDocument/2006/relationships" xmlns:p="http://schemas.openxmlformats.org/presentationml/2006/main">
+  <p:cSld>
+    <p:spTree>
+      <p:nvGrpSpPr>
+        <p:cNvPr id="1" name=""/>
+        <p:cNvGrpSpPr/>
+        <p:nvPr/>
+      </p:nvGrpSpPr>
+      <p:grpSpPr>
+        <a:xfrm>
+          <a:off x="0" y="0"/>
+          <a:ext cx="0" cy="0"/>
+          <a:chOff x="0" y="0"/>
+          <a:chExt cx="0" cy="0"/>
+        </a:xfrm>
+      </p:grpSpPr>
+      <p:sp>
+        <p:nvSpPr>
+          <p:cNvPr id="2" name="제목 1"/>
+          <p:cNvSpPr>
+            <a:spLocks noGrp="1"/>
+          </p:cNvSpPr>
+          <p:nvPr>
+            <p:ph type="title"/>
+          </p:nvPr>
+        </p:nvSpPr>
+        <p:spPr>
+          <a:xfrm>
             <a:off x="288735" y="326128"/>
             <a:ext cx="10515600" cy="537552"/>
           </a:xfrm>
@@ -6238,7 +6622,7 @@
           <a:lstStyle/>
           <a:p>
             <a:r>
-              <a:rPr lang="en-US" altLang="ko-KR" dirty="0" smtClean="0">
+              <a:rPr lang="en-US" altLang="ko-KR" dirty="0">
                 <a:latin typeface="Comic Sans MS" panose="030F0702030302020204" pitchFamily="66" charset="0"/>
               </a:rPr>
               <a:t>Further Issues</a:t>
@@ -6301,16 +6685,7 @@
                 </a:solidFill>
                 <a:latin typeface="Comic Sans MS" panose="030F0702030302020204" pitchFamily="66" charset="0"/>
               </a:rPr>
-              <a:t> </a:t>
-            </a:r>
-            <a:r>
-              <a:rPr lang="en-US" altLang="ko-KR" dirty="0" smtClean="0">
-                <a:solidFill>
-                  <a:srgbClr val="FF0000"/>
-                </a:solidFill>
-                <a:latin typeface="Comic Sans MS" panose="030F0702030302020204" pitchFamily="66" charset="0"/>
-              </a:rPr>
-              <a:t>1. in-accurate SMPL; some body part are not covered in rendering</a:t>
+              <a:t> 1. in-accurate SMPL; some body part are not covered in rendering</a:t>
             </a:r>
             <a:endParaRPr lang="ko-KR" altLang="en-US" dirty="0">
               <a:solidFill>
@@ -6455,7 +6830,7 @@
           <a:lstStyle/>
           <a:p>
             <a:r>
-              <a:rPr lang="en-US" altLang="ko-KR" dirty="0" smtClean="0">
+              <a:rPr lang="en-US" altLang="ko-KR" dirty="0">
                 <a:solidFill>
                   <a:srgbClr val="FF0000"/>
                 </a:solidFill>
@@ -6564,43 +6939,33 @@
           <a:lstStyle/>
           <a:p>
             <a:r>
-              <a:rPr lang="en-US" altLang="ko-KR" dirty="0" smtClean="0">
+              <a:rPr lang="en-US" altLang="ko-KR" dirty="0">
                 <a:solidFill>
                   <a:srgbClr val="FF0000"/>
                 </a:solidFill>
               </a:rPr>
               <a:t>Solution ?</a:t>
             </a:r>
-            <a:endParaRPr lang="en-US" altLang="ko-KR" dirty="0">
-              <a:solidFill>
-                <a:srgbClr val="FF0000"/>
-              </a:solidFill>
-            </a:endParaRPr>
           </a:p>
           <a:p>
             <a:pPr marL="342900" indent="-342900">
               <a:buAutoNum type="arabicParenR"/>
             </a:pPr>
             <a:r>
-              <a:rPr lang="en-US" altLang="ko-KR" dirty="0" smtClean="0">
+              <a:rPr lang="en-US" altLang="ko-KR" dirty="0">
                 <a:solidFill>
                   <a:srgbClr val="FF0000"/>
                 </a:solidFill>
               </a:rPr>
               <a:t>Change TON for considering our cloth. How?</a:t>
             </a:r>
-            <a:endParaRPr lang="en-US" altLang="ko-KR" dirty="0">
-              <a:solidFill>
-                <a:srgbClr val="FF0000"/>
-              </a:solidFill>
-            </a:endParaRPr>
           </a:p>
           <a:p>
             <a:pPr marL="342900" indent="-342900">
               <a:buAutoNum type="arabicParenR"/>
             </a:pPr>
             <a:r>
-              <a:rPr lang="en-US" altLang="ko-KR" dirty="0" smtClean="0">
+              <a:rPr lang="en-US" altLang="ko-KR" dirty="0">
                 <a:solidFill>
                   <a:srgbClr val="FF0000"/>
                 </a:solidFill>
@@ -6632,7 +6997,7 @@
           <a:p>
             <a:fld id="{F68880C3-40A4-49E0-BCB6-C39EE3ED2A06}" type="slidenum">
               <a:rPr lang="ko-KR" altLang="en-US" smtClean="0"/>
-              <a:t>10</a:t>
+              <a:t>11</a:t>
             </a:fld>
             <a:endParaRPr lang="ko-KR" altLang="en-US"/>
           </a:p>
@@ -6654,11 +7019,11 @@
           <a:lstStyle/>
           <a:p>
             <a:r>
-              <a:rPr lang="ko-KR" altLang="en-US" smtClean="0"/>
+              <a:rPr lang="ko-KR" altLang="en-US"/>
               <a:t>서울과학기술대학교</a:t>
             </a:r>
             <a:r>
-              <a:rPr lang="en-US" altLang="ko-KR" smtClean="0"/>
+              <a:rPr lang="en-US" altLang="ko-KR"/>
               <a:t>, IPIU2020</a:t>
             </a:r>
             <a:endParaRPr lang="ko-KR" altLang="en-US"/>
@@ -6695,6 +7060,2751 @@
           <a:chExt cx="0" cy="0"/>
         </a:xfrm>
       </p:grpSpPr>
+      <p:grpSp>
+        <p:nvGrpSpPr>
+          <p:cNvPr id="6" name="그룹 5"/>
+          <p:cNvGrpSpPr/>
+          <p:nvPr/>
+        </p:nvGrpSpPr>
+        <p:grpSpPr>
+          <a:xfrm>
+            <a:off x="244438" y="239890"/>
+            <a:ext cx="11703124" cy="6406273"/>
+            <a:chOff x="269801" y="92746"/>
+            <a:chExt cx="11922199" cy="6339069"/>
+          </a:xfrm>
+        </p:grpSpPr>
+        <p:sp>
+          <p:nvSpPr>
+            <p:cNvPr id="43" name="모서리가 둥근 직사각형 42"/>
+            <p:cNvSpPr/>
+            <p:nvPr/>
+          </p:nvSpPr>
+          <p:spPr>
+            <a:xfrm>
+              <a:off x="4214030" y="3707637"/>
+              <a:ext cx="1014200" cy="936428"/>
+            </a:xfrm>
+            <a:prstGeom prst="roundRect">
+              <a:avLst/>
+            </a:prstGeom>
+            <a:solidFill>
+              <a:schemeClr val="accent6">
+                <a:lumMod val="60000"/>
+                <a:lumOff val="40000"/>
+              </a:schemeClr>
+            </a:solidFill>
+            <a:ln>
+              <a:noFill/>
+            </a:ln>
+          </p:spPr>
+          <p:style>
+            <a:lnRef idx="2">
+              <a:schemeClr val="accent1">
+                <a:shade val="50000"/>
+              </a:schemeClr>
+            </a:lnRef>
+            <a:fillRef idx="1">
+              <a:schemeClr val="accent1"/>
+            </a:fillRef>
+            <a:effectRef idx="0">
+              <a:schemeClr val="accent1"/>
+            </a:effectRef>
+            <a:fontRef idx="minor">
+              <a:schemeClr val="lt1"/>
+            </a:fontRef>
+          </p:style>
+          <p:txBody>
+            <a:bodyPr rtlCol="0" anchor="ctr"/>
+            <a:lstStyle/>
+            <a:p>
+              <a:pPr algn="ctr"/>
+              <a:r>
+                <a:rPr lang="en-US" altLang="ko-KR" sz="1400" dirty="0" err="1">
+                  <a:solidFill>
+                    <a:schemeClr val="tx1"/>
+                  </a:solidFill>
+                  <a:latin typeface="Comic Sans MS" panose="030F0702030302020204" pitchFamily="66" charset="0"/>
+                </a:rPr>
+                <a:t>SMPLify</a:t>
+              </a:r>
+              <a:endParaRPr lang="ko-KR" altLang="en-US" sz="1400" dirty="0">
+                <a:solidFill>
+                  <a:schemeClr val="tx1"/>
+                </a:solidFill>
+                <a:latin typeface="Comic Sans MS" panose="030F0702030302020204" pitchFamily="66" charset="0"/>
+              </a:endParaRPr>
+            </a:p>
+          </p:txBody>
+        </p:sp>
+        <p:sp>
+          <p:nvSpPr>
+            <p:cNvPr id="44" name="모서리가 둥근 직사각형 43"/>
+            <p:cNvSpPr/>
+            <p:nvPr/>
+          </p:nvSpPr>
+          <p:spPr>
+            <a:xfrm>
+              <a:off x="2560291" y="3728830"/>
+              <a:ext cx="1162545" cy="865241"/>
+            </a:xfrm>
+            <a:prstGeom prst="roundRect">
+              <a:avLst/>
+            </a:prstGeom>
+            <a:solidFill>
+              <a:schemeClr val="accent6">
+                <a:lumMod val="60000"/>
+                <a:lumOff val="40000"/>
+              </a:schemeClr>
+            </a:solidFill>
+            <a:ln>
+              <a:noFill/>
+            </a:ln>
+          </p:spPr>
+          <p:style>
+            <a:lnRef idx="2">
+              <a:schemeClr val="accent1">
+                <a:shade val="50000"/>
+              </a:schemeClr>
+            </a:lnRef>
+            <a:fillRef idx="1">
+              <a:schemeClr val="accent1"/>
+            </a:fillRef>
+            <a:effectRef idx="0">
+              <a:schemeClr val="accent1"/>
+            </a:effectRef>
+            <a:fontRef idx="minor">
+              <a:schemeClr val="lt1"/>
+            </a:fontRef>
+          </p:style>
+          <p:txBody>
+            <a:bodyPr rtlCol="0" anchor="ctr"/>
+            <a:lstStyle/>
+            <a:p>
+              <a:pPr algn="ctr"/>
+              <a:r>
+                <a:rPr lang="en-US" altLang="ko-KR" sz="1400" dirty="0">
+                  <a:solidFill>
+                    <a:schemeClr val="tx1"/>
+                  </a:solidFill>
+                  <a:latin typeface="Comic Sans MS" panose="030F0702030302020204" pitchFamily="66" charset="0"/>
+                </a:rPr>
+                <a:t>2D pose</a:t>
+              </a:r>
+            </a:p>
+            <a:p>
+              <a:pPr algn="ctr"/>
+              <a:r>
+                <a:rPr lang="en-US" altLang="ko-KR" sz="1400" dirty="0">
+                  <a:solidFill>
+                    <a:schemeClr val="tx1"/>
+                  </a:solidFill>
+                  <a:latin typeface="Comic Sans MS" panose="030F0702030302020204" pitchFamily="66" charset="0"/>
+                </a:rPr>
+                <a:t>estimation</a:t>
+              </a:r>
+              <a:endParaRPr lang="ko-KR" altLang="en-US" sz="1400" dirty="0">
+                <a:solidFill>
+                  <a:schemeClr val="tx1"/>
+                </a:solidFill>
+                <a:latin typeface="Comic Sans MS" panose="030F0702030302020204" pitchFamily="66" charset="0"/>
+              </a:endParaRPr>
+            </a:p>
+          </p:txBody>
+        </p:sp>
+        <p:sp>
+          <p:nvSpPr>
+            <p:cNvPr id="45" name="모서리가 둥근 직사각형 44"/>
+            <p:cNvSpPr/>
+            <p:nvPr/>
+          </p:nvSpPr>
+          <p:spPr>
+            <a:xfrm>
+              <a:off x="2560291" y="5283249"/>
+              <a:ext cx="1440069" cy="873686"/>
+            </a:xfrm>
+            <a:prstGeom prst="roundRect">
+              <a:avLst/>
+            </a:prstGeom>
+            <a:solidFill>
+              <a:schemeClr val="accent6">
+                <a:lumMod val="60000"/>
+                <a:lumOff val="40000"/>
+              </a:schemeClr>
+            </a:solidFill>
+            <a:ln>
+              <a:noFill/>
+            </a:ln>
+          </p:spPr>
+          <p:style>
+            <a:lnRef idx="2">
+              <a:schemeClr val="accent1">
+                <a:shade val="50000"/>
+              </a:schemeClr>
+            </a:lnRef>
+            <a:fillRef idx="1">
+              <a:schemeClr val="accent1"/>
+            </a:fillRef>
+            <a:effectRef idx="0">
+              <a:schemeClr val="accent1"/>
+            </a:effectRef>
+            <a:fontRef idx="minor">
+              <a:schemeClr val="lt1"/>
+            </a:fontRef>
+          </p:style>
+          <p:txBody>
+            <a:bodyPr rtlCol="0" anchor="ctr"/>
+            <a:lstStyle/>
+            <a:p>
+              <a:pPr algn="ctr"/>
+              <a:r>
+                <a:rPr lang="en-US" altLang="ko-KR" sz="1400" dirty="0">
+                  <a:solidFill>
+                    <a:schemeClr val="tx1"/>
+                  </a:solidFill>
+                  <a:latin typeface="Comic Sans MS" panose="030F0702030302020204" pitchFamily="66" charset="0"/>
+                </a:rPr>
+                <a:t>2D human</a:t>
+              </a:r>
+            </a:p>
+            <a:p>
+              <a:pPr algn="ctr"/>
+              <a:r>
+                <a:rPr lang="en-US" altLang="ko-KR" sz="1400" dirty="0">
+                  <a:solidFill>
+                    <a:schemeClr val="tx1"/>
+                  </a:solidFill>
+                  <a:latin typeface="Comic Sans MS" panose="030F0702030302020204" pitchFamily="66" charset="0"/>
+                </a:rPr>
+                <a:t>segmentation</a:t>
+              </a:r>
+              <a:endParaRPr lang="ko-KR" altLang="en-US" sz="1400" dirty="0">
+                <a:solidFill>
+                  <a:schemeClr val="tx1"/>
+                </a:solidFill>
+                <a:latin typeface="Comic Sans MS" panose="030F0702030302020204" pitchFamily="66" charset="0"/>
+              </a:endParaRPr>
+            </a:p>
+          </p:txBody>
+        </p:sp>
+        <p:cxnSp>
+          <p:nvCxnSpPr>
+            <p:cNvPr id="46" name="꺾인 연결선 45"/>
+            <p:cNvCxnSpPr>
+              <a:cxnSpLocks/>
+              <a:stCxn id="67" idx="3"/>
+              <a:endCxn id="44" idx="1"/>
+            </p:cNvCxnSpPr>
+            <p:nvPr/>
+          </p:nvCxnSpPr>
+          <p:spPr>
+            <a:xfrm flipV="1">
+              <a:off x="1600754" y="4161450"/>
+              <a:ext cx="959537" cy="707809"/>
+            </a:xfrm>
+            <a:prstGeom prst="bentConnector3">
+              <a:avLst>
+                <a:gd name="adj1" fmla="val 50000"/>
+              </a:avLst>
+            </a:prstGeom>
+            <a:ln w="38100">
+              <a:solidFill>
+                <a:schemeClr val="tx1"/>
+              </a:solidFill>
+              <a:tailEnd type="triangle"/>
+            </a:ln>
+          </p:spPr>
+          <p:style>
+            <a:lnRef idx="1">
+              <a:schemeClr val="accent1"/>
+            </a:lnRef>
+            <a:fillRef idx="0">
+              <a:schemeClr val="accent1"/>
+            </a:fillRef>
+            <a:effectRef idx="0">
+              <a:schemeClr val="accent1"/>
+            </a:effectRef>
+            <a:fontRef idx="minor">
+              <a:schemeClr val="tx1"/>
+            </a:fontRef>
+          </p:style>
+        </p:cxnSp>
+        <p:grpSp>
+          <p:nvGrpSpPr>
+            <p:cNvPr id="47" name="그룹 46"/>
+            <p:cNvGrpSpPr/>
+            <p:nvPr/>
+          </p:nvGrpSpPr>
+          <p:grpSpPr>
+            <a:xfrm>
+              <a:off x="3761557" y="3040234"/>
+              <a:ext cx="652340" cy="1042561"/>
+              <a:chOff x="8825560" y="1283940"/>
+              <a:chExt cx="1813255" cy="3393925"/>
+            </a:xfrm>
+          </p:grpSpPr>
+          <p:cxnSp>
+            <p:nvCxnSpPr>
+              <p:cNvPr id="48" name="직선 화살표 연결선 47"/>
+              <p:cNvCxnSpPr/>
+              <p:nvPr/>
+            </p:nvCxnSpPr>
+            <p:spPr>
+              <a:xfrm flipH="1">
+                <a:off x="9541164" y="1283940"/>
+                <a:ext cx="1" cy="475630"/>
+              </a:xfrm>
+              <a:prstGeom prst="straightConnector1">
+                <a:avLst/>
+              </a:prstGeom>
+              <a:ln w="38100">
+                <a:solidFill>
+                  <a:schemeClr val="tx2"/>
+                </a:solidFill>
+                <a:headEnd type="diamond" w="med" len="med"/>
+                <a:tailEnd type="diamond" w="med" len="med"/>
+              </a:ln>
+            </p:spPr>
+            <p:style>
+              <a:lnRef idx="1">
+                <a:schemeClr val="accent1"/>
+              </a:lnRef>
+              <a:fillRef idx="0">
+                <a:schemeClr val="accent1"/>
+              </a:fillRef>
+              <a:effectRef idx="0">
+                <a:schemeClr val="accent1"/>
+              </a:effectRef>
+              <a:fontRef idx="minor">
+                <a:schemeClr val="tx1"/>
+              </a:fontRef>
+            </p:style>
+          </p:cxnSp>
+          <p:cxnSp>
+            <p:nvCxnSpPr>
+              <p:cNvPr id="49" name="직선 화살표 연결선 48"/>
+              <p:cNvCxnSpPr/>
+              <p:nvPr/>
+            </p:nvCxnSpPr>
+            <p:spPr>
+              <a:xfrm>
+                <a:off x="9019310" y="2133229"/>
+                <a:ext cx="521854" cy="18844"/>
+              </a:xfrm>
+              <a:prstGeom prst="straightConnector1">
+                <a:avLst/>
+              </a:prstGeom>
+              <a:ln w="38100">
+                <a:solidFill>
+                  <a:schemeClr val="tx2"/>
+                </a:solidFill>
+                <a:headEnd type="diamond" w="med" len="med"/>
+                <a:tailEnd type="diamond" w="med" len="med"/>
+              </a:ln>
+            </p:spPr>
+            <p:style>
+              <a:lnRef idx="1">
+                <a:schemeClr val="accent1"/>
+              </a:lnRef>
+              <a:fillRef idx="0">
+                <a:schemeClr val="accent1"/>
+              </a:fillRef>
+              <a:effectRef idx="0">
+                <a:schemeClr val="accent1"/>
+              </a:effectRef>
+              <a:fontRef idx="minor">
+                <a:schemeClr val="tx1"/>
+              </a:fontRef>
+            </p:style>
+          </p:cxnSp>
+          <p:cxnSp>
+            <p:nvCxnSpPr>
+              <p:cNvPr id="50" name="직선 화살표 연결선 49"/>
+              <p:cNvCxnSpPr/>
+              <p:nvPr/>
+            </p:nvCxnSpPr>
+            <p:spPr>
+              <a:xfrm flipV="1">
+                <a:off x="9561007" y="2022578"/>
+                <a:ext cx="432738" cy="129495"/>
+              </a:xfrm>
+              <a:prstGeom prst="straightConnector1">
+                <a:avLst/>
+              </a:prstGeom>
+              <a:ln w="38100">
+                <a:solidFill>
+                  <a:schemeClr val="tx2"/>
+                </a:solidFill>
+                <a:headEnd type="diamond" w="med" len="med"/>
+                <a:tailEnd type="diamond" w="med" len="med"/>
+              </a:ln>
+            </p:spPr>
+            <p:style>
+              <a:lnRef idx="1">
+                <a:schemeClr val="accent1"/>
+              </a:lnRef>
+              <a:fillRef idx="0">
+                <a:schemeClr val="accent1"/>
+              </a:fillRef>
+              <a:effectRef idx="0">
+                <a:schemeClr val="accent1"/>
+              </a:effectRef>
+              <a:fontRef idx="minor">
+                <a:schemeClr val="tx1"/>
+              </a:fontRef>
+            </p:style>
+          </p:cxnSp>
+          <p:cxnSp>
+            <p:nvCxnSpPr>
+              <p:cNvPr id="51" name="직선 화살표 연결선 50"/>
+              <p:cNvCxnSpPr/>
+              <p:nvPr/>
+            </p:nvCxnSpPr>
+            <p:spPr>
+              <a:xfrm flipV="1">
+                <a:off x="8916302" y="2170917"/>
+                <a:ext cx="68372" cy="747774"/>
+              </a:xfrm>
+              <a:prstGeom prst="straightConnector1">
+                <a:avLst/>
+              </a:prstGeom>
+              <a:ln w="38100">
+                <a:solidFill>
+                  <a:schemeClr val="tx2"/>
+                </a:solidFill>
+                <a:headEnd type="diamond" w="med" len="med"/>
+                <a:tailEnd type="diamond" w="med" len="med"/>
+              </a:ln>
+            </p:spPr>
+            <p:style>
+              <a:lnRef idx="1">
+                <a:schemeClr val="accent1"/>
+              </a:lnRef>
+              <a:fillRef idx="0">
+                <a:schemeClr val="accent1"/>
+              </a:fillRef>
+              <a:effectRef idx="0">
+                <a:schemeClr val="accent1"/>
+              </a:effectRef>
+              <a:fontRef idx="minor">
+                <a:schemeClr val="tx1"/>
+              </a:fontRef>
+            </p:style>
+          </p:cxnSp>
+          <p:cxnSp>
+            <p:nvCxnSpPr>
+              <p:cNvPr id="52" name="직선 화살표 연결선 51"/>
+              <p:cNvCxnSpPr/>
+              <p:nvPr/>
+            </p:nvCxnSpPr>
+            <p:spPr>
+              <a:xfrm flipV="1">
+                <a:off x="8825560" y="2918691"/>
+                <a:ext cx="90742" cy="839502"/>
+              </a:xfrm>
+              <a:prstGeom prst="straightConnector1">
+                <a:avLst/>
+              </a:prstGeom>
+              <a:ln w="38100">
+                <a:solidFill>
+                  <a:schemeClr val="tx2"/>
+                </a:solidFill>
+                <a:headEnd type="diamond" w="med" len="med"/>
+                <a:tailEnd type="diamond" w="med" len="med"/>
+              </a:ln>
+            </p:spPr>
+            <p:style>
+              <a:lnRef idx="1">
+                <a:schemeClr val="accent1"/>
+              </a:lnRef>
+              <a:fillRef idx="0">
+                <a:schemeClr val="accent1"/>
+              </a:fillRef>
+              <a:effectRef idx="0">
+                <a:schemeClr val="accent1"/>
+              </a:effectRef>
+              <a:fontRef idx="minor">
+                <a:schemeClr val="tx1"/>
+              </a:fontRef>
+            </p:style>
+          </p:cxnSp>
+          <p:cxnSp>
+            <p:nvCxnSpPr>
+              <p:cNvPr id="53" name="직선 화살표 연결선 52"/>
+              <p:cNvCxnSpPr>
+                <a:cxnSpLocks/>
+              </p:cNvCxnSpPr>
+              <p:nvPr/>
+            </p:nvCxnSpPr>
+            <p:spPr>
+              <a:xfrm flipV="1">
+                <a:off x="8893619" y="3482655"/>
+                <a:ext cx="405181" cy="1195210"/>
+              </a:xfrm>
+              <a:prstGeom prst="straightConnector1">
+                <a:avLst/>
+              </a:prstGeom>
+              <a:ln w="38100">
+                <a:solidFill>
+                  <a:schemeClr val="tx2"/>
+                </a:solidFill>
+                <a:headEnd type="diamond" w="med" len="med"/>
+                <a:tailEnd type="diamond" w="med" len="med"/>
+              </a:ln>
+            </p:spPr>
+            <p:style>
+              <a:lnRef idx="1">
+                <a:schemeClr val="accent1"/>
+              </a:lnRef>
+              <a:fillRef idx="0">
+                <a:schemeClr val="accent1"/>
+              </a:fillRef>
+              <a:effectRef idx="0">
+                <a:schemeClr val="accent1"/>
+              </a:effectRef>
+              <a:fontRef idx="minor">
+                <a:schemeClr val="tx1"/>
+              </a:fontRef>
+            </p:style>
+          </p:cxnSp>
+          <p:cxnSp>
+            <p:nvCxnSpPr>
+              <p:cNvPr id="54" name="직선 화살표 연결선 53"/>
+              <p:cNvCxnSpPr>
+                <a:cxnSpLocks/>
+              </p:cNvCxnSpPr>
+              <p:nvPr/>
+            </p:nvCxnSpPr>
+            <p:spPr>
+              <a:xfrm flipV="1">
+                <a:off x="9777376" y="3482658"/>
+                <a:ext cx="0" cy="1062502"/>
+              </a:xfrm>
+              <a:prstGeom prst="straightConnector1">
+                <a:avLst/>
+              </a:prstGeom>
+              <a:ln w="38100">
+                <a:solidFill>
+                  <a:schemeClr val="tx2"/>
+                </a:solidFill>
+                <a:headEnd type="diamond" w="med" len="med"/>
+                <a:tailEnd type="diamond" w="med" len="med"/>
+              </a:ln>
+            </p:spPr>
+            <p:style>
+              <a:lnRef idx="1">
+                <a:schemeClr val="accent1"/>
+              </a:lnRef>
+              <a:fillRef idx="0">
+                <a:schemeClr val="accent1"/>
+              </a:fillRef>
+              <a:effectRef idx="0">
+                <a:schemeClr val="accent1"/>
+              </a:effectRef>
+              <a:fontRef idx="minor">
+                <a:schemeClr val="tx1"/>
+              </a:fontRef>
+            </p:style>
+          </p:cxnSp>
+          <p:cxnSp>
+            <p:nvCxnSpPr>
+              <p:cNvPr id="55" name="직선 화살표 연결선 54"/>
+              <p:cNvCxnSpPr>
+                <a:cxnSpLocks/>
+              </p:cNvCxnSpPr>
+              <p:nvPr/>
+            </p:nvCxnSpPr>
+            <p:spPr>
+              <a:xfrm flipH="1" flipV="1">
+                <a:off x="10083260" y="2010478"/>
+                <a:ext cx="555555" cy="742289"/>
+              </a:xfrm>
+              <a:prstGeom prst="straightConnector1">
+                <a:avLst/>
+              </a:prstGeom>
+              <a:ln w="38100">
+                <a:solidFill>
+                  <a:schemeClr val="tx2"/>
+                </a:solidFill>
+                <a:headEnd type="diamond" w="med" len="med"/>
+                <a:tailEnd type="diamond" w="med" len="med"/>
+              </a:ln>
+            </p:spPr>
+            <p:style>
+              <a:lnRef idx="1">
+                <a:schemeClr val="accent1"/>
+              </a:lnRef>
+              <a:fillRef idx="0">
+                <a:schemeClr val="accent1"/>
+              </a:fillRef>
+              <a:effectRef idx="0">
+                <a:schemeClr val="accent1"/>
+              </a:effectRef>
+              <a:fontRef idx="minor">
+                <a:schemeClr val="tx1"/>
+              </a:fontRef>
+            </p:style>
+          </p:cxnSp>
+          <p:cxnSp>
+            <p:nvCxnSpPr>
+              <p:cNvPr id="56" name="직선 화살표 연결선 55"/>
+              <p:cNvCxnSpPr>
+                <a:cxnSpLocks/>
+              </p:cNvCxnSpPr>
+              <p:nvPr/>
+            </p:nvCxnSpPr>
+            <p:spPr>
+              <a:xfrm flipV="1">
+                <a:off x="9765257" y="2764865"/>
+                <a:ext cx="850089" cy="511546"/>
+              </a:xfrm>
+              <a:prstGeom prst="straightConnector1">
+                <a:avLst/>
+              </a:prstGeom>
+              <a:ln w="38100">
+                <a:solidFill>
+                  <a:schemeClr val="tx2"/>
+                </a:solidFill>
+                <a:headEnd type="diamond" w="med" len="med"/>
+                <a:tailEnd type="diamond" w="med" len="med"/>
+              </a:ln>
+            </p:spPr>
+            <p:style>
+              <a:lnRef idx="1">
+                <a:schemeClr val="accent1"/>
+              </a:lnRef>
+              <a:fillRef idx="0">
+                <a:schemeClr val="accent1"/>
+              </a:fillRef>
+              <a:effectRef idx="0">
+                <a:schemeClr val="accent1"/>
+              </a:effectRef>
+              <a:fontRef idx="minor">
+                <a:schemeClr val="tx1"/>
+              </a:fontRef>
+            </p:style>
+          </p:cxnSp>
+        </p:grpSp>
+        <p:sp>
+          <p:nvSpPr>
+            <p:cNvPr id="57" name="TextBox 56"/>
+            <p:cNvSpPr txBox="1"/>
+            <p:nvPr/>
+          </p:nvSpPr>
+          <p:spPr>
+            <a:xfrm>
+              <a:off x="3673239" y="4145405"/>
+              <a:ext cx="665173" cy="461665"/>
+            </a:xfrm>
+            <a:prstGeom prst="rect">
+              <a:avLst/>
+            </a:prstGeom>
+            <a:noFill/>
+          </p:spPr>
+          <p:txBody>
+            <a:bodyPr wrap="square" rtlCol="0">
+              <a:spAutoFit/>
+            </a:bodyPr>
+            <a:lstStyle/>
+            <a:p>
+              <a:r>
+                <a:rPr lang="en-US" altLang="ko-KR" sz="1200" dirty="0">
+                  <a:latin typeface="Comic Sans MS" panose="030F0702030302020204" pitchFamily="66" charset="0"/>
+                </a:rPr>
+                <a:t>2D joints</a:t>
+              </a:r>
+              <a:endParaRPr lang="ko-KR" altLang="en-US" sz="1200" dirty="0">
+                <a:latin typeface="Comic Sans MS" panose="030F0702030302020204" pitchFamily="66" charset="0"/>
+              </a:endParaRPr>
+            </a:p>
+          </p:txBody>
+        </p:sp>
+        <p:sp>
+          <p:nvSpPr>
+            <p:cNvPr id="59" name="TextBox 58"/>
+            <p:cNvSpPr txBox="1"/>
+            <p:nvPr/>
+          </p:nvSpPr>
+          <p:spPr>
+            <a:xfrm>
+              <a:off x="7595432" y="2192573"/>
+              <a:ext cx="1362066" cy="646331"/>
+            </a:xfrm>
+            <a:prstGeom prst="rect">
+              <a:avLst/>
+            </a:prstGeom>
+            <a:noFill/>
+          </p:spPr>
+          <p:txBody>
+            <a:bodyPr wrap="square" rtlCol="0">
+              <a:spAutoFit/>
+            </a:bodyPr>
+            <a:lstStyle/>
+            <a:p>
+              <a:pPr algn="ctr"/>
+              <a:r>
+                <a:rPr lang="en-US" altLang="ko-KR" sz="1200" dirty="0">
+                  <a:latin typeface="Comic Sans MS" panose="030F0702030302020204" pitchFamily="66" charset="0"/>
+                </a:rPr>
+                <a:t>SMPL model &amp;</a:t>
+              </a:r>
+            </a:p>
+            <a:p>
+              <a:pPr algn="ctr"/>
+              <a:r>
+                <a:rPr lang="en-US" altLang="ko-KR" sz="1200" dirty="0">
+                  <a:latin typeface="Comic Sans MS" panose="030F0702030302020204" pitchFamily="66" charset="0"/>
+                </a:rPr>
+                <a:t>Cloth 3D model</a:t>
+              </a:r>
+            </a:p>
+            <a:p>
+              <a:pPr algn="ctr"/>
+              <a:r>
+                <a:rPr lang="en-US" altLang="ko-KR" sz="1200" dirty="0">
+                  <a:latin typeface="Comic Sans MS" panose="030F0702030302020204" pitchFamily="66" charset="0"/>
+                </a:rPr>
+                <a:t>Relationship</a:t>
+              </a:r>
+            </a:p>
+          </p:txBody>
+        </p:sp>
+        <p:sp>
+          <p:nvSpPr>
+            <p:cNvPr id="60" name="TextBox 59"/>
+            <p:cNvSpPr txBox="1"/>
+            <p:nvPr/>
+          </p:nvSpPr>
+          <p:spPr>
+            <a:xfrm flipH="1">
+              <a:off x="4214030" y="5748137"/>
+              <a:ext cx="1237125" cy="456822"/>
+            </a:xfrm>
+            <a:prstGeom prst="rect">
+              <a:avLst/>
+            </a:prstGeom>
+            <a:noFill/>
+          </p:spPr>
+          <p:txBody>
+            <a:bodyPr wrap="square" rtlCol="0">
+              <a:spAutoFit/>
+            </a:bodyPr>
+            <a:lstStyle/>
+            <a:p>
+              <a:pPr algn="ctr"/>
+              <a:r>
+                <a:rPr lang="en-US" altLang="ko-KR" sz="1200" dirty="0">
+                  <a:latin typeface="Comic Sans MS" panose="030F0702030302020204" pitchFamily="66" charset="0"/>
+                </a:rPr>
+                <a:t>Segmentation mask</a:t>
+              </a:r>
+            </a:p>
+          </p:txBody>
+        </p:sp>
+        <p:cxnSp>
+          <p:nvCxnSpPr>
+            <p:cNvPr id="62" name="꺾인 연결선 61"/>
+            <p:cNvCxnSpPr>
+              <a:cxnSpLocks/>
+              <a:stCxn id="67" idx="3"/>
+              <a:endCxn id="45" idx="1"/>
+            </p:cNvCxnSpPr>
+            <p:nvPr/>
+          </p:nvCxnSpPr>
+          <p:spPr>
+            <a:xfrm>
+              <a:off x="1600754" y="4869260"/>
+              <a:ext cx="959537" cy="850832"/>
+            </a:xfrm>
+            <a:prstGeom prst="bentConnector3">
+              <a:avLst>
+                <a:gd name="adj1" fmla="val 50000"/>
+              </a:avLst>
+            </a:prstGeom>
+            <a:ln w="38100">
+              <a:solidFill>
+                <a:schemeClr val="tx1"/>
+              </a:solidFill>
+              <a:tailEnd type="triangle"/>
+            </a:ln>
+          </p:spPr>
+          <p:style>
+            <a:lnRef idx="1">
+              <a:schemeClr val="accent1"/>
+            </a:lnRef>
+            <a:fillRef idx="0">
+              <a:schemeClr val="accent1"/>
+            </a:fillRef>
+            <a:effectRef idx="0">
+              <a:schemeClr val="accent1"/>
+            </a:effectRef>
+            <a:fontRef idx="minor">
+              <a:schemeClr val="tx1"/>
+            </a:fontRef>
+          </p:style>
+        </p:cxnSp>
+        <p:cxnSp>
+          <p:nvCxnSpPr>
+            <p:cNvPr id="63" name="꺾인 연결선 62"/>
+            <p:cNvCxnSpPr>
+              <a:cxnSpLocks/>
+              <a:stCxn id="45" idx="3"/>
+              <a:endCxn id="65" idx="2"/>
+            </p:cNvCxnSpPr>
+            <p:nvPr/>
+          </p:nvCxnSpPr>
+          <p:spPr>
+            <a:xfrm flipV="1">
+              <a:off x="4000359" y="4506422"/>
+              <a:ext cx="6417476" cy="1213669"/>
+            </a:xfrm>
+            <a:prstGeom prst="bentConnector2">
+              <a:avLst/>
+            </a:prstGeom>
+            <a:ln w="38100">
+              <a:solidFill>
+                <a:schemeClr val="tx1"/>
+              </a:solidFill>
+              <a:tailEnd type="triangle"/>
+            </a:ln>
+          </p:spPr>
+          <p:style>
+            <a:lnRef idx="1">
+              <a:schemeClr val="accent1"/>
+            </a:lnRef>
+            <a:fillRef idx="0">
+              <a:schemeClr val="accent1"/>
+            </a:fillRef>
+            <a:effectRef idx="0">
+              <a:schemeClr val="accent1"/>
+            </a:effectRef>
+            <a:fontRef idx="minor">
+              <a:schemeClr val="tx1"/>
+            </a:fontRef>
+          </p:style>
+        </p:cxnSp>
+        <p:cxnSp>
+          <p:nvCxnSpPr>
+            <p:cNvPr id="64" name="직선 화살표 연결선 63"/>
+            <p:cNvCxnSpPr>
+              <a:cxnSpLocks/>
+              <a:stCxn id="44" idx="3"/>
+              <a:endCxn id="43" idx="1"/>
+            </p:cNvCxnSpPr>
+            <p:nvPr/>
+          </p:nvCxnSpPr>
+          <p:spPr>
+            <a:xfrm>
+              <a:off x="3722836" y="4161450"/>
+              <a:ext cx="491194" cy="14400"/>
+            </a:xfrm>
+            <a:prstGeom prst="straightConnector1">
+              <a:avLst/>
+            </a:prstGeom>
+            <a:ln w="38100">
+              <a:solidFill>
+                <a:schemeClr val="tx1"/>
+              </a:solidFill>
+              <a:tailEnd type="triangle"/>
+            </a:ln>
+          </p:spPr>
+          <p:style>
+            <a:lnRef idx="1">
+              <a:schemeClr val="accent1"/>
+            </a:lnRef>
+            <a:fillRef idx="0">
+              <a:schemeClr val="accent1"/>
+            </a:fillRef>
+            <a:effectRef idx="0">
+              <a:schemeClr val="accent1"/>
+            </a:effectRef>
+            <a:fontRef idx="minor">
+              <a:schemeClr val="tx1"/>
+            </a:fontRef>
+          </p:style>
+        </p:cxnSp>
+        <p:sp>
+          <p:nvSpPr>
+            <p:cNvPr id="65" name="모서리가 둥근 직사각형 64"/>
+            <p:cNvSpPr/>
+            <p:nvPr/>
+          </p:nvSpPr>
+          <p:spPr>
+            <a:xfrm>
+              <a:off x="9901511" y="3610258"/>
+              <a:ext cx="1032647" cy="896164"/>
+            </a:xfrm>
+            <a:prstGeom prst="roundRect">
+              <a:avLst/>
+            </a:prstGeom>
+            <a:solidFill>
+              <a:schemeClr val="accent6">
+                <a:lumMod val="60000"/>
+                <a:lumOff val="40000"/>
+              </a:schemeClr>
+            </a:solidFill>
+            <a:ln>
+              <a:noFill/>
+            </a:ln>
+          </p:spPr>
+          <p:style>
+            <a:lnRef idx="2">
+              <a:schemeClr val="accent1">
+                <a:shade val="50000"/>
+              </a:schemeClr>
+            </a:lnRef>
+            <a:fillRef idx="1">
+              <a:schemeClr val="accent1"/>
+            </a:fillRef>
+            <a:effectRef idx="0">
+              <a:schemeClr val="accent1"/>
+            </a:effectRef>
+            <a:fontRef idx="minor">
+              <a:schemeClr val="lt1"/>
+            </a:fontRef>
+          </p:style>
+          <p:txBody>
+            <a:bodyPr rtlCol="0" anchor="ctr"/>
+            <a:lstStyle/>
+            <a:p>
+              <a:pPr algn="ctr"/>
+              <a:r>
+                <a:rPr lang="en-US" altLang="ko-KR" sz="1400" dirty="0">
+                  <a:solidFill>
+                    <a:schemeClr val="tx1"/>
+                  </a:solidFill>
+                  <a:latin typeface="Comic Sans MS" panose="030F0702030302020204" pitchFamily="66" charset="0"/>
+                </a:rPr>
+                <a:t>Blending</a:t>
+              </a:r>
+              <a:endParaRPr lang="ko-KR" altLang="en-US" sz="1400" dirty="0">
+                <a:solidFill>
+                  <a:schemeClr val="tx1"/>
+                </a:solidFill>
+                <a:latin typeface="Comic Sans MS" panose="030F0702030302020204" pitchFamily="66" charset="0"/>
+              </a:endParaRPr>
+            </a:p>
+          </p:txBody>
+        </p:sp>
+        <p:cxnSp>
+          <p:nvCxnSpPr>
+            <p:cNvPr id="66" name="꺾인 연결선 65"/>
+            <p:cNvCxnSpPr>
+              <a:cxnSpLocks/>
+              <a:stCxn id="43" idx="3"/>
+              <a:endCxn id="99" idx="1"/>
+            </p:cNvCxnSpPr>
+            <p:nvPr/>
+          </p:nvCxnSpPr>
+          <p:spPr>
+            <a:xfrm>
+              <a:off x="5228230" y="4175851"/>
+              <a:ext cx="542590" cy="520"/>
+            </a:xfrm>
+            <a:prstGeom prst="bentConnector3">
+              <a:avLst>
+                <a:gd name="adj1" fmla="val 50000"/>
+              </a:avLst>
+            </a:prstGeom>
+            <a:ln w="38100">
+              <a:solidFill>
+                <a:schemeClr val="tx1"/>
+              </a:solidFill>
+              <a:tailEnd type="triangle"/>
+            </a:ln>
+          </p:spPr>
+          <p:style>
+            <a:lnRef idx="1">
+              <a:schemeClr val="accent1"/>
+            </a:lnRef>
+            <a:fillRef idx="0">
+              <a:schemeClr val="accent1"/>
+            </a:fillRef>
+            <a:effectRef idx="0">
+              <a:schemeClr val="accent1"/>
+            </a:effectRef>
+            <a:fontRef idx="minor">
+              <a:schemeClr val="tx1"/>
+            </a:fontRef>
+          </p:style>
+        </p:cxnSp>
+        <p:pic>
+          <p:nvPicPr>
+            <p:cNvPr id="67" name="그림 66"/>
+            <p:cNvPicPr>
+              <a:picLocks noChangeAspect="1"/>
+            </p:cNvPicPr>
+            <p:nvPr/>
+          </p:nvPicPr>
+          <p:blipFill>
+            <a:blip r:embed="rId2">
+              <a:extLst>
+                <a:ext uri="{28A0092B-C50C-407E-A947-70E740481C1C}">
+                  <a14:useLocalDpi xmlns:a14="http://schemas.microsoft.com/office/drawing/2010/main" val="0"/>
+                </a:ext>
+              </a:extLst>
+            </a:blip>
+            <a:stretch>
+              <a:fillRect/>
+            </a:stretch>
+          </p:blipFill>
+          <p:spPr>
+            <a:xfrm>
+              <a:off x="677761" y="4253931"/>
+              <a:ext cx="922992" cy="1230656"/>
+            </a:xfrm>
+            <a:prstGeom prst="rect">
+              <a:avLst/>
+            </a:prstGeom>
+          </p:spPr>
+        </p:pic>
+        <p:pic>
+          <p:nvPicPr>
+            <p:cNvPr id="68" name="그림 67"/>
+            <p:cNvPicPr>
+              <a:picLocks noChangeAspect="1"/>
+            </p:cNvPicPr>
+            <p:nvPr/>
+          </p:nvPicPr>
+          <p:blipFill>
+            <a:blip r:embed="rId3" cstate="print">
+              <a:extLst>
+                <a:ext uri="{28A0092B-C50C-407E-A947-70E740481C1C}">
+                  <a14:useLocalDpi xmlns:a14="http://schemas.microsoft.com/office/drawing/2010/main" val="0"/>
+                </a:ext>
+              </a:extLst>
+            </a:blip>
+            <a:stretch>
+              <a:fillRect/>
+            </a:stretch>
+          </p:blipFill>
+          <p:spPr>
+            <a:xfrm>
+              <a:off x="4447907" y="4714971"/>
+              <a:ext cx="743388" cy="991184"/>
+            </a:xfrm>
+            <a:prstGeom prst="rect">
+              <a:avLst/>
+            </a:prstGeom>
+          </p:spPr>
+        </p:pic>
+        <p:pic>
+          <p:nvPicPr>
+            <p:cNvPr id="69" name="그림 68"/>
+            <p:cNvPicPr>
+              <a:picLocks noChangeAspect="1"/>
+            </p:cNvPicPr>
+            <p:nvPr/>
+          </p:nvPicPr>
+          <p:blipFill>
+            <a:blip r:embed="rId4"/>
+            <a:stretch>
+              <a:fillRect/>
+            </a:stretch>
+          </p:blipFill>
+          <p:spPr>
+            <a:xfrm>
+              <a:off x="7019544" y="2999599"/>
+              <a:ext cx="791889" cy="1042430"/>
+            </a:xfrm>
+            <a:prstGeom prst="rect">
+              <a:avLst/>
+            </a:prstGeom>
+          </p:spPr>
+        </p:pic>
+        <p:pic>
+          <p:nvPicPr>
+            <p:cNvPr id="70" name="그림 69"/>
+            <p:cNvPicPr>
+              <a:picLocks noChangeAspect="1"/>
+            </p:cNvPicPr>
+            <p:nvPr/>
+          </p:nvPicPr>
+          <p:blipFill>
+            <a:blip r:embed="rId5" cstate="print">
+              <a:extLst>
+                <a:ext uri="{28A0092B-C50C-407E-A947-70E740481C1C}">
+                  <a14:useLocalDpi xmlns:a14="http://schemas.microsoft.com/office/drawing/2010/main" val="0"/>
+                </a:ext>
+              </a:extLst>
+            </a:blip>
+            <a:stretch>
+              <a:fillRect/>
+            </a:stretch>
+          </p:blipFill>
+          <p:spPr>
+            <a:xfrm>
+              <a:off x="618370" y="2040443"/>
+              <a:ext cx="730572" cy="974096"/>
+            </a:xfrm>
+            <a:prstGeom prst="rect">
+              <a:avLst/>
+            </a:prstGeom>
+          </p:spPr>
+        </p:pic>
+        <p:pic>
+          <p:nvPicPr>
+            <p:cNvPr id="71" name="그림 70"/>
+            <p:cNvPicPr>
+              <a:picLocks noChangeAspect="1"/>
+            </p:cNvPicPr>
+            <p:nvPr/>
+          </p:nvPicPr>
+          <p:blipFill>
+            <a:blip r:embed="rId6" cstate="print">
+              <a:extLst>
+                <a:ext uri="{28A0092B-C50C-407E-A947-70E740481C1C}">
+                  <a14:useLocalDpi xmlns:a14="http://schemas.microsoft.com/office/drawing/2010/main" val="0"/>
+                </a:ext>
+              </a:extLst>
+            </a:blip>
+            <a:stretch>
+              <a:fillRect/>
+            </a:stretch>
+          </p:blipFill>
+          <p:spPr>
+            <a:xfrm>
+              <a:off x="9162711" y="3441526"/>
+              <a:ext cx="499127" cy="665503"/>
+            </a:xfrm>
+            <a:prstGeom prst="rect">
+              <a:avLst/>
+            </a:prstGeom>
+          </p:spPr>
+        </p:pic>
+        <p:cxnSp>
+          <p:nvCxnSpPr>
+            <p:cNvPr id="72" name="꺾인 연결선 71"/>
+            <p:cNvCxnSpPr>
+              <a:cxnSpLocks/>
+              <a:stCxn id="99" idx="3"/>
+              <a:endCxn id="101" idx="1"/>
+            </p:cNvCxnSpPr>
+            <p:nvPr/>
+          </p:nvCxnSpPr>
+          <p:spPr>
+            <a:xfrm flipV="1">
+              <a:off x="6945245" y="4107030"/>
+              <a:ext cx="1110983" cy="69341"/>
+            </a:xfrm>
+            <a:prstGeom prst="bentConnector3">
+              <a:avLst>
+                <a:gd name="adj1" fmla="val 50000"/>
+              </a:avLst>
+            </a:prstGeom>
+            <a:ln w="38100">
+              <a:solidFill>
+                <a:schemeClr val="tx1"/>
+              </a:solidFill>
+              <a:tailEnd type="triangle"/>
+            </a:ln>
+          </p:spPr>
+          <p:style>
+            <a:lnRef idx="1">
+              <a:schemeClr val="accent1"/>
+            </a:lnRef>
+            <a:fillRef idx="0">
+              <a:schemeClr val="accent1"/>
+            </a:fillRef>
+            <a:effectRef idx="0">
+              <a:schemeClr val="accent1"/>
+            </a:effectRef>
+            <a:fontRef idx="minor">
+              <a:schemeClr val="tx1"/>
+            </a:fontRef>
+          </p:style>
+        </p:cxnSp>
+        <p:sp>
+          <p:nvSpPr>
+            <p:cNvPr id="73" name="TextBox 72"/>
+            <p:cNvSpPr txBox="1"/>
+            <p:nvPr/>
+          </p:nvSpPr>
+          <p:spPr>
+            <a:xfrm>
+              <a:off x="9039923" y="4121202"/>
+              <a:ext cx="761379" cy="639551"/>
+            </a:xfrm>
+            <a:prstGeom prst="rect">
+              <a:avLst/>
+            </a:prstGeom>
+            <a:noFill/>
+          </p:spPr>
+          <p:txBody>
+            <a:bodyPr wrap="square" rtlCol="0">
+              <a:spAutoFit/>
+            </a:bodyPr>
+            <a:lstStyle/>
+            <a:p>
+              <a:pPr algn="ctr"/>
+              <a:r>
+                <a:rPr lang="en-US" altLang="ko-KR" sz="1200" dirty="0">
+                  <a:latin typeface="Comic Sans MS" panose="030F0702030302020204" pitchFamily="66" charset="0"/>
+                </a:rPr>
+                <a:t>3D Warped cloth</a:t>
+              </a:r>
+            </a:p>
+          </p:txBody>
+        </p:sp>
+        <p:cxnSp>
+          <p:nvCxnSpPr>
+            <p:cNvPr id="74" name="꺾인 연결선 73"/>
+            <p:cNvCxnSpPr>
+              <a:stCxn id="101" idx="3"/>
+            </p:cNvCxnSpPr>
+            <p:nvPr/>
+          </p:nvCxnSpPr>
+          <p:spPr>
+            <a:xfrm flipV="1">
+              <a:off x="9043310" y="4107029"/>
+              <a:ext cx="858201" cy="1"/>
+            </a:xfrm>
+            <a:prstGeom prst="bentConnector3">
+              <a:avLst>
+                <a:gd name="adj1" fmla="val 50000"/>
+              </a:avLst>
+            </a:prstGeom>
+            <a:ln w="38100">
+              <a:solidFill>
+                <a:schemeClr val="tx1"/>
+              </a:solidFill>
+              <a:tailEnd type="triangle"/>
+            </a:ln>
+          </p:spPr>
+          <p:style>
+            <a:lnRef idx="1">
+              <a:schemeClr val="accent1"/>
+            </a:lnRef>
+            <a:fillRef idx="0">
+              <a:schemeClr val="accent1"/>
+            </a:fillRef>
+            <a:effectRef idx="0">
+              <a:schemeClr val="accent1"/>
+            </a:effectRef>
+            <a:fontRef idx="minor">
+              <a:schemeClr val="tx1"/>
+            </a:fontRef>
+          </p:style>
+        </p:cxnSp>
+        <p:sp>
+          <p:nvSpPr>
+            <p:cNvPr id="75" name="TextBox 74"/>
+            <p:cNvSpPr txBox="1"/>
+            <p:nvPr/>
+          </p:nvSpPr>
+          <p:spPr>
+            <a:xfrm>
+              <a:off x="6928471" y="4212188"/>
+              <a:ext cx="1146305" cy="822280"/>
+            </a:xfrm>
+            <a:prstGeom prst="rect">
+              <a:avLst/>
+            </a:prstGeom>
+            <a:noFill/>
+          </p:spPr>
+          <p:txBody>
+            <a:bodyPr wrap="square" rtlCol="0">
+              <a:spAutoFit/>
+            </a:bodyPr>
+            <a:lstStyle/>
+            <a:p>
+              <a:pPr algn="ctr"/>
+              <a:r>
+                <a:rPr lang="en-US" altLang="ko-KR" sz="1200" dirty="0">
+                  <a:latin typeface="Comic Sans MS" panose="030F0702030302020204" pitchFamily="66" charset="0"/>
+                </a:rPr>
+                <a:t>Warped</a:t>
+              </a:r>
+            </a:p>
+            <a:p>
+              <a:pPr algn="ctr"/>
+              <a:r>
+                <a:rPr lang="en-US" altLang="ko-KR" sz="1200" dirty="0">
+                  <a:latin typeface="Comic Sans MS" panose="030F0702030302020204" pitchFamily="66" charset="0"/>
+                </a:rPr>
+                <a:t>Cloth model for target pose</a:t>
+              </a:r>
+            </a:p>
+          </p:txBody>
+        </p:sp>
+        <p:cxnSp>
+          <p:nvCxnSpPr>
+            <p:cNvPr id="76" name="꺾인 연결선 75"/>
+            <p:cNvCxnSpPr>
+              <a:cxnSpLocks/>
+              <a:stCxn id="65" idx="3"/>
+              <a:endCxn id="78" idx="1"/>
+            </p:cNvCxnSpPr>
+            <p:nvPr/>
+          </p:nvCxnSpPr>
+          <p:spPr>
+            <a:xfrm flipV="1">
+              <a:off x="10934159" y="3969934"/>
+              <a:ext cx="360383" cy="88407"/>
+            </a:xfrm>
+            <a:prstGeom prst="bentConnector3">
+              <a:avLst>
+                <a:gd name="adj1" fmla="val 50000"/>
+              </a:avLst>
+            </a:prstGeom>
+            <a:ln w="38100">
+              <a:solidFill>
+                <a:schemeClr val="tx1"/>
+              </a:solidFill>
+              <a:tailEnd type="triangle"/>
+            </a:ln>
+          </p:spPr>
+          <p:style>
+            <a:lnRef idx="1">
+              <a:schemeClr val="accent1"/>
+            </a:lnRef>
+            <a:fillRef idx="0">
+              <a:schemeClr val="accent1"/>
+            </a:fillRef>
+            <a:effectRef idx="0">
+              <a:schemeClr val="accent1"/>
+            </a:effectRef>
+            <a:fontRef idx="minor">
+              <a:schemeClr val="tx1"/>
+            </a:fontRef>
+          </p:style>
+        </p:cxnSp>
+        <p:grpSp>
+          <p:nvGrpSpPr>
+            <p:cNvPr id="77" name="그룹 76"/>
+            <p:cNvGrpSpPr/>
+            <p:nvPr/>
+          </p:nvGrpSpPr>
+          <p:grpSpPr>
+            <a:xfrm>
+              <a:off x="11294542" y="3373438"/>
+              <a:ext cx="810749" cy="1192991"/>
+              <a:chOff x="12011556" y="4919339"/>
+              <a:chExt cx="1280561" cy="1707415"/>
+            </a:xfrm>
+          </p:grpSpPr>
+          <p:pic>
+            <p:nvPicPr>
+              <p:cNvPr id="78" name="그림 77"/>
+              <p:cNvPicPr>
+                <a:picLocks noChangeAspect="1"/>
+              </p:cNvPicPr>
+              <p:nvPr/>
+            </p:nvPicPr>
+            <p:blipFill>
+              <a:blip r:embed="rId2" cstate="print">
+                <a:extLst>
+                  <a:ext uri="{28A0092B-C50C-407E-A947-70E740481C1C}">
+                    <a14:useLocalDpi xmlns:a14="http://schemas.microsoft.com/office/drawing/2010/main" val="0"/>
+                  </a:ext>
+                </a:extLst>
+              </a:blip>
+              <a:stretch>
+                <a:fillRect/>
+              </a:stretch>
+            </p:blipFill>
+            <p:spPr>
+              <a:xfrm>
+                <a:off x="12011556" y="4919339"/>
+                <a:ext cx="1280561" cy="1707415"/>
+              </a:xfrm>
+              <a:prstGeom prst="rect">
+                <a:avLst/>
+              </a:prstGeom>
+            </p:spPr>
+          </p:pic>
+          <p:pic>
+            <p:nvPicPr>
+              <p:cNvPr id="80" name="그림 79"/>
+              <p:cNvPicPr>
+                <a:picLocks noChangeAspect="1"/>
+              </p:cNvPicPr>
+              <p:nvPr/>
+            </p:nvPicPr>
+            <p:blipFill>
+              <a:blip r:embed="rId7" cstate="print">
+                <a:extLst>
+                  <a:ext uri="{28A0092B-C50C-407E-A947-70E740481C1C}">
+                    <a14:useLocalDpi xmlns:a14="http://schemas.microsoft.com/office/drawing/2010/main" val="0"/>
+                  </a:ext>
+                </a:extLst>
+              </a:blip>
+              <a:stretch>
+                <a:fillRect/>
+              </a:stretch>
+            </p:blipFill>
+            <p:spPr>
+              <a:xfrm>
+                <a:off x="12264068" y="5380874"/>
+                <a:ext cx="665465" cy="887286"/>
+              </a:xfrm>
+              <a:prstGeom prst="rect">
+                <a:avLst/>
+              </a:prstGeom>
+            </p:spPr>
+          </p:pic>
+        </p:grpSp>
+        <p:sp>
+          <p:nvSpPr>
+            <p:cNvPr id="81" name="TextBox 80"/>
+            <p:cNvSpPr txBox="1"/>
+            <p:nvPr/>
+          </p:nvSpPr>
+          <p:spPr>
+            <a:xfrm>
+              <a:off x="5156307" y="3906160"/>
+              <a:ext cx="706167" cy="523220"/>
+            </a:xfrm>
+            <a:prstGeom prst="rect">
+              <a:avLst/>
+            </a:prstGeom>
+            <a:noFill/>
+          </p:spPr>
+          <p:txBody>
+            <a:bodyPr wrap="square" rtlCol="0">
+              <a:spAutoFit/>
+            </a:bodyPr>
+            <a:lstStyle/>
+            <a:p>
+              <a:r>
+                <a:rPr lang="en-US" altLang="ko-KR" sz="1400" dirty="0">
+                  <a:latin typeface="Comic Sans MS" panose="030F0702030302020204" pitchFamily="66" charset="0"/>
+                </a:rPr>
+                <a:t>pose, shape</a:t>
+              </a:r>
+              <a:endParaRPr lang="ko-KR" altLang="en-US" sz="1400" dirty="0">
+                <a:latin typeface="Comic Sans MS" panose="030F0702030302020204" pitchFamily="66" charset="0"/>
+              </a:endParaRPr>
+            </a:p>
+          </p:txBody>
+        </p:sp>
+        <p:pic>
+          <p:nvPicPr>
+            <p:cNvPr id="82" name="그림 81"/>
+            <p:cNvPicPr>
+              <a:picLocks noChangeAspect="1"/>
+            </p:cNvPicPr>
+            <p:nvPr/>
+          </p:nvPicPr>
+          <p:blipFill>
+            <a:blip r:embed="rId8"/>
+            <a:stretch>
+              <a:fillRect/>
+            </a:stretch>
+          </p:blipFill>
+          <p:spPr>
+            <a:xfrm>
+              <a:off x="647790" y="656599"/>
+              <a:ext cx="747852" cy="984847"/>
+            </a:xfrm>
+            <a:prstGeom prst="rect">
+              <a:avLst/>
+            </a:prstGeom>
+          </p:spPr>
+        </p:pic>
+        <p:cxnSp>
+          <p:nvCxnSpPr>
+            <p:cNvPr id="83" name="직선 화살표 연결선 82"/>
+            <p:cNvCxnSpPr>
+              <a:stCxn id="82" idx="3"/>
+              <a:endCxn id="87" idx="1"/>
+            </p:cNvCxnSpPr>
+            <p:nvPr/>
+          </p:nvCxnSpPr>
+          <p:spPr>
+            <a:xfrm>
+              <a:off x="1395642" y="1149023"/>
+              <a:ext cx="980922" cy="10960"/>
+            </a:xfrm>
+            <a:prstGeom prst="straightConnector1">
+              <a:avLst/>
+            </a:prstGeom>
+            <a:ln w="38100">
+              <a:solidFill>
+                <a:schemeClr val="tx1"/>
+              </a:solidFill>
+              <a:tailEnd type="triangle"/>
+            </a:ln>
+          </p:spPr>
+          <p:style>
+            <a:lnRef idx="1">
+              <a:schemeClr val="accent1"/>
+            </a:lnRef>
+            <a:fillRef idx="0">
+              <a:schemeClr val="accent1"/>
+            </a:fillRef>
+            <a:effectRef idx="0">
+              <a:schemeClr val="accent1"/>
+            </a:effectRef>
+            <a:fontRef idx="minor">
+              <a:schemeClr val="tx1"/>
+            </a:fontRef>
+          </p:style>
+        </p:cxnSp>
+        <p:sp>
+          <p:nvSpPr>
+            <p:cNvPr id="84" name="TextBox 83"/>
+            <p:cNvSpPr txBox="1"/>
+            <p:nvPr/>
+          </p:nvSpPr>
+          <p:spPr>
+            <a:xfrm>
+              <a:off x="269801" y="1581301"/>
+              <a:ext cx="1657826" cy="307777"/>
+            </a:xfrm>
+            <a:prstGeom prst="rect">
+              <a:avLst/>
+            </a:prstGeom>
+            <a:noFill/>
+          </p:spPr>
+          <p:txBody>
+            <a:bodyPr wrap="none" rtlCol="0">
+              <a:spAutoFit/>
+            </a:bodyPr>
+            <a:lstStyle/>
+            <a:p>
+              <a:r>
+                <a:rPr lang="en-US" altLang="ko-KR" sz="1400" dirty="0">
+                  <a:latin typeface="Comic Sans MS" panose="030F0702030302020204" pitchFamily="66" charset="0"/>
+                </a:rPr>
+                <a:t>Reference-SMPL </a:t>
+              </a:r>
+              <a:endParaRPr lang="ko-KR" altLang="en-US" sz="1400" dirty="0">
+                <a:latin typeface="Comic Sans MS" panose="030F0702030302020204" pitchFamily="66" charset="0"/>
+              </a:endParaRPr>
+            </a:p>
+          </p:txBody>
+        </p:sp>
+        <p:sp>
+          <p:nvSpPr>
+            <p:cNvPr id="85" name="TextBox 84"/>
+            <p:cNvSpPr txBox="1"/>
+            <p:nvPr/>
+          </p:nvSpPr>
+          <p:spPr>
+            <a:xfrm>
+              <a:off x="349711" y="2956270"/>
+              <a:ext cx="1267543" cy="304548"/>
+            </a:xfrm>
+            <a:prstGeom prst="rect">
+              <a:avLst/>
+            </a:prstGeom>
+            <a:noFill/>
+          </p:spPr>
+          <p:txBody>
+            <a:bodyPr wrap="none" rtlCol="0">
+              <a:spAutoFit/>
+            </a:bodyPr>
+            <a:lstStyle/>
+            <a:p>
+              <a:r>
+                <a:rPr lang="en-US" altLang="ko-KR" sz="1400" dirty="0">
+                  <a:latin typeface="Comic Sans MS" panose="030F0702030302020204" pitchFamily="66" charset="0"/>
+                </a:rPr>
+                <a:t>Try-on Cloth</a:t>
+              </a:r>
+              <a:endParaRPr lang="ko-KR" altLang="en-US" sz="1400" dirty="0">
+                <a:latin typeface="Comic Sans MS" panose="030F0702030302020204" pitchFamily="66" charset="0"/>
+              </a:endParaRPr>
+            </a:p>
+          </p:txBody>
+        </p:sp>
+        <p:sp>
+          <p:nvSpPr>
+            <p:cNvPr id="86" name="모서리가 둥근 직사각형 85"/>
+            <p:cNvSpPr/>
+            <p:nvPr/>
+          </p:nvSpPr>
+          <p:spPr>
+            <a:xfrm>
+              <a:off x="3308664" y="1351265"/>
+              <a:ext cx="1697685" cy="569904"/>
+            </a:xfrm>
+            <a:prstGeom prst="roundRect">
+              <a:avLst/>
+            </a:prstGeom>
+            <a:noFill/>
+            <a:ln>
+              <a:solidFill>
+                <a:schemeClr val="tx1"/>
+              </a:solidFill>
+            </a:ln>
+          </p:spPr>
+          <p:style>
+            <a:lnRef idx="2">
+              <a:schemeClr val="accent1">
+                <a:shade val="50000"/>
+              </a:schemeClr>
+            </a:lnRef>
+            <a:fillRef idx="1">
+              <a:schemeClr val="accent1"/>
+            </a:fillRef>
+            <a:effectRef idx="0">
+              <a:schemeClr val="accent1"/>
+            </a:effectRef>
+            <a:fontRef idx="minor">
+              <a:schemeClr val="lt1"/>
+            </a:fontRef>
+          </p:style>
+          <p:txBody>
+            <a:bodyPr rtlCol="0" anchor="ctr"/>
+            <a:lstStyle/>
+            <a:p>
+              <a:pPr algn="ctr"/>
+              <a:r>
+                <a:rPr lang="en-US" altLang="ko-KR" sz="1400" dirty="0">
+                  <a:solidFill>
+                    <a:schemeClr val="tx1"/>
+                  </a:solidFill>
+                  <a:latin typeface="Comic Sans MS" panose="030F0702030302020204" pitchFamily="66" charset="0"/>
+                </a:rPr>
+                <a:t>2D matching</a:t>
+              </a:r>
+            </a:p>
+            <a:p>
+              <a:pPr algn="ctr"/>
+              <a:r>
+                <a:rPr lang="en-US" altLang="ko-KR" sz="1400" dirty="0">
+                  <a:solidFill>
+                    <a:schemeClr val="tx1"/>
+                  </a:solidFill>
+                  <a:latin typeface="Comic Sans MS" panose="030F0702030302020204" pitchFamily="66" charset="0"/>
+                </a:rPr>
+                <a:t>(semi-automatic) </a:t>
+              </a:r>
+              <a:endParaRPr lang="ko-KR" altLang="en-US" sz="1400" dirty="0">
+                <a:solidFill>
+                  <a:schemeClr val="tx1"/>
+                </a:solidFill>
+                <a:latin typeface="Comic Sans MS" panose="030F0702030302020204" pitchFamily="66" charset="0"/>
+              </a:endParaRPr>
+            </a:p>
+          </p:txBody>
+        </p:sp>
+        <p:pic>
+          <p:nvPicPr>
+            <p:cNvPr id="87" name="그림 86"/>
+            <p:cNvPicPr>
+              <a:picLocks noChangeAspect="1"/>
+            </p:cNvPicPr>
+            <p:nvPr/>
+          </p:nvPicPr>
+          <p:blipFill>
+            <a:blip r:embed="rId9"/>
+            <a:stretch>
+              <a:fillRect/>
+            </a:stretch>
+          </p:blipFill>
+          <p:spPr>
+            <a:xfrm>
+              <a:off x="2376564" y="677618"/>
+              <a:ext cx="714825" cy="964730"/>
+            </a:xfrm>
+            <a:prstGeom prst="rect">
+              <a:avLst/>
+            </a:prstGeom>
+          </p:spPr>
+        </p:pic>
+        <p:sp>
+          <p:nvSpPr>
+            <p:cNvPr id="88" name="TextBox 87"/>
+            <p:cNvSpPr txBox="1"/>
+            <p:nvPr/>
+          </p:nvSpPr>
+          <p:spPr>
+            <a:xfrm>
+              <a:off x="1382224" y="814361"/>
+              <a:ext cx="992579" cy="307777"/>
+            </a:xfrm>
+            <a:prstGeom prst="rect">
+              <a:avLst/>
+            </a:prstGeom>
+            <a:noFill/>
+          </p:spPr>
+          <p:txBody>
+            <a:bodyPr wrap="none" rtlCol="0">
+              <a:spAutoFit/>
+            </a:bodyPr>
+            <a:lstStyle/>
+            <a:p>
+              <a:r>
+                <a:rPr lang="en-US" altLang="ko-KR" sz="1400" dirty="0">
+                  <a:latin typeface="Comic Sans MS" panose="030F0702030302020204" pitchFamily="66" charset="0"/>
+                </a:rPr>
+                <a:t>rendering</a:t>
+              </a:r>
+              <a:endParaRPr lang="ko-KR" altLang="en-US" sz="1400" dirty="0">
+                <a:latin typeface="Comic Sans MS" panose="030F0702030302020204" pitchFamily="66" charset="0"/>
+              </a:endParaRPr>
+            </a:p>
+          </p:txBody>
+        </p:sp>
+        <p:cxnSp>
+          <p:nvCxnSpPr>
+            <p:cNvPr id="89" name="꺾인 연결선 88"/>
+            <p:cNvCxnSpPr>
+              <a:endCxn id="86" idx="2"/>
+            </p:cNvCxnSpPr>
+            <p:nvPr/>
+          </p:nvCxnSpPr>
+          <p:spPr>
+            <a:xfrm flipV="1">
+              <a:off x="1348942" y="1921169"/>
+              <a:ext cx="2808565" cy="568327"/>
+            </a:xfrm>
+            <a:prstGeom prst="bentConnector2">
+              <a:avLst/>
+            </a:prstGeom>
+            <a:ln w="38100">
+              <a:solidFill>
+                <a:schemeClr val="tx1"/>
+              </a:solidFill>
+              <a:tailEnd type="triangle"/>
+            </a:ln>
+          </p:spPr>
+          <p:style>
+            <a:lnRef idx="1">
+              <a:schemeClr val="accent1"/>
+            </a:lnRef>
+            <a:fillRef idx="0">
+              <a:schemeClr val="accent1"/>
+            </a:fillRef>
+            <a:effectRef idx="0">
+              <a:schemeClr val="accent1"/>
+            </a:effectRef>
+            <a:fontRef idx="minor">
+              <a:schemeClr val="tx1"/>
+            </a:fontRef>
+          </p:style>
+        </p:cxnSp>
+        <p:cxnSp>
+          <p:nvCxnSpPr>
+            <p:cNvPr id="90" name="꺾인 연결선 89"/>
+            <p:cNvCxnSpPr>
+              <a:stCxn id="87" idx="3"/>
+              <a:endCxn id="86" idx="0"/>
+            </p:cNvCxnSpPr>
+            <p:nvPr/>
+          </p:nvCxnSpPr>
+          <p:spPr>
+            <a:xfrm>
+              <a:off x="3091389" y="1159983"/>
+              <a:ext cx="1066118" cy="191282"/>
+            </a:xfrm>
+            <a:prstGeom prst="bentConnector2">
+              <a:avLst/>
+            </a:prstGeom>
+            <a:ln w="38100">
+              <a:solidFill>
+                <a:schemeClr val="tx1"/>
+              </a:solidFill>
+              <a:tailEnd type="triangle"/>
+            </a:ln>
+          </p:spPr>
+          <p:style>
+            <a:lnRef idx="1">
+              <a:schemeClr val="accent1"/>
+            </a:lnRef>
+            <a:fillRef idx="0">
+              <a:schemeClr val="accent1"/>
+            </a:fillRef>
+            <a:effectRef idx="0">
+              <a:schemeClr val="accent1"/>
+            </a:effectRef>
+            <a:fontRef idx="minor">
+              <a:schemeClr val="tx1"/>
+            </a:fontRef>
+          </p:style>
+        </p:cxnSp>
+        <p:grpSp>
+          <p:nvGrpSpPr>
+            <p:cNvPr id="91" name="그룹 90"/>
+            <p:cNvGrpSpPr/>
+            <p:nvPr/>
+          </p:nvGrpSpPr>
+          <p:grpSpPr>
+            <a:xfrm>
+              <a:off x="7830220" y="904022"/>
+              <a:ext cx="869837" cy="1288551"/>
+              <a:chOff x="5612071" y="348495"/>
+              <a:chExt cx="1279305" cy="1874607"/>
+            </a:xfrm>
+          </p:grpSpPr>
+          <p:pic>
+            <p:nvPicPr>
+              <p:cNvPr id="92" name="그림 91"/>
+              <p:cNvPicPr>
+                <a:picLocks noChangeAspect="1"/>
+              </p:cNvPicPr>
+              <p:nvPr/>
+            </p:nvPicPr>
+            <p:blipFill>
+              <a:blip r:embed="rId8"/>
+              <a:stretch>
+                <a:fillRect/>
+              </a:stretch>
+            </p:blipFill>
+            <p:spPr>
+              <a:xfrm>
+                <a:off x="5612071" y="348495"/>
+                <a:ext cx="1279305" cy="1874607"/>
+              </a:xfrm>
+              <a:prstGeom prst="rect">
+                <a:avLst/>
+              </a:prstGeom>
+            </p:spPr>
+          </p:pic>
+          <p:pic>
+            <p:nvPicPr>
+              <p:cNvPr id="93" name="그림 92"/>
+              <p:cNvPicPr>
+                <a:picLocks noChangeAspect="1"/>
+              </p:cNvPicPr>
+              <p:nvPr/>
+            </p:nvPicPr>
+            <p:blipFill>
+              <a:blip r:embed="rId10"/>
+              <a:stretch>
+                <a:fillRect/>
+              </a:stretch>
+            </p:blipFill>
+            <p:spPr>
+              <a:xfrm>
+                <a:off x="5708452" y="732548"/>
+                <a:ext cx="793022" cy="980562"/>
+              </a:xfrm>
+              <a:prstGeom prst="rect">
+                <a:avLst/>
+              </a:prstGeom>
+            </p:spPr>
+          </p:pic>
+        </p:grpSp>
+        <p:cxnSp>
+          <p:nvCxnSpPr>
+            <p:cNvPr id="94" name="직선 화살표 연결선 93"/>
+            <p:cNvCxnSpPr/>
+            <p:nvPr/>
+          </p:nvCxnSpPr>
+          <p:spPr>
+            <a:xfrm>
+              <a:off x="5006349" y="1607219"/>
+              <a:ext cx="498779" cy="6645"/>
+            </a:xfrm>
+            <a:prstGeom prst="straightConnector1">
+              <a:avLst/>
+            </a:prstGeom>
+            <a:ln w="38100">
+              <a:solidFill>
+                <a:schemeClr val="tx1"/>
+              </a:solidFill>
+              <a:tailEnd type="triangle"/>
+            </a:ln>
+          </p:spPr>
+          <p:style>
+            <a:lnRef idx="1">
+              <a:schemeClr val="accent1"/>
+            </a:lnRef>
+            <a:fillRef idx="0">
+              <a:schemeClr val="accent1"/>
+            </a:fillRef>
+            <a:effectRef idx="0">
+              <a:schemeClr val="accent1"/>
+            </a:effectRef>
+            <a:fontRef idx="minor">
+              <a:schemeClr val="tx1"/>
+            </a:fontRef>
+          </p:style>
+        </p:cxnSp>
+        <p:sp>
+          <p:nvSpPr>
+            <p:cNvPr id="95" name="모서리가 둥근 직사각형 94"/>
+            <p:cNvSpPr/>
+            <p:nvPr/>
+          </p:nvSpPr>
+          <p:spPr>
+            <a:xfrm>
+              <a:off x="5529609" y="904022"/>
+              <a:ext cx="1630951" cy="1288551"/>
+            </a:xfrm>
+            <a:prstGeom prst="roundRect">
+              <a:avLst/>
+            </a:prstGeom>
+            <a:solidFill>
+              <a:schemeClr val="accent6">
+                <a:lumMod val="60000"/>
+                <a:lumOff val="40000"/>
+              </a:schemeClr>
+            </a:solidFill>
+            <a:ln>
+              <a:noFill/>
+            </a:ln>
+          </p:spPr>
+          <p:style>
+            <a:lnRef idx="2">
+              <a:schemeClr val="accent1">
+                <a:shade val="50000"/>
+              </a:schemeClr>
+            </a:lnRef>
+            <a:fillRef idx="1">
+              <a:schemeClr val="accent1"/>
+            </a:fillRef>
+            <a:effectRef idx="0">
+              <a:schemeClr val="accent1"/>
+            </a:effectRef>
+            <a:fontRef idx="minor">
+              <a:schemeClr val="lt1"/>
+            </a:fontRef>
+          </p:style>
+          <p:txBody>
+            <a:bodyPr rtlCol="0" anchor="ctr"/>
+            <a:lstStyle/>
+            <a:p>
+              <a:pPr algn="ctr"/>
+              <a:r>
+                <a:rPr lang="en-US" altLang="ko-KR" sz="1400" dirty="0">
+                  <a:solidFill>
+                    <a:schemeClr val="tx1"/>
+                  </a:solidFill>
+                  <a:latin typeface="Comic Sans MS" panose="030F0702030302020204" pitchFamily="66" charset="0"/>
+                </a:rPr>
+                <a:t>3D Reconstruction </a:t>
+              </a:r>
+              <a:endParaRPr lang="ko-KR" altLang="en-US" sz="1400" dirty="0">
+                <a:solidFill>
+                  <a:schemeClr val="tx1"/>
+                </a:solidFill>
+                <a:latin typeface="Comic Sans MS" panose="030F0702030302020204" pitchFamily="66" charset="0"/>
+              </a:endParaRPr>
+            </a:p>
+          </p:txBody>
+        </p:sp>
+        <p:cxnSp>
+          <p:nvCxnSpPr>
+            <p:cNvPr id="96" name="직선 화살표 연결선 95"/>
+            <p:cNvCxnSpPr>
+              <a:cxnSpLocks/>
+              <a:stCxn id="95" idx="3"/>
+              <a:endCxn id="92" idx="1"/>
+            </p:cNvCxnSpPr>
+            <p:nvPr/>
+          </p:nvCxnSpPr>
+          <p:spPr>
+            <a:xfrm>
+              <a:off x="7160560" y="1548298"/>
+              <a:ext cx="669659" cy="0"/>
+            </a:xfrm>
+            <a:prstGeom prst="straightConnector1">
+              <a:avLst/>
+            </a:prstGeom>
+            <a:ln w="38100">
+              <a:solidFill>
+                <a:schemeClr val="tx1"/>
+              </a:solidFill>
+              <a:tailEnd type="triangle"/>
+            </a:ln>
+          </p:spPr>
+          <p:style>
+            <a:lnRef idx="1">
+              <a:schemeClr val="accent1"/>
+            </a:lnRef>
+            <a:fillRef idx="0">
+              <a:schemeClr val="accent1"/>
+            </a:fillRef>
+            <a:effectRef idx="0">
+              <a:schemeClr val="accent1"/>
+            </a:effectRef>
+            <a:fontRef idx="minor">
+              <a:schemeClr val="tx1"/>
+            </a:fontRef>
+          </p:style>
+        </p:cxnSp>
+        <p:sp>
+          <p:nvSpPr>
+            <p:cNvPr id="98" name="TextBox 97"/>
+            <p:cNvSpPr txBox="1"/>
+            <p:nvPr/>
+          </p:nvSpPr>
+          <p:spPr>
+            <a:xfrm>
+              <a:off x="541687" y="5541144"/>
+              <a:ext cx="1337226" cy="307777"/>
+            </a:xfrm>
+            <a:prstGeom prst="rect">
+              <a:avLst/>
+            </a:prstGeom>
+            <a:noFill/>
+          </p:spPr>
+          <p:txBody>
+            <a:bodyPr wrap="none" rtlCol="0">
+              <a:spAutoFit/>
+            </a:bodyPr>
+            <a:lstStyle/>
+            <a:p>
+              <a:r>
+                <a:rPr lang="en-US" altLang="ko-KR" sz="1400" dirty="0">
+                  <a:latin typeface="Comic Sans MS" panose="030F0702030302020204" pitchFamily="66" charset="0"/>
+                </a:rPr>
+                <a:t>Target human</a:t>
+              </a:r>
+              <a:endParaRPr lang="ko-KR" altLang="en-US" sz="1400" dirty="0">
+                <a:latin typeface="Comic Sans MS" panose="030F0702030302020204" pitchFamily="66" charset="0"/>
+              </a:endParaRPr>
+            </a:p>
+          </p:txBody>
+        </p:sp>
+        <p:sp>
+          <p:nvSpPr>
+            <p:cNvPr id="99" name="모서리가 둥근 직사각형 98"/>
+            <p:cNvSpPr/>
+            <p:nvPr/>
+          </p:nvSpPr>
+          <p:spPr>
+            <a:xfrm>
+              <a:off x="5770820" y="3746974"/>
+              <a:ext cx="1174425" cy="858792"/>
+            </a:xfrm>
+            <a:prstGeom prst="roundRect">
+              <a:avLst/>
+            </a:prstGeom>
+            <a:solidFill>
+              <a:schemeClr val="accent6">
+                <a:lumMod val="60000"/>
+                <a:lumOff val="40000"/>
+              </a:schemeClr>
+            </a:solidFill>
+            <a:ln>
+              <a:noFill/>
+            </a:ln>
+          </p:spPr>
+          <p:style>
+            <a:lnRef idx="2">
+              <a:schemeClr val="accent1">
+                <a:shade val="50000"/>
+              </a:schemeClr>
+            </a:lnRef>
+            <a:fillRef idx="1">
+              <a:schemeClr val="accent1"/>
+            </a:fillRef>
+            <a:effectRef idx="0">
+              <a:schemeClr val="accent1"/>
+            </a:effectRef>
+            <a:fontRef idx="minor">
+              <a:schemeClr val="lt1"/>
+            </a:fontRef>
+          </p:style>
+          <p:txBody>
+            <a:bodyPr rtlCol="0" anchor="ctr"/>
+            <a:lstStyle/>
+            <a:p>
+              <a:pPr algn="ctr"/>
+              <a:r>
+                <a:rPr lang="en-US" altLang="ko-KR" sz="1400" dirty="0">
+                  <a:solidFill>
+                    <a:schemeClr val="tx1"/>
+                  </a:solidFill>
+                  <a:latin typeface="Comic Sans MS" panose="030F0702030302020204" pitchFamily="66" charset="0"/>
+                </a:rPr>
+                <a:t>3D Shape transfer and Re-posing</a:t>
+              </a:r>
+              <a:endParaRPr lang="ko-KR" altLang="en-US" sz="1400" dirty="0">
+                <a:solidFill>
+                  <a:schemeClr val="tx1"/>
+                </a:solidFill>
+                <a:latin typeface="Comic Sans MS" panose="030F0702030302020204" pitchFamily="66" charset="0"/>
+              </a:endParaRPr>
+            </a:p>
+          </p:txBody>
+        </p:sp>
+        <p:pic>
+          <p:nvPicPr>
+            <p:cNvPr id="100" name="그림 99"/>
+            <p:cNvPicPr>
+              <a:picLocks noChangeAspect="1"/>
+            </p:cNvPicPr>
+            <p:nvPr/>
+          </p:nvPicPr>
+          <p:blipFill>
+            <a:blip r:embed="rId11" cstate="print">
+              <a:extLst>
+                <a:ext uri="{28A0092B-C50C-407E-A947-70E740481C1C}">
+                  <a14:useLocalDpi xmlns:a14="http://schemas.microsoft.com/office/drawing/2010/main" val="0"/>
+                </a:ext>
+              </a:extLst>
+            </a:blip>
+            <a:stretch>
+              <a:fillRect/>
+            </a:stretch>
+          </p:blipFill>
+          <p:spPr>
+            <a:xfrm>
+              <a:off x="7054965" y="3240719"/>
+              <a:ext cx="598109" cy="614640"/>
+            </a:xfrm>
+            <a:prstGeom prst="rect">
+              <a:avLst/>
+            </a:prstGeom>
+          </p:spPr>
+        </p:pic>
+        <p:sp>
+          <p:nvSpPr>
+            <p:cNvPr id="101" name="모서리가 둥근 직사각형 100"/>
+            <p:cNvSpPr/>
+            <p:nvPr/>
+          </p:nvSpPr>
+          <p:spPr>
+            <a:xfrm>
+              <a:off x="8056228" y="3677634"/>
+              <a:ext cx="987082" cy="858792"/>
+            </a:xfrm>
+            <a:prstGeom prst="roundRect">
+              <a:avLst/>
+            </a:prstGeom>
+            <a:solidFill>
+              <a:schemeClr val="accent6">
+                <a:lumMod val="60000"/>
+                <a:lumOff val="40000"/>
+              </a:schemeClr>
+            </a:solidFill>
+            <a:ln>
+              <a:noFill/>
+            </a:ln>
+          </p:spPr>
+          <p:style>
+            <a:lnRef idx="2">
+              <a:schemeClr val="accent1">
+                <a:shade val="50000"/>
+              </a:schemeClr>
+            </a:lnRef>
+            <a:fillRef idx="1">
+              <a:schemeClr val="accent1"/>
+            </a:fillRef>
+            <a:effectRef idx="0">
+              <a:schemeClr val="accent1"/>
+            </a:effectRef>
+            <a:fontRef idx="minor">
+              <a:schemeClr val="lt1"/>
+            </a:fontRef>
+          </p:style>
+          <p:txBody>
+            <a:bodyPr rtlCol="0" anchor="ctr"/>
+            <a:lstStyle/>
+            <a:p>
+              <a:pPr algn="ctr"/>
+              <a:r>
+                <a:rPr lang="en-US" altLang="ko-KR" sz="1400" dirty="0">
+                  <a:solidFill>
+                    <a:schemeClr val="tx1"/>
+                  </a:solidFill>
+                  <a:latin typeface="Comic Sans MS" panose="030F0702030302020204" pitchFamily="66" charset="0"/>
+                </a:rPr>
+                <a:t>Masking </a:t>
+              </a:r>
+              <a:endParaRPr lang="ko-KR" altLang="en-US" sz="1400" dirty="0">
+                <a:solidFill>
+                  <a:schemeClr val="tx1"/>
+                </a:solidFill>
+                <a:latin typeface="Comic Sans MS" panose="030F0702030302020204" pitchFamily="66" charset="0"/>
+              </a:endParaRPr>
+            </a:p>
+          </p:txBody>
+        </p:sp>
+        <p:cxnSp>
+          <p:nvCxnSpPr>
+            <p:cNvPr id="102" name="꺾인 연결선 101"/>
+            <p:cNvCxnSpPr>
+              <a:cxnSpLocks/>
+              <a:stCxn id="92" idx="3"/>
+              <a:endCxn id="99" idx="0"/>
+            </p:cNvCxnSpPr>
+            <p:nvPr/>
+          </p:nvCxnSpPr>
+          <p:spPr>
+            <a:xfrm flipH="1">
+              <a:off x="6358033" y="1548298"/>
+              <a:ext cx="2342024" cy="2198677"/>
+            </a:xfrm>
+            <a:prstGeom prst="bentConnector4">
+              <a:avLst>
+                <a:gd name="adj1" fmla="val -9944"/>
+                <a:gd name="adj2" fmla="val 64651"/>
+              </a:avLst>
+            </a:prstGeom>
+            <a:ln w="38100">
+              <a:solidFill>
+                <a:schemeClr val="tx1"/>
+              </a:solidFill>
+              <a:tailEnd type="triangle"/>
+            </a:ln>
+          </p:spPr>
+          <p:style>
+            <a:lnRef idx="1">
+              <a:schemeClr val="accent1"/>
+            </a:lnRef>
+            <a:fillRef idx="0">
+              <a:schemeClr val="accent1"/>
+            </a:fillRef>
+            <a:effectRef idx="0">
+              <a:schemeClr val="accent1"/>
+            </a:effectRef>
+            <a:fontRef idx="minor">
+              <a:schemeClr val="tx1"/>
+            </a:fontRef>
+          </p:style>
+        </p:cxnSp>
+        <p:sp>
+          <p:nvSpPr>
+            <p:cNvPr id="103" name="모서리가 둥근 직사각형 102"/>
+            <p:cNvSpPr/>
+            <p:nvPr/>
+          </p:nvSpPr>
+          <p:spPr>
+            <a:xfrm>
+              <a:off x="269801" y="457200"/>
+              <a:ext cx="8903699" cy="2499070"/>
+            </a:xfrm>
+            <a:prstGeom prst="roundRect">
+              <a:avLst/>
+            </a:prstGeom>
+            <a:noFill/>
+          </p:spPr>
+          <p:style>
+            <a:lnRef idx="2">
+              <a:schemeClr val="accent1">
+                <a:shade val="50000"/>
+              </a:schemeClr>
+            </a:lnRef>
+            <a:fillRef idx="1">
+              <a:schemeClr val="accent1"/>
+            </a:fillRef>
+            <a:effectRef idx="0">
+              <a:schemeClr val="accent1"/>
+            </a:effectRef>
+            <a:fontRef idx="minor">
+              <a:schemeClr val="lt1"/>
+            </a:fontRef>
+          </p:style>
+          <p:txBody>
+            <a:bodyPr rtlCol="0" anchor="ctr"/>
+            <a:lstStyle/>
+            <a:p>
+              <a:pPr algn="ctr"/>
+              <a:endParaRPr lang="ko-KR" altLang="en-US"/>
+            </a:p>
+          </p:txBody>
+        </p:sp>
+        <p:sp>
+          <p:nvSpPr>
+            <p:cNvPr id="105" name="모서리가 둥근 직사각형 104"/>
+            <p:cNvSpPr/>
+            <p:nvPr/>
+          </p:nvSpPr>
+          <p:spPr>
+            <a:xfrm>
+              <a:off x="437398" y="558519"/>
+              <a:ext cx="4635518" cy="2281343"/>
+            </a:xfrm>
+            <a:prstGeom prst="roundRect">
+              <a:avLst/>
+            </a:prstGeom>
+            <a:noFill/>
+          </p:spPr>
+          <p:style>
+            <a:lnRef idx="2">
+              <a:schemeClr val="accent1">
+                <a:shade val="50000"/>
+              </a:schemeClr>
+            </a:lnRef>
+            <a:fillRef idx="1">
+              <a:schemeClr val="accent1"/>
+            </a:fillRef>
+            <a:effectRef idx="0">
+              <a:schemeClr val="accent1"/>
+            </a:effectRef>
+            <a:fontRef idx="minor">
+              <a:schemeClr val="lt1"/>
+            </a:fontRef>
+          </p:style>
+          <p:txBody>
+            <a:bodyPr rtlCol="0" anchor="ctr"/>
+            <a:lstStyle/>
+            <a:p>
+              <a:pPr algn="ctr"/>
+              <a:endParaRPr lang="ko-KR" altLang="en-US" dirty="0"/>
+            </a:p>
+          </p:txBody>
+        </p:sp>
+        <p:sp>
+          <p:nvSpPr>
+            <p:cNvPr id="107" name="모서리가 둥근 직사각형 106"/>
+            <p:cNvSpPr/>
+            <p:nvPr/>
+          </p:nvSpPr>
+          <p:spPr>
+            <a:xfrm>
+              <a:off x="5210486" y="520488"/>
+              <a:ext cx="3869881" cy="2281343"/>
+            </a:xfrm>
+            <a:prstGeom prst="roundRect">
+              <a:avLst/>
+            </a:prstGeom>
+            <a:noFill/>
+          </p:spPr>
+          <p:style>
+            <a:lnRef idx="2">
+              <a:schemeClr val="accent1">
+                <a:shade val="50000"/>
+              </a:schemeClr>
+            </a:lnRef>
+            <a:fillRef idx="1">
+              <a:schemeClr val="accent1"/>
+            </a:fillRef>
+            <a:effectRef idx="0">
+              <a:schemeClr val="accent1"/>
+            </a:effectRef>
+            <a:fontRef idx="minor">
+              <a:schemeClr val="lt1"/>
+            </a:fontRef>
+          </p:style>
+          <p:txBody>
+            <a:bodyPr rtlCol="0" anchor="ctr"/>
+            <a:lstStyle/>
+            <a:p>
+              <a:pPr algn="ctr"/>
+              <a:endParaRPr lang="ko-KR" altLang="en-US"/>
+            </a:p>
+          </p:txBody>
+        </p:sp>
+        <p:sp>
+          <p:nvSpPr>
+            <p:cNvPr id="108" name="모서리가 둥근 직사각형 107"/>
+            <p:cNvSpPr/>
+            <p:nvPr/>
+          </p:nvSpPr>
+          <p:spPr>
+            <a:xfrm>
+              <a:off x="378174" y="3590073"/>
+              <a:ext cx="5072980" cy="2821877"/>
+            </a:xfrm>
+            <a:prstGeom prst="roundRect">
+              <a:avLst/>
+            </a:prstGeom>
+            <a:noFill/>
+          </p:spPr>
+          <p:style>
+            <a:lnRef idx="2">
+              <a:schemeClr val="accent1">
+                <a:shade val="50000"/>
+              </a:schemeClr>
+            </a:lnRef>
+            <a:fillRef idx="1">
+              <a:schemeClr val="accent1"/>
+            </a:fillRef>
+            <a:effectRef idx="0">
+              <a:schemeClr val="accent1"/>
+            </a:effectRef>
+            <a:fontRef idx="minor">
+              <a:schemeClr val="lt1"/>
+            </a:fontRef>
+          </p:style>
+          <p:txBody>
+            <a:bodyPr rtlCol="0" anchor="ctr"/>
+            <a:lstStyle/>
+            <a:p>
+              <a:pPr algn="ctr"/>
+              <a:endParaRPr lang="ko-KR" altLang="en-US"/>
+            </a:p>
+          </p:txBody>
+        </p:sp>
+        <p:sp>
+          <p:nvSpPr>
+            <p:cNvPr id="109" name="모서리가 둥근 직사각형 108"/>
+            <p:cNvSpPr/>
+            <p:nvPr/>
+          </p:nvSpPr>
+          <p:spPr>
+            <a:xfrm>
+              <a:off x="5561199" y="3542403"/>
+              <a:ext cx="3572217" cy="2821877"/>
+            </a:xfrm>
+            <a:prstGeom prst="roundRect">
+              <a:avLst/>
+            </a:prstGeom>
+            <a:noFill/>
+          </p:spPr>
+          <p:style>
+            <a:lnRef idx="2">
+              <a:schemeClr val="accent1">
+                <a:shade val="50000"/>
+              </a:schemeClr>
+            </a:lnRef>
+            <a:fillRef idx="1">
+              <a:schemeClr val="accent1"/>
+            </a:fillRef>
+            <a:effectRef idx="0">
+              <a:schemeClr val="accent1"/>
+            </a:effectRef>
+            <a:fontRef idx="minor">
+              <a:schemeClr val="lt1"/>
+            </a:fontRef>
+          </p:style>
+          <p:txBody>
+            <a:bodyPr rtlCol="0" anchor="ctr"/>
+            <a:lstStyle/>
+            <a:p>
+              <a:pPr algn="ctr"/>
+              <a:endParaRPr lang="ko-KR" altLang="en-US"/>
+            </a:p>
+          </p:txBody>
+        </p:sp>
+        <p:sp>
+          <p:nvSpPr>
+            <p:cNvPr id="110" name="모서리가 둥근 직사각형 109"/>
+            <p:cNvSpPr/>
+            <p:nvPr/>
+          </p:nvSpPr>
+          <p:spPr>
+            <a:xfrm>
+              <a:off x="9572180" y="3441526"/>
+              <a:ext cx="2619820" cy="2821877"/>
+            </a:xfrm>
+            <a:prstGeom prst="roundRect">
+              <a:avLst/>
+            </a:prstGeom>
+            <a:noFill/>
+          </p:spPr>
+          <p:style>
+            <a:lnRef idx="2">
+              <a:schemeClr val="accent1">
+                <a:shade val="50000"/>
+              </a:schemeClr>
+            </a:lnRef>
+            <a:fillRef idx="1">
+              <a:schemeClr val="accent1"/>
+            </a:fillRef>
+            <a:effectRef idx="0">
+              <a:schemeClr val="accent1"/>
+            </a:effectRef>
+            <a:fontRef idx="minor">
+              <a:schemeClr val="lt1"/>
+            </a:fontRef>
+          </p:style>
+          <p:txBody>
+            <a:bodyPr rtlCol="0" anchor="ctr"/>
+            <a:lstStyle/>
+            <a:p>
+              <a:pPr algn="ctr"/>
+              <a:endParaRPr lang="ko-KR" altLang="en-US"/>
+            </a:p>
+          </p:txBody>
+        </p:sp>
+        <p:sp>
+          <p:nvSpPr>
+            <p:cNvPr id="111" name="TextBox 110"/>
+            <p:cNvSpPr txBox="1"/>
+            <p:nvPr/>
+          </p:nvSpPr>
+          <p:spPr>
+            <a:xfrm>
+              <a:off x="1886102" y="92746"/>
+              <a:ext cx="1729146" cy="304548"/>
+            </a:xfrm>
+            <a:prstGeom prst="rect">
+              <a:avLst/>
+            </a:prstGeom>
+            <a:noFill/>
+          </p:spPr>
+          <p:txBody>
+            <a:bodyPr wrap="square" rtlCol="0">
+              <a:spAutoFit/>
+            </a:bodyPr>
+            <a:lstStyle/>
+            <a:p>
+              <a:r>
+                <a:rPr lang="en-US" altLang="ko-KR" sz="1400" dirty="0">
+                  <a:latin typeface="Comic Sans MS" panose="030F0702030302020204" pitchFamily="66" charset="0"/>
+                </a:rPr>
+                <a:t>1.1 2D matching </a:t>
+              </a:r>
+            </a:p>
+          </p:txBody>
+        </p:sp>
+        <p:sp>
+          <p:nvSpPr>
+            <p:cNvPr id="112" name="TextBox 111"/>
+            <p:cNvSpPr txBox="1"/>
+            <p:nvPr/>
+          </p:nvSpPr>
+          <p:spPr>
+            <a:xfrm>
+              <a:off x="6093598" y="118873"/>
+              <a:ext cx="2071753" cy="304548"/>
+            </a:xfrm>
+            <a:prstGeom prst="rect">
+              <a:avLst/>
+            </a:prstGeom>
+            <a:noFill/>
+          </p:spPr>
+          <p:txBody>
+            <a:bodyPr wrap="square" rtlCol="0">
+              <a:spAutoFit/>
+            </a:bodyPr>
+            <a:lstStyle/>
+            <a:p>
+              <a:r>
+                <a:rPr lang="en-US" altLang="ko-KR" sz="1400" dirty="0">
+                  <a:latin typeface="Comic Sans MS" panose="030F0702030302020204" pitchFamily="66" charset="0"/>
+                </a:rPr>
+                <a:t>1.2 3D reconstruction</a:t>
+              </a:r>
+            </a:p>
+          </p:txBody>
+        </p:sp>
+        <p:sp>
+          <p:nvSpPr>
+            <p:cNvPr id="113" name="TextBox 112"/>
+            <p:cNvSpPr txBox="1"/>
+            <p:nvPr/>
+          </p:nvSpPr>
+          <p:spPr>
+            <a:xfrm>
+              <a:off x="1720544" y="6127267"/>
+              <a:ext cx="2398135" cy="304548"/>
+            </a:xfrm>
+            <a:prstGeom prst="rect">
+              <a:avLst/>
+            </a:prstGeom>
+            <a:noFill/>
+          </p:spPr>
+          <p:txBody>
+            <a:bodyPr wrap="square" rtlCol="0">
+              <a:spAutoFit/>
+            </a:bodyPr>
+            <a:lstStyle/>
+            <a:p>
+              <a:r>
+                <a:rPr lang="en-US" altLang="ko-KR" sz="1400" dirty="0">
+                  <a:latin typeface="Comic Sans MS" panose="030F0702030302020204" pitchFamily="66" charset="0"/>
+                </a:rPr>
+                <a:t>2. Human body modeling</a:t>
+              </a:r>
+            </a:p>
+          </p:txBody>
+        </p:sp>
+        <p:sp>
+          <p:nvSpPr>
+            <p:cNvPr id="114" name="TextBox 113"/>
+            <p:cNvSpPr txBox="1"/>
+            <p:nvPr/>
+          </p:nvSpPr>
+          <p:spPr>
+            <a:xfrm>
+              <a:off x="6359967" y="6055079"/>
+              <a:ext cx="2070967" cy="304548"/>
+            </a:xfrm>
+            <a:prstGeom prst="rect">
+              <a:avLst/>
+            </a:prstGeom>
+            <a:noFill/>
+          </p:spPr>
+          <p:txBody>
+            <a:bodyPr wrap="square" rtlCol="0">
+              <a:spAutoFit/>
+            </a:bodyPr>
+            <a:lstStyle/>
+            <a:p>
+              <a:r>
+                <a:rPr lang="en-US" altLang="ko-KR" sz="1400" dirty="0">
+                  <a:latin typeface="Comic Sans MS" panose="030F0702030302020204" pitchFamily="66" charset="0"/>
+                </a:rPr>
+                <a:t>3. Cloth 3D warping  </a:t>
+              </a:r>
+            </a:p>
+          </p:txBody>
+        </p:sp>
+        <p:sp>
+          <p:nvSpPr>
+            <p:cNvPr id="115" name="TextBox 114"/>
+            <p:cNvSpPr txBox="1"/>
+            <p:nvPr/>
+          </p:nvSpPr>
+          <p:spPr>
+            <a:xfrm>
+              <a:off x="10394526" y="5974992"/>
+              <a:ext cx="1132193" cy="304548"/>
+            </a:xfrm>
+            <a:prstGeom prst="rect">
+              <a:avLst/>
+            </a:prstGeom>
+            <a:noFill/>
+          </p:spPr>
+          <p:txBody>
+            <a:bodyPr wrap="square" rtlCol="0">
+              <a:spAutoFit/>
+            </a:bodyPr>
+            <a:lstStyle/>
+            <a:p>
+              <a:r>
+                <a:rPr lang="en-US" altLang="ko-KR" sz="1400" dirty="0">
+                  <a:latin typeface="Comic Sans MS" panose="030F0702030302020204" pitchFamily="66" charset="0"/>
+                </a:rPr>
+                <a:t>4. Blending </a:t>
+              </a:r>
+            </a:p>
+          </p:txBody>
+        </p:sp>
+      </p:grpSp>
+      <p:cxnSp>
+        <p:nvCxnSpPr>
+          <p:cNvPr id="97" name="직선 화살표 연결선 53">
+            <a:extLst>
+              <a:ext uri="{FF2B5EF4-FFF2-40B4-BE49-F238E27FC236}">
+                <a16:creationId xmlns:a16="http://schemas.microsoft.com/office/drawing/2014/main" id="{34FAE617-957A-4552-93DF-8C45524232D7}"/>
+              </a:ext>
+            </a:extLst>
+          </p:cNvPr>
+          <p:cNvCxnSpPr>
+            <a:cxnSpLocks/>
+          </p:cNvCxnSpPr>
+          <p:nvPr/>
+        </p:nvCxnSpPr>
+        <p:spPr>
+          <a:xfrm flipV="1">
+            <a:off x="3924748" y="3539020"/>
+            <a:ext cx="0" cy="329844"/>
+          </a:xfrm>
+          <a:prstGeom prst="straightConnector1">
+            <a:avLst/>
+          </a:prstGeom>
+          <a:ln w="38100">
+            <a:solidFill>
+              <a:schemeClr val="tx2"/>
+            </a:solidFill>
+            <a:headEnd type="diamond" w="med" len="med"/>
+            <a:tailEnd type="diamond" w="med" len="med"/>
+          </a:ln>
+        </p:spPr>
+        <p:style>
+          <a:lnRef idx="1">
+            <a:schemeClr val="accent1"/>
+          </a:lnRef>
+          <a:fillRef idx="0">
+            <a:schemeClr val="accent1"/>
+          </a:fillRef>
+          <a:effectRef idx="0">
+            <a:schemeClr val="accent1"/>
+          </a:effectRef>
+          <a:fontRef idx="minor">
+            <a:schemeClr val="tx1"/>
+          </a:fontRef>
+        </p:style>
+      </p:cxnSp>
+      <p:sp>
+        <p:nvSpPr>
+          <p:cNvPr id="106" name="TextBox 105">
+            <a:extLst>
+              <a:ext uri="{FF2B5EF4-FFF2-40B4-BE49-F238E27FC236}">
+                <a16:creationId xmlns:a16="http://schemas.microsoft.com/office/drawing/2014/main" id="{E03B433F-E7A8-4A55-B324-2206CF9457AF}"/>
+              </a:ext>
+            </a:extLst>
+          </p:cNvPr>
+          <p:cNvSpPr txBox="1"/>
+          <p:nvPr/>
+        </p:nvSpPr>
+        <p:spPr>
+          <a:xfrm>
+            <a:off x="9665916" y="3326760"/>
+            <a:ext cx="1481496" cy="307777"/>
+          </a:xfrm>
+          <a:prstGeom prst="rect">
+            <a:avLst/>
+          </a:prstGeom>
+          <a:noFill/>
+        </p:spPr>
+        <p:txBody>
+          <a:bodyPr wrap="none" rtlCol="0">
+            <a:spAutoFit/>
+          </a:bodyPr>
+          <a:lstStyle/>
+          <a:p>
+            <a:r>
+              <a:rPr lang="en-US" altLang="ko-KR" sz="1400" dirty="0">
+                <a:latin typeface="Comic Sans MS" panose="030F0702030302020204" pitchFamily="66" charset="0"/>
+              </a:rPr>
+              <a:t>Try-on network</a:t>
+            </a:r>
+            <a:endParaRPr lang="ko-KR" altLang="en-US" sz="1400" dirty="0">
+              <a:latin typeface="Comic Sans MS" panose="030F0702030302020204" pitchFamily="66" charset="0"/>
+            </a:endParaRPr>
+          </a:p>
+        </p:txBody>
+      </p:sp>
+      <p:sp>
+        <p:nvSpPr>
+          <p:cNvPr id="117" name="TextBox 116">
+            <a:extLst>
+              <a:ext uri="{FF2B5EF4-FFF2-40B4-BE49-F238E27FC236}">
+                <a16:creationId xmlns:a16="http://schemas.microsoft.com/office/drawing/2014/main" id="{037302F0-8694-4642-9271-AEED56E5C4AC}"/>
+              </a:ext>
+            </a:extLst>
+          </p:cNvPr>
+          <p:cNvSpPr txBox="1"/>
+          <p:nvPr/>
+        </p:nvSpPr>
+        <p:spPr>
+          <a:xfrm>
+            <a:off x="11137055" y="4756876"/>
+            <a:ext cx="747388" cy="461665"/>
+          </a:xfrm>
+          <a:prstGeom prst="rect">
+            <a:avLst/>
+          </a:prstGeom>
+          <a:noFill/>
+        </p:spPr>
+        <p:txBody>
+          <a:bodyPr wrap="square" rtlCol="0">
+            <a:spAutoFit/>
+          </a:bodyPr>
+          <a:lstStyle/>
+          <a:p>
+            <a:r>
+              <a:rPr lang="en-US" altLang="ko-KR" sz="1200" dirty="0">
+                <a:latin typeface="Comic Sans MS" panose="030F0702030302020204" pitchFamily="66" charset="0"/>
+              </a:rPr>
+              <a:t>Try-on result</a:t>
+            </a:r>
+          </a:p>
+        </p:txBody>
+      </p:sp>
+    </p:spTree>
+    <p:extLst>
+      <p:ext uri="{BB962C8B-B14F-4D97-AF65-F5344CB8AC3E}">
+        <p14:creationId xmlns:p14="http://schemas.microsoft.com/office/powerpoint/2010/main" val="3255345700"/>
+      </p:ext>
+    </p:extLst>
+  </p:cSld>
+  <p:clrMapOvr>
+    <a:masterClrMapping/>
+  </p:clrMapOvr>
+</p:sld>
+</file>
+
+<file path=ppt/slides/slide3.xml><?xml version="1.0" encoding="utf-8"?>
+<p:sld xmlns:a="http://schemas.openxmlformats.org/drawingml/2006/main" xmlns:r="http://schemas.openxmlformats.org/officeDocument/2006/relationships" xmlns:p="http://schemas.openxmlformats.org/presentationml/2006/main">
+  <p:cSld>
+    <p:spTree>
+      <p:nvGrpSpPr>
+        <p:cNvPr id="1" name=""/>
+        <p:cNvGrpSpPr/>
+        <p:nvPr/>
+      </p:nvGrpSpPr>
+      <p:grpSpPr>
+        <a:xfrm>
+          <a:off x="0" y="0"/>
+          <a:ext cx="0" cy="0"/>
+          <a:chOff x="0" y="0"/>
+          <a:chExt cx="0" cy="0"/>
+        </a:xfrm>
+      </p:grpSpPr>
       <p:sp>
         <p:nvSpPr>
           <p:cNvPr id="2" name="제목 1"/>
@@ -6718,18 +9828,18 @@
           <a:lstStyle/>
           <a:p>
             <a:r>
-              <a:rPr lang="en-US" altLang="ko-KR" dirty="0" smtClean="0">
+              <a:rPr lang="en-US" altLang="ko-KR" dirty="0">
                 <a:latin typeface="Comic Sans MS" panose="030F0702030302020204" pitchFamily="66" charset="0"/>
               </a:rPr>
               <a:t>SMPL (skinned multi-person linear model)</a:t>
             </a:r>
             <a:br>
-              <a:rPr lang="en-US" altLang="ko-KR" dirty="0" smtClean="0">
+              <a:rPr lang="en-US" altLang="ko-KR" dirty="0">
                 <a:latin typeface="Comic Sans MS" panose="030F0702030302020204" pitchFamily="66" charset="0"/>
               </a:rPr>
             </a:br>
             <a:r>
-              <a:rPr lang="en-US" altLang="ko-KR" dirty="0" smtClean="0">
+              <a:rPr lang="en-US" altLang="ko-KR" dirty="0">
                 <a:latin typeface="Comic Sans MS" panose="030F0702030302020204" pitchFamily="66" charset="0"/>
               </a:rPr>
               <a:t>a Parametric 3D human body model[Loper2016] </a:t>
@@ -6844,11 +9954,11 @@
           <a:lstStyle/>
           <a:p>
             <a:r>
-              <a:rPr lang="ko-KR" altLang="en-US" sz="2400" smtClean="0"/>
+              <a:rPr lang="ko-KR" altLang="en-US" sz="2400"/>
               <a:t>체형변수</a:t>
             </a:r>
             <a:r>
-              <a:rPr lang="en-US" altLang="ko-KR" sz="2400" dirty="0" smtClean="0"/>
+              <a:rPr lang="en-US" altLang="ko-KR" sz="2400" dirty="0"/>
               <a:t> </a:t>
             </a:r>
             <a:endParaRPr lang="ko-KR" altLang="en-US" sz="2400" dirty="0"/>
@@ -6918,19 +10028,19 @@
           <a:lstStyle/>
           <a:p>
             <a:r>
-              <a:rPr lang="ko-KR" altLang="en-US" sz="2400" dirty="0" smtClean="0"/>
+              <a:rPr lang="ko-KR" altLang="en-US" sz="2400" dirty="0"/>
               <a:t>자세</a:t>
             </a:r>
             <a:r>
-              <a:rPr lang="en-US" altLang="ko-KR" sz="2400" dirty="0" smtClean="0"/>
+              <a:rPr lang="en-US" altLang="ko-KR" sz="2400" dirty="0"/>
               <a:t>:</a:t>
             </a:r>
             <a:r>
-              <a:rPr lang="ko-KR" altLang="en-US" sz="2400" dirty="0" smtClean="0"/>
+              <a:rPr lang="ko-KR" altLang="en-US" sz="2400" dirty="0"/>
               <a:t>변형</a:t>
             </a:r>
             <a:r>
-              <a:rPr lang="en-US" altLang="ko-KR" sz="2400" dirty="0" smtClean="0"/>
+              <a:rPr lang="en-US" altLang="ko-KR" sz="2400" dirty="0"/>
               <a:t> </a:t>
             </a:r>
             <a:endParaRPr lang="ko-KR" altLang="en-US" sz="2400" dirty="0"/>
@@ -7000,19 +10110,19 @@
           <a:lstStyle/>
           <a:p>
             <a:r>
-              <a:rPr lang="ko-KR" altLang="en-US" sz="2400" dirty="0" smtClean="0"/>
+              <a:rPr lang="ko-KR" altLang="en-US" sz="2400" dirty="0"/>
               <a:t>자세</a:t>
             </a:r>
             <a:r>
-              <a:rPr lang="en-US" altLang="ko-KR" sz="2400" dirty="0" smtClean="0"/>
+              <a:rPr lang="en-US" altLang="ko-KR" sz="2400" dirty="0"/>
               <a:t>:</a:t>
             </a:r>
             <a:r>
-              <a:rPr lang="ko-KR" altLang="en-US" sz="2400" dirty="0" smtClean="0"/>
+              <a:rPr lang="ko-KR" altLang="en-US" sz="2400" dirty="0"/>
               <a:t>이동</a:t>
             </a:r>
             <a:r>
-              <a:rPr lang="en-US" altLang="ko-KR" sz="2400" dirty="0" smtClean="0"/>
+              <a:rPr lang="en-US" altLang="ko-KR" sz="2400" dirty="0"/>
               <a:t> </a:t>
             </a:r>
             <a:endParaRPr lang="ko-KR" altLang="en-US" sz="2400" dirty="0"/>
@@ -7036,7 +10146,7 @@
           <a:p>
             <a:fld id="{F68880C3-40A4-49E0-BCB6-C39EE3ED2A06}" type="slidenum">
               <a:rPr lang="ko-KR" altLang="en-US" smtClean="0"/>
-              <a:t>2</a:t>
+              <a:t>3</a:t>
             </a:fld>
             <a:endParaRPr lang="ko-KR" altLang="en-US"/>
           </a:p>
@@ -7058,11 +10168,11 @@
           <a:lstStyle/>
           <a:p>
             <a:r>
-              <a:rPr lang="ko-KR" altLang="en-US" smtClean="0"/>
+              <a:rPr lang="ko-KR" altLang="en-US"/>
               <a:t>서울과학기술대학교</a:t>
             </a:r>
             <a:r>
-              <a:rPr lang="en-US" altLang="ko-KR" smtClean="0"/>
+              <a:rPr lang="en-US" altLang="ko-KR"/>
               <a:t>, IPIU2020</a:t>
             </a:r>
             <a:endParaRPr lang="ko-KR" altLang="en-US"/>
@@ -7082,7 +10192,7 @@
 </p:sld>
 </file>
 
-<file path=ppt/slides/slide3.xml><?xml version="1.0" encoding="utf-8"?>
+<file path=ppt/slides/slide4.xml><?xml version="1.0" encoding="utf-8"?>
 <p:sld xmlns:a="http://schemas.openxmlformats.org/drawingml/2006/main" xmlns:r="http://schemas.openxmlformats.org/officeDocument/2006/relationships" xmlns:p="http://schemas.openxmlformats.org/presentationml/2006/main">
   <p:cSld>
     <p:spTree>
@@ -7122,7 +10232,7 @@
           <a:lstStyle/>
           <a:p>
             <a:r>
-              <a:rPr lang="en-US" altLang="ko-KR" dirty="0" smtClean="0">
+              <a:rPr lang="en-US" altLang="ko-KR" dirty="0">
                 <a:latin typeface="Comic Sans MS" panose="030F0702030302020204" pitchFamily="66" charset="0"/>
               </a:rPr>
               <a:t>2D Rough Matching </a:t>
@@ -7232,7 +10342,7 @@
           <a:p>
             <a:fld id="{F68880C3-40A4-49E0-BCB6-C39EE3ED2A06}" type="slidenum">
               <a:rPr lang="ko-KR" altLang="en-US" smtClean="0"/>
-              <a:t>3</a:t>
+              <a:t>4</a:t>
             </a:fld>
             <a:endParaRPr lang="ko-KR" altLang="en-US"/>
           </a:p>
@@ -7254,11 +10364,11 @@
           <a:lstStyle/>
           <a:p>
             <a:r>
-              <a:rPr lang="ko-KR" altLang="en-US" smtClean="0"/>
+              <a:rPr lang="ko-KR" altLang="en-US"/>
               <a:t>서울과학기술대학교</a:t>
             </a:r>
             <a:r>
-              <a:rPr lang="en-US" altLang="ko-KR" smtClean="0"/>
+              <a:rPr lang="en-US" altLang="ko-KR"/>
               <a:t>, IPIU2020</a:t>
             </a:r>
             <a:endParaRPr lang="ko-KR" altLang="en-US"/>
@@ -7278,7 +10388,7 @@
 </p:sld>
 </file>
 
-<file path=ppt/slides/slide4.xml><?xml version="1.0" encoding="utf-8"?>
+<file path=ppt/slides/slide5.xml><?xml version="1.0" encoding="utf-8"?>
 <p:sld xmlns:a="http://schemas.openxmlformats.org/drawingml/2006/main" xmlns:r="http://schemas.openxmlformats.org/officeDocument/2006/relationships" xmlns:p="http://schemas.openxmlformats.org/presentationml/2006/main">
   <p:cSld>
     <p:spTree>
@@ -7318,7 +10428,7 @@
           <a:lstStyle/>
           <a:p>
             <a:r>
-              <a:rPr lang="en-US" altLang="ko-KR" dirty="0" smtClean="0">
+              <a:rPr lang="en-US" altLang="ko-KR" dirty="0">
                 <a:latin typeface="Comic Sans MS" panose="030F0702030302020204" pitchFamily="66" charset="0"/>
               </a:rPr>
               <a:t>3D Recovery: method  </a:t>
@@ -7474,7 +10584,7 @@
           <a:lstStyle/>
           <a:p>
             <a:r>
-              <a:rPr lang="en-US" altLang="ko-KR" sz="2400" dirty="0" smtClean="0">
+              <a:rPr lang="en-US" altLang="ko-KR" sz="2400" dirty="0">
                 <a:latin typeface="Comic Sans MS" panose="030F0702030302020204" pitchFamily="66" charset="0"/>
               </a:rPr>
               <a:t>Long sleeved cloth</a:t>
@@ -7507,7 +10617,7 @@
           <a:lstStyle/>
           <a:p>
             <a:r>
-              <a:rPr lang="en-US" altLang="ko-KR" sz="2400" dirty="0" smtClean="0">
+              <a:rPr lang="en-US" altLang="ko-KR" sz="2400" dirty="0">
                 <a:latin typeface="Comic Sans MS" panose="030F0702030302020204" pitchFamily="66" charset="0"/>
               </a:rPr>
               <a:t>Short sleeved cloth</a:t>
@@ -7535,7 +10645,7 @@
           <a:p>
             <a:fld id="{F68880C3-40A4-49E0-BCB6-C39EE3ED2A06}" type="slidenum">
               <a:rPr lang="ko-KR" altLang="en-US" smtClean="0"/>
-              <a:t>4</a:t>
+              <a:t>5</a:t>
             </a:fld>
             <a:endParaRPr lang="ko-KR" altLang="en-US"/>
           </a:p>
@@ -7557,11 +10667,11 @@
           <a:lstStyle/>
           <a:p>
             <a:r>
-              <a:rPr lang="ko-KR" altLang="en-US" smtClean="0"/>
+              <a:rPr lang="ko-KR" altLang="en-US"/>
               <a:t>서울과학기술대학교</a:t>
             </a:r>
             <a:r>
-              <a:rPr lang="en-US" altLang="ko-KR" smtClean="0"/>
+              <a:rPr lang="en-US" altLang="ko-KR"/>
               <a:t>, IPIU2020</a:t>
             </a:r>
             <a:endParaRPr lang="ko-KR" altLang="en-US"/>
@@ -7581,7 +10691,7 @@
 </p:sld>
 </file>
 
-<file path=ppt/slides/slide5.xml><?xml version="1.0" encoding="utf-8"?>
+<file path=ppt/slides/slide6.xml><?xml version="1.0" encoding="utf-8"?>
 <p:sld xmlns:a="http://schemas.openxmlformats.org/drawingml/2006/main" xmlns:r="http://schemas.openxmlformats.org/officeDocument/2006/relationships" xmlns:p="http://schemas.openxmlformats.org/presentationml/2006/main">
   <p:cSld>
     <p:spTree>
@@ -7621,7 +10731,7 @@
           <a:lstStyle/>
           <a:p>
             <a:r>
-              <a:rPr lang="en-US" altLang="ko-KR" dirty="0" smtClean="0">
+              <a:rPr lang="en-US" altLang="ko-KR" dirty="0">
                 <a:latin typeface="Comic Sans MS" panose="030F0702030302020204" pitchFamily="66" charset="0"/>
               </a:rPr>
               <a:t>3D Recovery: result   </a:t>
@@ -7731,7 +10841,7 @@
           <a:p>
             <a:fld id="{F68880C3-40A4-49E0-BCB6-C39EE3ED2A06}" type="slidenum">
               <a:rPr lang="ko-KR" altLang="en-US" smtClean="0"/>
-              <a:t>5</a:t>
+              <a:t>6</a:t>
             </a:fld>
             <a:endParaRPr lang="ko-KR" altLang="en-US"/>
           </a:p>
@@ -7753,11 +10863,11 @@
           <a:lstStyle/>
           <a:p>
             <a:r>
-              <a:rPr lang="ko-KR" altLang="en-US" smtClean="0"/>
+              <a:rPr lang="ko-KR" altLang="en-US"/>
               <a:t>서울과학기술대학교</a:t>
             </a:r>
             <a:r>
-              <a:rPr lang="en-US" altLang="ko-KR" smtClean="0"/>
+              <a:rPr lang="en-US" altLang="ko-KR"/>
               <a:t>, IPIU2020</a:t>
             </a:r>
             <a:endParaRPr lang="ko-KR" altLang="en-US"/>
@@ -7777,7 +10887,7 @@
 </p:sld>
 </file>
 
-<file path=ppt/slides/slide6.xml><?xml version="1.0" encoding="utf-8"?>
+<file path=ppt/slides/slide7.xml><?xml version="1.0" encoding="utf-8"?>
 <p:sld xmlns:a="http://schemas.openxmlformats.org/drawingml/2006/main" xmlns:r="http://schemas.openxmlformats.org/officeDocument/2006/relationships" xmlns:p="http://schemas.openxmlformats.org/presentationml/2006/main">
   <p:cSld>
     <p:spTree>
@@ -7817,13 +10927,13 @@
           <a:lstStyle/>
           <a:p>
             <a:r>
-              <a:rPr lang="en-US" altLang="ko-KR" dirty="0" smtClean="0">
+              <a:rPr lang="en-US" altLang="ko-KR" dirty="0">
                 <a:latin typeface="Comic Sans MS" panose="030F0702030302020204" pitchFamily="66" charset="0"/>
               </a:rPr>
               <a:t>Modeling Target human using </a:t>
             </a:r>
             <a:r>
-              <a:rPr lang="en-US" altLang="ko-KR" dirty="0" err="1" smtClean="0">
+              <a:rPr lang="en-US" altLang="ko-KR" dirty="0" err="1">
                 <a:latin typeface="Comic Sans MS" panose="030F0702030302020204" pitchFamily="66" charset="0"/>
               </a:rPr>
               <a:t>SMPLify</a:t>
@@ -7897,7 +11007,7 @@
           <a:lstStyle/>
           <a:p>
             <a:r>
-              <a:rPr lang="en-US" altLang="ko-KR" sz="2800" dirty="0" smtClean="0">
+              <a:rPr lang="en-US" altLang="ko-KR" sz="2800" dirty="0">
                 <a:latin typeface="Comic Sans MS" panose="030F0702030302020204" pitchFamily="66" charset="0"/>
               </a:rPr>
               <a:t>Joint matching</a:t>
@@ -7931,7 +11041,7 @@
           <a:lstStyle/>
           <a:p>
             <a:r>
-              <a:rPr lang="en-US" altLang="ko-KR" sz="2800" dirty="0" smtClean="0">
+              <a:rPr lang="en-US" altLang="ko-KR" sz="2800" dirty="0">
                 <a:latin typeface="Comic Sans MS" panose="030F0702030302020204" pitchFamily="66" charset="0"/>
               </a:rPr>
               <a:t>Priors </a:t>
@@ -8031,31 +11141,25 @@
             </a:lvl1pPr>
           </a:lstStyle>
           <a:p>
-            <a:r>
-              <a:rPr lang="en-US" altLang="ko-KR" dirty="0" smtClean="0">
-                <a:latin typeface="Comic Sans MS" panose="030F0702030302020204" pitchFamily="66" charset="0"/>
-              </a:rPr>
-              <a:t/>
-            </a:r>
             <a:br>
-              <a:rPr lang="en-US" altLang="ko-KR" dirty="0" smtClean="0">
+              <a:rPr lang="en-US" altLang="ko-KR" dirty="0">
                 <a:latin typeface="Comic Sans MS" panose="030F0702030302020204" pitchFamily="66" charset="0"/>
               </a:rPr>
             </a:br>
             <a:r>
-              <a:rPr lang="en-US" altLang="ko-KR" dirty="0" smtClean="0">
+              <a:rPr lang="en-US" altLang="ko-KR" dirty="0">
                 <a:latin typeface="Comic Sans MS" panose="030F0702030302020204" pitchFamily="66" charset="0"/>
               </a:rPr>
               <a:t>parameter estimation of</a:t>
             </a:r>
             <a:r>
-              <a:rPr lang="ko-KR" altLang="en-US" dirty="0" smtClean="0">
+              <a:rPr lang="ko-KR" altLang="en-US" dirty="0">
                 <a:latin typeface="Comic Sans MS" panose="030F0702030302020204" pitchFamily="66" charset="0"/>
               </a:rPr>
               <a:t> </a:t>
             </a:r>
             <a:r>
-              <a:rPr lang="en-US" altLang="ko-KR" dirty="0" smtClean="0">
+              <a:rPr lang="en-US" altLang="ko-KR" dirty="0">
                 <a:latin typeface="Comic Sans MS" panose="030F0702030302020204" pitchFamily="66" charset="0"/>
               </a:rPr>
               <a:t>3D body of target human</a:t>
@@ -8088,16 +11192,10 @@
           <a:lstStyle/>
           <a:p>
             <a:r>
-              <a:rPr lang="en-US" altLang="ko-KR" sz="2400" dirty="0" smtClean="0">
-                <a:latin typeface="Comic Sans MS" panose="030F0702030302020204" pitchFamily="66" charset="0"/>
-              </a:rPr>
-              <a:t>2-D </a:t>
-            </a:r>
-            <a:r>
               <a:rPr lang="en-US" altLang="ko-KR" sz="2400" dirty="0">
                 <a:latin typeface="Comic Sans MS" panose="030F0702030302020204" pitchFamily="66" charset="0"/>
               </a:rPr>
-              <a:t>joints</a:t>
+              <a:t>2-D joints</a:t>
             </a:r>
             <a:endParaRPr lang="ko-KR" altLang="en-US" sz="2400" dirty="0">
               <a:latin typeface="Comic Sans MS" panose="030F0702030302020204" pitchFamily="66" charset="0"/>
@@ -8122,7 +11220,7 @@
           <a:p>
             <a:fld id="{F68880C3-40A4-49E0-BCB6-C39EE3ED2A06}" type="slidenum">
               <a:rPr lang="ko-KR" altLang="en-US" smtClean="0"/>
-              <a:t>6</a:t>
+              <a:t>7</a:t>
             </a:fld>
             <a:endParaRPr lang="ko-KR" altLang="en-US"/>
           </a:p>
@@ -8144,11 +11242,11 @@
           <a:lstStyle/>
           <a:p>
             <a:r>
-              <a:rPr lang="ko-KR" altLang="en-US" smtClean="0"/>
+              <a:rPr lang="ko-KR" altLang="en-US"/>
               <a:t>서울과학기술대학교</a:t>
             </a:r>
             <a:r>
-              <a:rPr lang="en-US" altLang="ko-KR" smtClean="0"/>
+              <a:rPr lang="en-US" altLang="ko-KR"/>
               <a:t>, IPIU2020</a:t>
             </a:r>
             <a:endParaRPr lang="ko-KR" altLang="en-US"/>
@@ -8168,7 +11266,7 @@
 </p:sld>
 </file>
 
-<file path=ppt/slides/slide7.xml><?xml version="1.0" encoding="utf-8"?>
+<file path=ppt/slides/slide8.xml><?xml version="1.0" encoding="utf-8"?>
 <p:sld xmlns:a="http://schemas.openxmlformats.org/drawingml/2006/main" xmlns:r="http://schemas.openxmlformats.org/officeDocument/2006/relationships" xmlns:p="http://schemas.openxmlformats.org/presentationml/2006/main">
   <p:cSld>
     <p:spTree>
@@ -8208,7 +11306,7 @@
           <a:lstStyle/>
           <a:p>
             <a:r>
-              <a:rPr lang="en-US" altLang="ko-KR" dirty="0" smtClean="0">
+              <a:rPr lang="en-US" altLang="ko-KR" dirty="0">
                 <a:latin typeface="Comic Sans MS" panose="030F0702030302020204" pitchFamily="66" charset="0"/>
               </a:rPr>
               <a:t>Transfer of the Cloth  to target user’s shape and pose  </a:t>
@@ -8323,7 +11421,7 @@
           <a:lstStyle/>
           <a:p>
             <a:r>
-              <a:rPr lang="en-US" altLang="ko-KR" sz="2400" dirty="0" smtClean="0">
+              <a:rPr lang="en-US" altLang="ko-KR" sz="2400" dirty="0">
                 <a:latin typeface="Comic Sans MS" panose="030F0702030302020204" pitchFamily="66" charset="0"/>
               </a:rPr>
               <a:t>Long sleeved cloth</a:t>
@@ -8356,7 +11454,7 @@
           <a:lstStyle/>
           <a:p>
             <a:r>
-              <a:rPr lang="en-US" altLang="ko-KR" sz="2400" dirty="0" smtClean="0">
+              <a:rPr lang="en-US" altLang="ko-KR" sz="2400" dirty="0">
                 <a:latin typeface="Comic Sans MS" panose="030F0702030302020204" pitchFamily="66" charset="0"/>
               </a:rPr>
               <a:t>Short sleeved cloth</a:t>
@@ -8384,7 +11482,7 @@
           <a:p>
             <a:fld id="{F68880C3-40A4-49E0-BCB6-C39EE3ED2A06}" type="slidenum">
               <a:rPr lang="ko-KR" altLang="en-US" smtClean="0"/>
-              <a:t>7</a:t>
+              <a:t>8</a:t>
             </a:fld>
             <a:endParaRPr lang="ko-KR" altLang="en-US"/>
           </a:p>
@@ -8406,11 +11504,11 @@
           <a:lstStyle/>
           <a:p>
             <a:r>
-              <a:rPr lang="ko-KR" altLang="en-US" smtClean="0"/>
+              <a:rPr lang="ko-KR" altLang="en-US"/>
               <a:t>서울과학기술대학교</a:t>
             </a:r>
             <a:r>
-              <a:rPr lang="en-US" altLang="ko-KR" smtClean="0"/>
+              <a:rPr lang="en-US" altLang="ko-KR"/>
               <a:t>, IPIU2020</a:t>
             </a:r>
             <a:endParaRPr lang="ko-KR" altLang="en-US"/>
@@ -8430,7 +11528,7 @@
 </p:sld>
 </file>
 
-<file path=ppt/slides/slide8.xml><?xml version="1.0" encoding="utf-8"?>
+<file path=ppt/slides/slide9.xml><?xml version="1.0" encoding="utf-8"?>
 <p:sld xmlns:a="http://schemas.openxmlformats.org/drawingml/2006/main" xmlns:r="http://schemas.openxmlformats.org/officeDocument/2006/relationships" xmlns:p="http://schemas.openxmlformats.org/presentationml/2006/main">
   <p:cSld>
     <p:spTree>
@@ -8470,7 +11568,7 @@
           <a:lstStyle/>
           <a:p>
             <a:r>
-              <a:rPr lang="en-US" altLang="ko-KR" dirty="0" smtClean="0">
+              <a:rPr lang="en-US" altLang="ko-KR" dirty="0">
                 <a:latin typeface="Comic Sans MS" panose="030F0702030302020204" pitchFamily="66" charset="0"/>
               </a:rPr>
               <a:t>Blending : result   </a:t>
@@ -8768,7 +11866,7 @@
           <a:lstStyle/>
           <a:p>
             <a:r>
-              <a:rPr lang="en-US" altLang="ko-KR" sz="2400" dirty="0" smtClean="0">
+              <a:rPr lang="en-US" altLang="ko-KR" sz="2400" dirty="0">
                 <a:latin typeface="Comic Sans MS" panose="030F0702030302020204" pitchFamily="66" charset="0"/>
                 <a:ea typeface="+mj-ea"/>
                 <a:cs typeface="+mj-cs"/>
@@ -8800,7 +11898,7 @@
           <a:p>
             <a:fld id="{F68880C3-40A4-49E0-BCB6-C39EE3ED2A06}" type="slidenum">
               <a:rPr lang="ko-KR" altLang="en-US" smtClean="0"/>
-              <a:t>8</a:t>
+              <a:t>9</a:t>
             </a:fld>
             <a:endParaRPr lang="ko-KR" altLang="en-US"/>
           </a:p>
@@ -8822,11 +11920,11 @@
           <a:lstStyle/>
           <a:p>
             <a:r>
-              <a:rPr lang="ko-KR" altLang="en-US" smtClean="0"/>
+              <a:rPr lang="ko-KR" altLang="en-US"/>
               <a:t>서울과학기술대학교</a:t>
             </a:r>
             <a:r>
-              <a:rPr lang="en-US" altLang="ko-KR" smtClean="0"/>
+              <a:rPr lang="en-US" altLang="ko-KR"/>
               <a:t>, IPIU2020</a:t>
             </a:r>
             <a:endParaRPr lang="ko-KR" altLang="en-US"/>
@@ -8837,422 +11935,6 @@
     <p:extLst>
       <p:ext uri="{BB962C8B-B14F-4D97-AF65-F5344CB8AC3E}">
         <p14:creationId xmlns:p14="http://schemas.microsoft.com/office/powerpoint/2010/main" val="1216341694"/>
-      </p:ext>
-    </p:extLst>
-  </p:cSld>
-  <p:clrMapOvr>
-    <a:masterClrMapping/>
-  </p:clrMapOvr>
-</p:sld>
-</file>
-
-<file path=ppt/slides/slide9.xml><?xml version="1.0" encoding="utf-8"?>
-<p:sld xmlns:a="http://schemas.openxmlformats.org/drawingml/2006/main" xmlns:r="http://schemas.openxmlformats.org/officeDocument/2006/relationships" xmlns:p="http://schemas.openxmlformats.org/presentationml/2006/main">
-  <p:cSld>
-    <p:spTree>
-      <p:nvGrpSpPr>
-        <p:cNvPr id="1" name=""/>
-        <p:cNvGrpSpPr/>
-        <p:nvPr/>
-      </p:nvGrpSpPr>
-      <p:grpSpPr>
-        <a:xfrm>
-          <a:off x="0" y="0"/>
-          <a:ext cx="0" cy="0"/>
-          <a:chOff x="0" y="0"/>
-          <a:chExt cx="0" cy="0"/>
-        </a:xfrm>
-      </p:grpSpPr>
-      <p:pic>
-        <p:nvPicPr>
-          <p:cNvPr id="17" name="그림 16"/>
-          <p:cNvPicPr>
-            <a:picLocks noChangeAspect="1"/>
-          </p:cNvPicPr>
-          <p:nvPr/>
-        </p:nvPicPr>
-        <p:blipFill>
-          <a:blip r:embed="rId2"/>
-          <a:stretch>
-            <a:fillRect/>
-          </a:stretch>
-        </p:blipFill>
-        <p:spPr>
-          <a:xfrm>
-            <a:off x="5308340" y="1085799"/>
-            <a:ext cx="1885950" cy="2466975"/>
-          </a:xfrm>
-          <a:prstGeom prst="rect">
-            <a:avLst/>
-          </a:prstGeom>
-        </p:spPr>
-      </p:pic>
-      <p:sp>
-        <p:nvSpPr>
-          <p:cNvPr id="2" name="제목 1"/>
-          <p:cNvSpPr>
-            <a:spLocks noGrp="1"/>
-          </p:cNvSpPr>
-          <p:nvPr>
-            <p:ph type="title"/>
-          </p:nvPr>
-        </p:nvSpPr>
-        <p:spPr>
-          <a:xfrm>
-            <a:off x="631635" y="356227"/>
-            <a:ext cx="10515600" cy="537552"/>
-          </a:xfrm>
-        </p:spPr>
-        <p:txBody>
-          <a:bodyPr>
-            <a:normAutofit fontScale="90000"/>
-          </a:bodyPr>
-          <a:lstStyle/>
-          <a:p>
-            <a:r>
-              <a:rPr lang="en-US" altLang="ko-KR" dirty="0" smtClean="0">
-                <a:latin typeface="Comic Sans MS" panose="030F0702030302020204" pitchFamily="66" charset="0"/>
-              </a:rPr>
-              <a:t>Blending : result (2)  </a:t>
-            </a:r>
-            <a:endParaRPr lang="ko-KR" altLang="en-US" dirty="0">
-              <a:latin typeface="Comic Sans MS" panose="030F0702030302020204" pitchFamily="66" charset="0"/>
-            </a:endParaRPr>
-          </a:p>
-        </p:txBody>
-      </p:sp>
-      <p:sp>
-        <p:nvSpPr>
-          <p:cNvPr id="9" name="TextBox 8"/>
-          <p:cNvSpPr txBox="1"/>
-          <p:nvPr/>
-        </p:nvSpPr>
-        <p:spPr>
-          <a:xfrm>
-            <a:off x="4855973" y="478280"/>
-            <a:ext cx="3059302" cy="830997"/>
-          </a:xfrm>
-          <a:prstGeom prst="rect">
-            <a:avLst/>
-          </a:prstGeom>
-          <a:noFill/>
-        </p:spPr>
-        <p:txBody>
-          <a:bodyPr wrap="square" rtlCol="0">
-            <a:spAutoFit/>
-          </a:bodyPr>
-          <a:lstStyle/>
-          <a:p>
-            <a:r>
-              <a:rPr lang="en-US" altLang="ko-KR" sz="2400" dirty="0">
-                <a:latin typeface="Comic Sans MS" panose="030F0702030302020204" pitchFamily="66" charset="0"/>
-                <a:ea typeface="+mj-ea"/>
-                <a:cs typeface="+mj-cs"/>
-              </a:rPr>
-              <a:t>State-of-the-art Image based VTON</a:t>
-            </a:r>
-            <a:endParaRPr lang="ko-KR" altLang="en-US" sz="2400" dirty="0">
-              <a:latin typeface="Comic Sans MS" panose="030F0702030302020204" pitchFamily="66" charset="0"/>
-              <a:ea typeface="+mj-ea"/>
-              <a:cs typeface="+mj-cs"/>
-            </a:endParaRPr>
-          </a:p>
-        </p:txBody>
-      </p:sp>
-      <p:sp>
-        <p:nvSpPr>
-          <p:cNvPr id="12" name="TextBox 11"/>
-          <p:cNvSpPr txBox="1"/>
-          <p:nvPr/>
-        </p:nvSpPr>
-        <p:spPr>
-          <a:xfrm>
-            <a:off x="1908272" y="3283130"/>
-            <a:ext cx="2092239" cy="461665"/>
-          </a:xfrm>
-          <a:prstGeom prst="rect">
-            <a:avLst/>
-          </a:prstGeom>
-          <a:noFill/>
-        </p:spPr>
-        <p:txBody>
-          <a:bodyPr wrap="square" rtlCol="0">
-            <a:spAutoFit/>
-          </a:bodyPr>
-          <a:lstStyle>
-            <a:defPPr>
-              <a:defRPr lang="ko-KR"/>
-            </a:defPPr>
-            <a:lvl1pPr>
-              <a:defRPr sz="2400">
-                <a:latin typeface="Comic Sans MS" panose="030F0702030302020204" pitchFamily="66" charset="0"/>
-                <a:ea typeface="+mj-ea"/>
-                <a:cs typeface="+mj-cs"/>
-              </a:defRPr>
-            </a:lvl1pPr>
-          </a:lstStyle>
-          <a:p>
-            <a:r>
-              <a:rPr lang="en-US" altLang="ko-KR" dirty="0"/>
-              <a:t>Try-on Cloth </a:t>
-            </a:r>
-            <a:endParaRPr lang="ko-KR" altLang="en-US" dirty="0"/>
-          </a:p>
-        </p:txBody>
-      </p:sp>
-      <p:sp>
-        <p:nvSpPr>
-          <p:cNvPr id="15" name="TextBox 14"/>
-          <p:cNvSpPr txBox="1"/>
-          <p:nvPr/>
-        </p:nvSpPr>
-        <p:spPr>
-          <a:xfrm>
-            <a:off x="2010365" y="6454084"/>
-            <a:ext cx="2073003" cy="461665"/>
-          </a:xfrm>
-          <a:prstGeom prst="rect">
-            <a:avLst/>
-          </a:prstGeom>
-          <a:noFill/>
-        </p:spPr>
-        <p:txBody>
-          <a:bodyPr wrap="square" rtlCol="0">
-            <a:spAutoFit/>
-          </a:bodyPr>
-          <a:lstStyle>
-            <a:defPPr>
-              <a:defRPr lang="ko-KR"/>
-            </a:defPPr>
-            <a:lvl1pPr>
-              <a:defRPr sz="2400">
-                <a:latin typeface="Comic Sans MS" panose="030F0702030302020204" pitchFamily="66" charset="0"/>
-                <a:ea typeface="+mj-ea"/>
-                <a:cs typeface="+mj-cs"/>
-              </a:defRPr>
-            </a:lvl1pPr>
-          </a:lstStyle>
-          <a:p>
-            <a:r>
-              <a:rPr lang="en-US" altLang="ko-KR" dirty="0"/>
-              <a:t>Ground truth</a:t>
-            </a:r>
-            <a:endParaRPr lang="ko-KR" altLang="en-US" dirty="0"/>
-          </a:p>
-        </p:txBody>
-      </p:sp>
-      <p:sp>
-        <p:nvSpPr>
-          <p:cNvPr id="16" name="TextBox 15"/>
-          <p:cNvSpPr txBox="1"/>
-          <p:nvPr/>
-        </p:nvSpPr>
-        <p:spPr>
-          <a:xfrm>
-            <a:off x="8719235" y="607648"/>
-            <a:ext cx="1643383" cy="461665"/>
-          </a:xfrm>
-          <a:prstGeom prst="rect">
-            <a:avLst/>
-          </a:prstGeom>
-          <a:noFill/>
-        </p:spPr>
-        <p:txBody>
-          <a:bodyPr wrap="square" rtlCol="0">
-            <a:spAutoFit/>
-          </a:bodyPr>
-          <a:lstStyle/>
-          <a:p>
-            <a:r>
-              <a:rPr lang="en-US" altLang="ko-KR" sz="2400" dirty="0" smtClean="0">
-                <a:latin typeface="Comic Sans MS" panose="030F0702030302020204" pitchFamily="66" charset="0"/>
-                <a:ea typeface="+mj-ea"/>
-                <a:cs typeface="+mj-cs"/>
-              </a:rPr>
-              <a:t>Proposed </a:t>
-            </a:r>
-            <a:endParaRPr lang="ko-KR" altLang="en-US" sz="2400" dirty="0">
-              <a:latin typeface="Comic Sans MS" panose="030F0702030302020204" pitchFamily="66" charset="0"/>
-              <a:ea typeface="+mj-ea"/>
-              <a:cs typeface="+mj-cs"/>
-            </a:endParaRPr>
-          </a:p>
-        </p:txBody>
-      </p:sp>
-      <p:pic>
-        <p:nvPicPr>
-          <p:cNvPr id="5" name="그림 4"/>
-          <p:cNvPicPr>
-            <a:picLocks noChangeAspect="1"/>
-          </p:cNvPicPr>
-          <p:nvPr/>
-        </p:nvPicPr>
-        <p:blipFill>
-          <a:blip r:embed="rId3"/>
-          <a:stretch>
-            <a:fillRect/>
-          </a:stretch>
-        </p:blipFill>
-        <p:spPr>
-          <a:xfrm>
-            <a:off x="1908272" y="1024461"/>
-            <a:ext cx="1866900" cy="2409825"/>
-          </a:xfrm>
-          <a:prstGeom prst="rect">
-            <a:avLst/>
-          </a:prstGeom>
-        </p:spPr>
-      </p:pic>
-      <p:pic>
-        <p:nvPicPr>
-          <p:cNvPr id="6" name="그림 5"/>
-          <p:cNvPicPr>
-            <a:picLocks noChangeAspect="1"/>
-          </p:cNvPicPr>
-          <p:nvPr/>
-        </p:nvPicPr>
-        <p:blipFill>
-          <a:blip r:embed="rId4"/>
-          <a:stretch>
-            <a:fillRect/>
-          </a:stretch>
-        </p:blipFill>
-        <p:spPr>
-          <a:xfrm>
-            <a:off x="2010365" y="3875477"/>
-            <a:ext cx="1819275" cy="2447925"/>
-          </a:xfrm>
-          <a:prstGeom prst="rect">
-            <a:avLst/>
-          </a:prstGeom>
-        </p:spPr>
-      </p:pic>
-      <p:pic>
-        <p:nvPicPr>
-          <p:cNvPr id="13" name="그림 12"/>
-          <p:cNvPicPr>
-            <a:picLocks noChangeAspect="1"/>
-          </p:cNvPicPr>
-          <p:nvPr/>
-        </p:nvPicPr>
-        <p:blipFill>
-          <a:blip r:embed="rId5"/>
-          <a:stretch>
-            <a:fillRect/>
-          </a:stretch>
-        </p:blipFill>
-        <p:spPr>
-          <a:xfrm>
-            <a:off x="8502119" y="1007455"/>
-            <a:ext cx="1828800" cy="2419350"/>
-          </a:xfrm>
-          <a:prstGeom prst="rect">
-            <a:avLst/>
-          </a:prstGeom>
-        </p:spPr>
-      </p:pic>
-      <p:pic>
-        <p:nvPicPr>
-          <p:cNvPr id="14" name="그림 13"/>
-          <p:cNvPicPr>
-            <a:picLocks noChangeAspect="1"/>
-          </p:cNvPicPr>
-          <p:nvPr/>
-        </p:nvPicPr>
-        <p:blipFill>
-          <a:blip r:embed="rId6"/>
-          <a:stretch>
-            <a:fillRect/>
-          </a:stretch>
-        </p:blipFill>
-        <p:spPr>
-          <a:xfrm>
-            <a:off x="8473544" y="3744795"/>
-            <a:ext cx="1857375" cy="2466975"/>
-          </a:xfrm>
-          <a:prstGeom prst="rect">
-            <a:avLst/>
-          </a:prstGeom>
-        </p:spPr>
-      </p:pic>
-      <p:pic>
-        <p:nvPicPr>
-          <p:cNvPr id="18" name="그림 17"/>
-          <p:cNvPicPr>
-            <a:picLocks noChangeAspect="1"/>
-          </p:cNvPicPr>
-          <p:nvPr/>
-        </p:nvPicPr>
-        <p:blipFill>
-          <a:blip r:embed="rId7"/>
-          <a:stretch>
-            <a:fillRect/>
-          </a:stretch>
-        </p:blipFill>
-        <p:spPr>
-          <a:xfrm>
-            <a:off x="5298815" y="3842088"/>
-            <a:ext cx="1876425" cy="2447925"/>
-          </a:xfrm>
-          <a:prstGeom prst="rect">
-            <a:avLst/>
-          </a:prstGeom>
-        </p:spPr>
-      </p:pic>
-      <p:sp>
-        <p:nvSpPr>
-          <p:cNvPr id="3" name="슬라이드 번호 개체 틀 2"/>
-          <p:cNvSpPr>
-            <a:spLocks noGrp="1"/>
-          </p:cNvSpPr>
-          <p:nvPr>
-            <p:ph type="sldNum" sz="quarter" idx="12"/>
-          </p:nvPr>
-        </p:nvSpPr>
-        <p:spPr/>
-        <p:txBody>
-          <a:bodyPr/>
-          <a:lstStyle/>
-          <a:p>
-            <a:fld id="{F68880C3-40A4-49E0-BCB6-C39EE3ED2A06}" type="slidenum">
-              <a:rPr lang="ko-KR" altLang="en-US" smtClean="0"/>
-              <a:t>9</a:t>
-            </a:fld>
-            <a:endParaRPr lang="ko-KR" altLang="en-US"/>
-          </a:p>
-        </p:txBody>
-      </p:sp>
-      <p:sp>
-        <p:nvSpPr>
-          <p:cNvPr id="4" name="바닥글 개체 틀 3"/>
-          <p:cNvSpPr>
-            <a:spLocks noGrp="1"/>
-          </p:cNvSpPr>
-          <p:nvPr>
-            <p:ph type="ftr" sz="quarter" idx="11"/>
-          </p:nvPr>
-        </p:nvSpPr>
-        <p:spPr/>
-        <p:txBody>
-          <a:bodyPr/>
-          <a:lstStyle/>
-          <a:p>
-            <a:r>
-              <a:rPr lang="ko-KR" altLang="en-US" smtClean="0"/>
-              <a:t>서울과학기술대학교</a:t>
-            </a:r>
-            <a:r>
-              <a:rPr lang="en-US" altLang="ko-KR" smtClean="0"/>
-              <a:t>, IPIU2020</a:t>
-            </a:r>
-            <a:endParaRPr lang="ko-KR" altLang="en-US"/>
-          </a:p>
-        </p:txBody>
-      </p:sp>
-    </p:spTree>
-    <p:extLst>
-      <p:ext uri="{BB962C8B-B14F-4D97-AF65-F5344CB8AC3E}">
-        <p14:creationId xmlns:p14="http://schemas.microsoft.com/office/powerpoint/2010/main" val="2675533769"/>
       </p:ext>
     </p:extLst>
   </p:cSld>
